--- a/RGTP_Figs.pptx
+++ b/RGTP_Figs.pptx
@@ -6,6 +6,7 @@
   </p:sldMasterIdLst>
   <p:sldIdLst>
     <p:sldId id="256" r:id="rId2"/>
+    <p:sldId id="257" r:id="rId3"/>
   </p:sldIdLst>
   <p:sldSz cx="12192000" cy="6858000"/>
   <p:notesSz cx="6858000" cy="9144000"/>
@@ -259,7 +260,7 @@
           <a:p>
             <a:fld id="{018594BC-0879-4397-A578-897A6AA5A489}" type="datetimeFigureOut">
               <a:rPr lang="en-US" smtClean="0"/>
-              <a:t>2/15/2024</a:t>
+              <a:t>3/4/2024</a:t>
             </a:fld>
             <a:endParaRPr lang="en-US"/>
           </a:p>
@@ -457,7 +458,7 @@
           <a:p>
             <a:fld id="{018594BC-0879-4397-A578-897A6AA5A489}" type="datetimeFigureOut">
               <a:rPr lang="en-US" smtClean="0"/>
-              <a:t>2/15/2024</a:t>
+              <a:t>3/4/2024</a:t>
             </a:fld>
             <a:endParaRPr lang="en-US"/>
           </a:p>
@@ -665,7 +666,7 @@
           <a:p>
             <a:fld id="{018594BC-0879-4397-A578-897A6AA5A489}" type="datetimeFigureOut">
               <a:rPr lang="en-US" smtClean="0"/>
-              <a:t>2/15/2024</a:t>
+              <a:t>3/4/2024</a:t>
             </a:fld>
             <a:endParaRPr lang="en-US"/>
           </a:p>
@@ -863,7 +864,7 @@
           <a:p>
             <a:fld id="{018594BC-0879-4397-A578-897A6AA5A489}" type="datetimeFigureOut">
               <a:rPr lang="en-US" smtClean="0"/>
-              <a:t>2/15/2024</a:t>
+              <a:t>3/4/2024</a:t>
             </a:fld>
             <a:endParaRPr lang="en-US"/>
           </a:p>
@@ -1138,7 +1139,7 @@
           <a:p>
             <a:fld id="{018594BC-0879-4397-A578-897A6AA5A489}" type="datetimeFigureOut">
               <a:rPr lang="en-US" smtClean="0"/>
-              <a:t>2/15/2024</a:t>
+              <a:t>3/4/2024</a:t>
             </a:fld>
             <a:endParaRPr lang="en-US"/>
           </a:p>
@@ -1403,7 +1404,7 @@
           <a:p>
             <a:fld id="{018594BC-0879-4397-A578-897A6AA5A489}" type="datetimeFigureOut">
               <a:rPr lang="en-US" smtClean="0"/>
-              <a:t>2/15/2024</a:t>
+              <a:t>3/4/2024</a:t>
             </a:fld>
             <a:endParaRPr lang="en-US"/>
           </a:p>
@@ -1815,7 +1816,7 @@
           <a:p>
             <a:fld id="{018594BC-0879-4397-A578-897A6AA5A489}" type="datetimeFigureOut">
               <a:rPr lang="en-US" smtClean="0"/>
-              <a:t>2/15/2024</a:t>
+              <a:t>3/4/2024</a:t>
             </a:fld>
             <a:endParaRPr lang="en-US"/>
           </a:p>
@@ -1956,7 +1957,7 @@
           <a:p>
             <a:fld id="{018594BC-0879-4397-A578-897A6AA5A489}" type="datetimeFigureOut">
               <a:rPr lang="en-US" smtClean="0"/>
-              <a:t>2/15/2024</a:t>
+              <a:t>3/4/2024</a:t>
             </a:fld>
             <a:endParaRPr lang="en-US"/>
           </a:p>
@@ -2069,7 +2070,7 @@
           <a:p>
             <a:fld id="{018594BC-0879-4397-A578-897A6AA5A489}" type="datetimeFigureOut">
               <a:rPr lang="en-US" smtClean="0"/>
-              <a:t>2/15/2024</a:t>
+              <a:t>3/4/2024</a:t>
             </a:fld>
             <a:endParaRPr lang="en-US"/>
           </a:p>
@@ -2380,7 +2381,7 @@
           <a:p>
             <a:fld id="{018594BC-0879-4397-A578-897A6AA5A489}" type="datetimeFigureOut">
               <a:rPr lang="en-US" smtClean="0"/>
-              <a:t>2/15/2024</a:t>
+              <a:t>3/4/2024</a:t>
             </a:fld>
             <a:endParaRPr lang="en-US"/>
           </a:p>
@@ -2668,7 +2669,7 @@
           <a:p>
             <a:fld id="{018594BC-0879-4397-A578-897A6AA5A489}" type="datetimeFigureOut">
               <a:rPr lang="en-US" smtClean="0"/>
-              <a:t>2/15/2024</a:t>
+              <a:t>3/4/2024</a:t>
             </a:fld>
             <a:endParaRPr lang="en-US"/>
           </a:p>
@@ -2909,7 +2910,7 @@
           <a:p>
             <a:fld id="{018594BC-0879-4397-A578-897A6AA5A489}" type="datetimeFigureOut">
               <a:rPr lang="en-US" smtClean="0"/>
-              <a:t>2/15/2024</a:t>
+              <a:t>3/4/2024</a:t>
             </a:fld>
             <a:endParaRPr lang="en-US"/>
           </a:p>
@@ -6513,6 +6514,7968 @@
 </p:sld>
 </file>
 
+<file path=ppt/slides/slide2.xml><?xml version="1.0" encoding="utf-8"?>
+<p:sld xmlns:a="http://schemas.openxmlformats.org/drawingml/2006/main" xmlns:r="http://schemas.openxmlformats.org/officeDocument/2006/relationships" xmlns:p="http://schemas.openxmlformats.org/presentationml/2006/main">
+  <p:cSld>
+    <p:spTree>
+      <p:nvGrpSpPr>
+        <p:cNvPr id="1" name=""/>
+        <p:cNvGrpSpPr/>
+        <p:nvPr/>
+      </p:nvGrpSpPr>
+      <p:grpSpPr>
+        <a:xfrm>
+          <a:off x="0" y="0"/>
+          <a:ext cx="0" cy="0"/>
+          <a:chOff x="0" y="0"/>
+          <a:chExt cx="0" cy="0"/>
+        </a:xfrm>
+      </p:grpSpPr>
+      <p:grpSp>
+        <p:nvGrpSpPr>
+          <p:cNvPr id="2" name="Group 1">
+            <a:extLst>
+              <a:ext uri="{FF2B5EF4-FFF2-40B4-BE49-F238E27FC236}">
+                <a16:creationId xmlns:a16="http://schemas.microsoft.com/office/drawing/2014/main" id="{415283ED-7E3B-8104-2F6C-1C62B32DF702}"/>
+              </a:ext>
+            </a:extLst>
+          </p:cNvPr>
+          <p:cNvGrpSpPr/>
+          <p:nvPr/>
+        </p:nvGrpSpPr>
+        <p:grpSpPr>
+          <a:xfrm>
+            <a:off x="4566" y="159542"/>
+            <a:ext cx="13277850" cy="10452311"/>
+            <a:chOff x="4566" y="159542"/>
+            <a:chExt cx="13277850" cy="10452311"/>
+          </a:xfrm>
+        </p:grpSpPr>
+        <p:sp>
+          <p:nvSpPr>
+            <p:cNvPr id="3" name="Rectangle 2">
+              <a:extLst>
+                <a:ext uri="{FF2B5EF4-FFF2-40B4-BE49-F238E27FC236}">
+                  <a16:creationId xmlns:a16="http://schemas.microsoft.com/office/drawing/2014/main" id="{3C81598E-00F0-2C91-1CC6-124D01C43A5B}"/>
+                </a:ext>
+              </a:extLst>
+            </p:cNvPr>
+            <p:cNvSpPr/>
+            <p:nvPr/>
+          </p:nvSpPr>
+          <p:spPr>
+            <a:xfrm>
+              <a:off x="4566" y="159542"/>
+              <a:ext cx="13277850" cy="10452311"/>
+            </a:xfrm>
+            <a:prstGeom prst="rect">
+              <a:avLst/>
+            </a:prstGeom>
+            <a:solidFill>
+              <a:schemeClr val="bg1"/>
+            </a:solidFill>
+            <a:ln>
+              <a:solidFill>
+                <a:schemeClr val="bg1"/>
+              </a:solidFill>
+            </a:ln>
+          </p:spPr>
+          <p:style>
+            <a:lnRef idx="2">
+              <a:schemeClr val="accent1">
+                <a:shade val="50000"/>
+              </a:schemeClr>
+            </a:lnRef>
+            <a:fillRef idx="1">
+              <a:schemeClr val="accent1"/>
+            </a:fillRef>
+            <a:effectRef idx="0">
+              <a:schemeClr val="accent1"/>
+            </a:effectRef>
+            <a:fontRef idx="minor">
+              <a:schemeClr val="lt1"/>
+            </a:fontRef>
+          </p:style>
+          <p:txBody>
+            <a:bodyPr rtlCol="0" anchor="ctr"/>
+            <a:lstStyle/>
+            <a:p>
+              <a:pPr algn="ctr"/>
+              <a:endParaRPr lang="en-US"/>
+            </a:p>
+          </p:txBody>
+        </p:sp>
+        <p:grpSp>
+          <p:nvGrpSpPr>
+            <p:cNvPr id="4" name="Group 3">
+              <a:extLst>
+                <a:ext uri="{FF2B5EF4-FFF2-40B4-BE49-F238E27FC236}">
+                  <a16:creationId xmlns:a16="http://schemas.microsoft.com/office/drawing/2014/main" id="{6C073F53-3591-AC3F-FBE0-4A7ABBAB2BC2}"/>
+                </a:ext>
+              </a:extLst>
+            </p:cNvPr>
+            <p:cNvGrpSpPr/>
+            <p:nvPr/>
+          </p:nvGrpSpPr>
+          <p:grpSpPr>
+            <a:xfrm>
+              <a:off x="381866" y="581787"/>
+              <a:ext cx="9002683" cy="307777"/>
+              <a:chOff x="1039091" y="581787"/>
+              <a:chExt cx="9002683" cy="307777"/>
+            </a:xfrm>
+          </p:grpSpPr>
+          <p:sp>
+            <p:nvSpPr>
+              <p:cNvPr id="201" name="Rectangle 200">
+                <a:extLst>
+                  <a:ext uri="{FF2B5EF4-FFF2-40B4-BE49-F238E27FC236}">
+                    <a16:creationId xmlns:a16="http://schemas.microsoft.com/office/drawing/2014/main" id="{84CDBBBA-C99B-5AD9-D64B-762199736339}"/>
+                  </a:ext>
+                </a:extLst>
+              </p:cNvPr>
+              <p:cNvSpPr/>
+              <p:nvPr/>
+            </p:nvSpPr>
+            <p:spPr>
+              <a:xfrm>
+                <a:off x="2169621" y="665018"/>
+                <a:ext cx="7872153" cy="141317"/>
+              </a:xfrm>
+              <a:prstGeom prst="rect">
+                <a:avLst/>
+              </a:prstGeom>
+              <a:solidFill>
+                <a:schemeClr val="tx1"/>
+              </a:solidFill>
+              <a:ln>
+                <a:solidFill>
+                  <a:schemeClr val="tx1"/>
+                </a:solidFill>
+              </a:ln>
+            </p:spPr>
+            <p:style>
+              <a:lnRef idx="2">
+                <a:schemeClr val="accent1">
+                  <a:shade val="50000"/>
+                </a:schemeClr>
+              </a:lnRef>
+              <a:fillRef idx="1">
+                <a:schemeClr val="accent1"/>
+              </a:fillRef>
+              <a:effectRef idx="0">
+                <a:schemeClr val="accent1"/>
+              </a:effectRef>
+              <a:fontRef idx="minor">
+                <a:schemeClr val="lt1"/>
+              </a:fontRef>
+            </p:style>
+            <p:txBody>
+              <a:bodyPr rtlCol="0" anchor="ctr"/>
+              <a:lstStyle/>
+              <a:p>
+                <a:pPr algn="ctr"/>
+                <a:endParaRPr lang="en-US"/>
+              </a:p>
+            </p:txBody>
+          </p:sp>
+          <p:sp>
+            <p:nvSpPr>
+              <p:cNvPr id="202" name="TextBox 201">
+                <a:extLst>
+                  <a:ext uri="{FF2B5EF4-FFF2-40B4-BE49-F238E27FC236}">
+                    <a16:creationId xmlns:a16="http://schemas.microsoft.com/office/drawing/2014/main" id="{2EA59151-8489-531F-AA27-7376C62A0F67}"/>
+                  </a:ext>
+                </a:extLst>
+              </p:cNvPr>
+              <p:cNvSpPr txBox="1"/>
+              <p:nvPr/>
+            </p:nvSpPr>
+            <p:spPr>
+              <a:xfrm>
+                <a:off x="1039091" y="581787"/>
+                <a:ext cx="872836" cy="307777"/>
+              </a:xfrm>
+              <a:prstGeom prst="rect">
+                <a:avLst/>
+              </a:prstGeom>
+              <a:noFill/>
+            </p:spPr>
+            <p:txBody>
+              <a:bodyPr wrap="square" rtlCol="0">
+                <a:spAutoFit/>
+              </a:bodyPr>
+              <a:lstStyle/>
+              <a:p>
+                <a:r>
+                  <a:rPr lang="en-US" sz="1400" dirty="0"/>
+                  <a:t>DNA</a:t>
+                </a:r>
+              </a:p>
+            </p:txBody>
+          </p:sp>
+        </p:grpSp>
+        <p:grpSp>
+          <p:nvGrpSpPr>
+            <p:cNvPr id="5" name="Group 4">
+              <a:extLst>
+                <a:ext uri="{FF2B5EF4-FFF2-40B4-BE49-F238E27FC236}">
+                  <a16:creationId xmlns:a16="http://schemas.microsoft.com/office/drawing/2014/main" id="{274E6CFF-05F4-5816-FE68-ED6BED1160AE}"/>
+                </a:ext>
+              </a:extLst>
+            </p:cNvPr>
+            <p:cNvGrpSpPr/>
+            <p:nvPr/>
+          </p:nvGrpSpPr>
+          <p:grpSpPr>
+            <a:xfrm>
+              <a:off x="5448472" y="806335"/>
+              <a:ext cx="1037707" cy="1097280"/>
+              <a:chOff x="6105697" y="806335"/>
+              <a:chExt cx="1037707" cy="1097280"/>
+            </a:xfrm>
+          </p:grpSpPr>
+          <p:cxnSp>
+            <p:nvCxnSpPr>
+              <p:cNvPr id="199" name="Straight Arrow Connector 198">
+                <a:extLst>
+                  <a:ext uri="{FF2B5EF4-FFF2-40B4-BE49-F238E27FC236}">
+                    <a16:creationId xmlns:a16="http://schemas.microsoft.com/office/drawing/2014/main" id="{66EB5914-0AD6-D87F-3086-038699B49A14}"/>
+                  </a:ext>
+                </a:extLst>
+              </p:cNvPr>
+              <p:cNvCxnSpPr>
+                <a:stCxn id="201" idx="2"/>
+              </p:cNvCxnSpPr>
+              <p:nvPr/>
+            </p:nvCxnSpPr>
+            <p:spPr>
+              <a:xfrm flipH="1">
+                <a:off x="6105697" y="806335"/>
+                <a:ext cx="1" cy="1097280"/>
+              </a:xfrm>
+              <a:prstGeom prst="straightConnector1">
+                <a:avLst/>
+              </a:prstGeom>
+              <a:ln w="38100">
+                <a:tailEnd type="triangle"/>
+              </a:ln>
+            </p:spPr>
+            <p:style>
+              <a:lnRef idx="1">
+                <a:schemeClr val="dk1"/>
+              </a:lnRef>
+              <a:fillRef idx="0">
+                <a:schemeClr val="dk1"/>
+              </a:fillRef>
+              <a:effectRef idx="0">
+                <a:schemeClr val="dk1"/>
+              </a:effectRef>
+              <a:fontRef idx="minor">
+                <a:schemeClr val="tx1"/>
+              </a:fontRef>
+            </p:style>
+          </p:cxnSp>
+          <p:sp>
+            <p:nvSpPr>
+              <p:cNvPr id="200" name="TextBox 199">
+                <a:extLst>
+                  <a:ext uri="{FF2B5EF4-FFF2-40B4-BE49-F238E27FC236}">
+                    <a16:creationId xmlns:a16="http://schemas.microsoft.com/office/drawing/2014/main" id="{4654BF5B-C44B-11DD-440B-4945EB0B05F0}"/>
+                  </a:ext>
+                </a:extLst>
+              </p:cNvPr>
+              <p:cNvSpPr txBox="1"/>
+              <p:nvPr/>
+            </p:nvSpPr>
+            <p:spPr>
+              <a:xfrm>
+                <a:off x="6270568" y="1201086"/>
+                <a:ext cx="872836" cy="307777"/>
+              </a:xfrm>
+              <a:prstGeom prst="rect">
+                <a:avLst/>
+              </a:prstGeom>
+              <a:noFill/>
+            </p:spPr>
+            <p:txBody>
+              <a:bodyPr wrap="square" rtlCol="0">
+                <a:spAutoFit/>
+              </a:bodyPr>
+              <a:lstStyle/>
+              <a:p>
+                <a:r>
+                  <a:rPr lang="en-US" sz="1400" dirty="0"/>
+                  <a:t>Digestion</a:t>
+                </a:r>
+              </a:p>
+            </p:txBody>
+          </p:sp>
+        </p:grpSp>
+        <p:grpSp>
+          <p:nvGrpSpPr>
+            <p:cNvPr id="6" name="Group 5">
+              <a:extLst>
+                <a:ext uri="{FF2B5EF4-FFF2-40B4-BE49-F238E27FC236}">
+                  <a16:creationId xmlns:a16="http://schemas.microsoft.com/office/drawing/2014/main" id="{3BF4E782-A8E2-6B17-3B8E-9A9B3E53AD7D}"/>
+                </a:ext>
+              </a:extLst>
+            </p:cNvPr>
+            <p:cNvGrpSpPr/>
+            <p:nvPr/>
+          </p:nvGrpSpPr>
+          <p:grpSpPr>
+            <a:xfrm>
+              <a:off x="1512396" y="2006137"/>
+              <a:ext cx="7872153" cy="146304"/>
+              <a:chOff x="2169621" y="2006137"/>
+              <a:chExt cx="7872153" cy="146304"/>
+            </a:xfrm>
+          </p:grpSpPr>
+          <p:sp>
+            <p:nvSpPr>
+              <p:cNvPr id="195" name="Rectangle 194">
+                <a:extLst>
+                  <a:ext uri="{FF2B5EF4-FFF2-40B4-BE49-F238E27FC236}">
+                    <a16:creationId xmlns:a16="http://schemas.microsoft.com/office/drawing/2014/main" id="{F1A87BEF-2343-35F8-01C7-EF9E51E4EA0C}"/>
+                  </a:ext>
+                </a:extLst>
+              </p:cNvPr>
+              <p:cNvSpPr/>
+              <p:nvPr/>
+            </p:nvSpPr>
+            <p:spPr>
+              <a:xfrm>
+                <a:off x="2169621" y="2006137"/>
+                <a:ext cx="2560320" cy="146304"/>
+              </a:xfrm>
+              <a:prstGeom prst="rect">
+                <a:avLst/>
+              </a:prstGeom>
+              <a:solidFill>
+                <a:schemeClr val="tx1"/>
+              </a:solidFill>
+              <a:ln>
+                <a:solidFill>
+                  <a:schemeClr val="tx1"/>
+                </a:solidFill>
+              </a:ln>
+            </p:spPr>
+            <p:style>
+              <a:lnRef idx="2">
+                <a:schemeClr val="accent1">
+                  <a:shade val="50000"/>
+                </a:schemeClr>
+              </a:lnRef>
+              <a:fillRef idx="1">
+                <a:schemeClr val="accent1"/>
+              </a:fillRef>
+              <a:effectRef idx="0">
+                <a:schemeClr val="accent1"/>
+              </a:effectRef>
+              <a:fontRef idx="minor">
+                <a:schemeClr val="lt1"/>
+              </a:fontRef>
+            </p:style>
+            <p:txBody>
+              <a:bodyPr rtlCol="0" anchor="ctr"/>
+              <a:lstStyle/>
+              <a:p>
+                <a:pPr algn="ctr"/>
+                <a:endParaRPr lang="en-US"/>
+              </a:p>
+            </p:txBody>
+          </p:sp>
+          <p:sp>
+            <p:nvSpPr>
+              <p:cNvPr id="196" name="Rectangle 195">
+                <a:extLst>
+                  <a:ext uri="{FF2B5EF4-FFF2-40B4-BE49-F238E27FC236}">
+                    <a16:creationId xmlns:a16="http://schemas.microsoft.com/office/drawing/2014/main" id="{CFE2CC3F-A664-A357-237E-BB18E1AE5F75}"/>
+                  </a:ext>
+                </a:extLst>
+              </p:cNvPr>
+              <p:cNvSpPr/>
+              <p:nvPr/>
+            </p:nvSpPr>
+            <p:spPr>
+              <a:xfrm>
+                <a:off x="5081848" y="2006137"/>
+                <a:ext cx="1188720" cy="146304"/>
+              </a:xfrm>
+              <a:prstGeom prst="rect">
+                <a:avLst/>
+              </a:prstGeom>
+              <a:solidFill>
+                <a:schemeClr val="tx1"/>
+              </a:solidFill>
+              <a:ln>
+                <a:solidFill>
+                  <a:schemeClr val="tx1"/>
+                </a:solidFill>
+              </a:ln>
+            </p:spPr>
+            <p:style>
+              <a:lnRef idx="2">
+                <a:schemeClr val="accent1">
+                  <a:shade val="50000"/>
+                </a:schemeClr>
+              </a:lnRef>
+              <a:fillRef idx="1">
+                <a:schemeClr val="accent1"/>
+              </a:fillRef>
+              <a:effectRef idx="0">
+                <a:schemeClr val="accent1"/>
+              </a:effectRef>
+              <a:fontRef idx="minor">
+                <a:schemeClr val="lt1"/>
+              </a:fontRef>
+            </p:style>
+            <p:txBody>
+              <a:bodyPr rtlCol="0" anchor="ctr"/>
+              <a:lstStyle/>
+              <a:p>
+                <a:pPr algn="ctr"/>
+                <a:endParaRPr lang="en-US"/>
+              </a:p>
+            </p:txBody>
+          </p:sp>
+          <p:sp>
+            <p:nvSpPr>
+              <p:cNvPr id="197" name="Rectangle 196">
+                <a:extLst>
+                  <a:ext uri="{FF2B5EF4-FFF2-40B4-BE49-F238E27FC236}">
+                    <a16:creationId xmlns:a16="http://schemas.microsoft.com/office/drawing/2014/main" id="{73B472A6-A817-3BAA-0711-5E3CE0A51BD9}"/>
+                  </a:ext>
+                </a:extLst>
+              </p:cNvPr>
+              <p:cNvSpPr/>
+              <p:nvPr/>
+            </p:nvSpPr>
+            <p:spPr>
+              <a:xfrm>
+                <a:off x="6628014" y="2006137"/>
+                <a:ext cx="1645920" cy="146304"/>
+              </a:xfrm>
+              <a:prstGeom prst="rect">
+                <a:avLst/>
+              </a:prstGeom>
+              <a:solidFill>
+                <a:schemeClr val="tx1"/>
+              </a:solidFill>
+              <a:ln>
+                <a:solidFill>
+                  <a:schemeClr val="tx1"/>
+                </a:solidFill>
+              </a:ln>
+            </p:spPr>
+            <p:style>
+              <a:lnRef idx="2">
+                <a:schemeClr val="accent1">
+                  <a:shade val="50000"/>
+                </a:schemeClr>
+              </a:lnRef>
+              <a:fillRef idx="1">
+                <a:schemeClr val="accent1"/>
+              </a:fillRef>
+              <a:effectRef idx="0">
+                <a:schemeClr val="accent1"/>
+              </a:effectRef>
+              <a:fontRef idx="minor">
+                <a:schemeClr val="lt1"/>
+              </a:fontRef>
+            </p:style>
+            <p:txBody>
+              <a:bodyPr rtlCol="0" anchor="ctr"/>
+              <a:lstStyle/>
+              <a:p>
+                <a:pPr algn="ctr"/>
+                <a:endParaRPr lang="en-US"/>
+              </a:p>
+            </p:txBody>
+          </p:sp>
+          <p:sp>
+            <p:nvSpPr>
+              <p:cNvPr id="198" name="Rectangle 197">
+                <a:extLst>
+                  <a:ext uri="{FF2B5EF4-FFF2-40B4-BE49-F238E27FC236}">
+                    <a16:creationId xmlns:a16="http://schemas.microsoft.com/office/drawing/2014/main" id="{E8CCF0BF-0454-5447-45CB-2087C6BE2827}"/>
+                  </a:ext>
+                </a:extLst>
+              </p:cNvPr>
+              <p:cNvSpPr/>
+              <p:nvPr/>
+            </p:nvSpPr>
+            <p:spPr>
+              <a:xfrm>
+                <a:off x="8487294" y="2006137"/>
+                <a:ext cx="1554480" cy="146304"/>
+              </a:xfrm>
+              <a:prstGeom prst="rect">
+                <a:avLst/>
+              </a:prstGeom>
+              <a:solidFill>
+                <a:schemeClr val="tx1"/>
+              </a:solidFill>
+              <a:ln>
+                <a:solidFill>
+                  <a:schemeClr val="tx1"/>
+                </a:solidFill>
+              </a:ln>
+            </p:spPr>
+            <p:style>
+              <a:lnRef idx="2">
+                <a:schemeClr val="accent1">
+                  <a:shade val="50000"/>
+                </a:schemeClr>
+              </a:lnRef>
+              <a:fillRef idx="1">
+                <a:schemeClr val="accent1"/>
+              </a:fillRef>
+              <a:effectRef idx="0">
+                <a:schemeClr val="accent1"/>
+              </a:effectRef>
+              <a:fontRef idx="minor">
+                <a:schemeClr val="lt1"/>
+              </a:fontRef>
+            </p:style>
+            <p:txBody>
+              <a:bodyPr rtlCol="0" anchor="ctr"/>
+              <a:lstStyle/>
+              <a:p>
+                <a:pPr algn="ctr"/>
+                <a:endParaRPr lang="en-US"/>
+              </a:p>
+            </p:txBody>
+          </p:sp>
+        </p:grpSp>
+        <p:grpSp>
+          <p:nvGrpSpPr>
+            <p:cNvPr id="7" name="Group 6">
+              <a:extLst>
+                <a:ext uri="{FF2B5EF4-FFF2-40B4-BE49-F238E27FC236}">
+                  <a16:creationId xmlns:a16="http://schemas.microsoft.com/office/drawing/2014/main" id="{052C39F0-A9E6-BFD3-D721-0EB9C3F12A5D}"/>
+                </a:ext>
+              </a:extLst>
+            </p:cNvPr>
+            <p:cNvGrpSpPr/>
+            <p:nvPr/>
+          </p:nvGrpSpPr>
+          <p:grpSpPr>
+            <a:xfrm>
+              <a:off x="5448471" y="2242597"/>
+              <a:ext cx="1037708" cy="1097280"/>
+              <a:chOff x="6105696" y="2242597"/>
+              <a:chExt cx="1037708" cy="1097280"/>
+            </a:xfrm>
+          </p:grpSpPr>
+          <p:cxnSp>
+            <p:nvCxnSpPr>
+              <p:cNvPr id="193" name="Straight Arrow Connector 192">
+                <a:extLst>
+                  <a:ext uri="{FF2B5EF4-FFF2-40B4-BE49-F238E27FC236}">
+                    <a16:creationId xmlns:a16="http://schemas.microsoft.com/office/drawing/2014/main" id="{F4458FB1-E8AD-6012-E0F3-0532F02B1515}"/>
+                  </a:ext>
+                </a:extLst>
+              </p:cNvPr>
+              <p:cNvCxnSpPr/>
+              <p:nvPr/>
+            </p:nvCxnSpPr>
+            <p:spPr>
+              <a:xfrm flipH="1">
+                <a:off x="6105696" y="2242597"/>
+                <a:ext cx="1" cy="1097280"/>
+              </a:xfrm>
+              <a:prstGeom prst="straightConnector1">
+                <a:avLst/>
+              </a:prstGeom>
+              <a:ln w="38100">
+                <a:tailEnd type="triangle"/>
+              </a:ln>
+            </p:spPr>
+            <p:style>
+              <a:lnRef idx="1">
+                <a:schemeClr val="dk1"/>
+              </a:lnRef>
+              <a:fillRef idx="0">
+                <a:schemeClr val="dk1"/>
+              </a:fillRef>
+              <a:effectRef idx="0">
+                <a:schemeClr val="dk1"/>
+              </a:effectRef>
+              <a:fontRef idx="minor">
+                <a:schemeClr val="tx1"/>
+              </a:fontRef>
+            </p:style>
+          </p:cxnSp>
+          <p:sp>
+            <p:nvSpPr>
+              <p:cNvPr id="194" name="TextBox 193">
+                <a:extLst>
+                  <a:ext uri="{FF2B5EF4-FFF2-40B4-BE49-F238E27FC236}">
+                    <a16:creationId xmlns:a16="http://schemas.microsoft.com/office/drawing/2014/main" id="{7EA883C4-5AFB-BDB2-732E-520A21BA62DB}"/>
+                  </a:ext>
+                </a:extLst>
+              </p:cNvPr>
+              <p:cNvSpPr txBox="1"/>
+              <p:nvPr/>
+            </p:nvSpPr>
+            <p:spPr>
+              <a:xfrm>
+                <a:off x="6270568" y="2637348"/>
+                <a:ext cx="872836" cy="307777"/>
+              </a:xfrm>
+              <a:prstGeom prst="rect">
+                <a:avLst/>
+              </a:prstGeom>
+              <a:noFill/>
+            </p:spPr>
+            <p:txBody>
+              <a:bodyPr wrap="square" rtlCol="0">
+                <a:spAutoFit/>
+              </a:bodyPr>
+              <a:lstStyle/>
+              <a:p>
+                <a:r>
+                  <a:rPr lang="en-US" sz="1400" dirty="0"/>
+                  <a:t>Ligation</a:t>
+                </a:r>
+              </a:p>
+            </p:txBody>
+          </p:sp>
+        </p:grpSp>
+        <p:grpSp>
+          <p:nvGrpSpPr>
+            <p:cNvPr id="8" name="Group 7">
+              <a:extLst>
+                <a:ext uri="{FF2B5EF4-FFF2-40B4-BE49-F238E27FC236}">
+                  <a16:creationId xmlns:a16="http://schemas.microsoft.com/office/drawing/2014/main" id="{5D773DE2-900D-0CD1-E43B-27BAC6A06926}"/>
+                </a:ext>
+              </a:extLst>
+            </p:cNvPr>
+            <p:cNvGrpSpPr/>
+            <p:nvPr/>
+          </p:nvGrpSpPr>
+          <p:grpSpPr>
+            <a:xfrm>
+              <a:off x="365238" y="3349295"/>
+              <a:ext cx="9019309" cy="1025924"/>
+              <a:chOff x="1022463" y="3349295"/>
+              <a:chExt cx="9019309" cy="1025924"/>
+            </a:xfrm>
+          </p:grpSpPr>
+          <p:grpSp>
+            <p:nvGrpSpPr>
+              <p:cNvPr id="148" name="Group 147">
+                <a:extLst>
+                  <a:ext uri="{FF2B5EF4-FFF2-40B4-BE49-F238E27FC236}">
+                    <a16:creationId xmlns:a16="http://schemas.microsoft.com/office/drawing/2014/main" id="{B386891B-804E-F492-3906-FAD48056B67E}"/>
+                  </a:ext>
+                </a:extLst>
+              </p:cNvPr>
+              <p:cNvGrpSpPr/>
+              <p:nvPr/>
+            </p:nvGrpSpPr>
+            <p:grpSpPr>
+              <a:xfrm>
+                <a:off x="1022463" y="3349295"/>
+                <a:ext cx="9019309" cy="307777"/>
+                <a:chOff x="1022463" y="3349295"/>
+                <a:chExt cx="9019309" cy="307777"/>
+              </a:xfrm>
+            </p:grpSpPr>
+            <p:grpSp>
+              <p:nvGrpSpPr>
+                <p:cNvPr id="179" name="Group 178">
+                  <a:extLst>
+                    <a:ext uri="{FF2B5EF4-FFF2-40B4-BE49-F238E27FC236}">
+                      <a16:creationId xmlns:a16="http://schemas.microsoft.com/office/drawing/2014/main" id="{A2D02D69-1A3F-E3D7-D18B-EEE8D078A5CA}"/>
+                    </a:ext>
+                  </a:extLst>
+                </p:cNvPr>
+                <p:cNvGrpSpPr/>
+                <p:nvPr/>
+              </p:nvGrpSpPr>
+              <p:grpSpPr>
+                <a:xfrm>
+                  <a:off x="2082992" y="3431235"/>
+                  <a:ext cx="7958780" cy="146304"/>
+                  <a:chOff x="2082992" y="3431235"/>
+                  <a:chExt cx="7958780" cy="146304"/>
+                </a:xfrm>
+              </p:grpSpPr>
+              <p:grpSp>
+                <p:nvGrpSpPr>
+                  <p:cNvPr id="181" name="Group 180">
+                    <a:extLst>
+                      <a:ext uri="{FF2B5EF4-FFF2-40B4-BE49-F238E27FC236}">
+                        <a16:creationId xmlns:a16="http://schemas.microsoft.com/office/drawing/2014/main" id="{E33412B5-CB6C-B04C-E3E8-EC7D83F6E907}"/>
+                      </a:ext>
+                    </a:extLst>
+                  </p:cNvPr>
+                  <p:cNvGrpSpPr/>
+                  <p:nvPr/>
+                </p:nvGrpSpPr>
+                <p:grpSpPr>
+                  <a:xfrm>
+                    <a:off x="2082992" y="3431235"/>
+                    <a:ext cx="2560320" cy="146304"/>
+                    <a:chOff x="2082992" y="3431235"/>
+                    <a:chExt cx="2560320" cy="146304"/>
+                  </a:xfrm>
+                </p:grpSpPr>
+                <p:sp>
+                  <p:nvSpPr>
+                    <p:cNvPr id="191" name="Rectangle 190">
+                      <a:extLst>
+                        <a:ext uri="{FF2B5EF4-FFF2-40B4-BE49-F238E27FC236}">
+                          <a16:creationId xmlns:a16="http://schemas.microsoft.com/office/drawing/2014/main" id="{9ABF7258-12F9-5252-4737-45352132A1F0}"/>
+                        </a:ext>
+                      </a:extLst>
+                    </p:cNvPr>
+                    <p:cNvSpPr/>
+                    <p:nvPr/>
+                  </p:nvSpPr>
+                  <p:spPr>
+                    <a:xfrm>
+                      <a:off x="2082992" y="3431235"/>
+                      <a:ext cx="2560320" cy="146304"/>
+                    </a:xfrm>
+                    <a:prstGeom prst="rect">
+                      <a:avLst/>
+                    </a:prstGeom>
+                    <a:solidFill>
+                      <a:schemeClr val="tx1"/>
+                    </a:solidFill>
+                    <a:ln w="19050">
+                      <a:solidFill>
+                        <a:schemeClr val="tx1"/>
+                      </a:solidFill>
+                    </a:ln>
+                  </p:spPr>
+                  <p:style>
+                    <a:lnRef idx="2">
+                      <a:schemeClr val="accent1">
+                        <a:shade val="50000"/>
+                      </a:schemeClr>
+                    </a:lnRef>
+                    <a:fillRef idx="1">
+                      <a:schemeClr val="accent1"/>
+                    </a:fillRef>
+                    <a:effectRef idx="0">
+                      <a:schemeClr val="accent1"/>
+                    </a:effectRef>
+                    <a:fontRef idx="minor">
+                      <a:schemeClr val="lt1"/>
+                    </a:fontRef>
+                  </p:style>
+                  <p:txBody>
+                    <a:bodyPr rtlCol="0" anchor="ctr" anchorCtr="1"/>
+                    <a:lstStyle/>
+                    <a:p>
+                      <a:pPr algn="ctr"/>
+                      <a:endParaRPr lang="en-US"/>
+                    </a:p>
+                  </p:txBody>
+                </p:sp>
+                <p:sp>
+                  <p:nvSpPr>
+                    <p:cNvPr id="192" name="Rectangle 191">
+                      <a:extLst>
+                        <a:ext uri="{FF2B5EF4-FFF2-40B4-BE49-F238E27FC236}">
+                          <a16:creationId xmlns:a16="http://schemas.microsoft.com/office/drawing/2014/main" id="{F5ED7C76-2282-D3D8-FEC4-B84BE7BC586B}"/>
+                        </a:ext>
+                      </a:extLst>
+                    </p:cNvPr>
+                    <p:cNvSpPr/>
+                    <p:nvPr/>
+                  </p:nvSpPr>
+                  <p:spPr>
+                    <a:xfrm>
+                      <a:off x="2082992" y="3431235"/>
+                      <a:ext cx="182880" cy="146304"/>
+                    </a:xfrm>
+                    <a:prstGeom prst="rect">
+                      <a:avLst/>
+                    </a:prstGeom>
+                    <a:solidFill>
+                      <a:srgbClr val="FF3399"/>
+                    </a:solidFill>
+                    <a:ln w="19050">
+                      <a:solidFill>
+                        <a:schemeClr val="tx1"/>
+                      </a:solidFill>
+                    </a:ln>
+                  </p:spPr>
+                  <p:style>
+                    <a:lnRef idx="2">
+                      <a:schemeClr val="accent1">
+                        <a:shade val="50000"/>
+                      </a:schemeClr>
+                    </a:lnRef>
+                    <a:fillRef idx="1">
+                      <a:schemeClr val="accent1"/>
+                    </a:fillRef>
+                    <a:effectRef idx="0">
+                      <a:schemeClr val="accent1"/>
+                    </a:effectRef>
+                    <a:fontRef idx="minor">
+                      <a:schemeClr val="lt1"/>
+                    </a:fontRef>
+                  </p:style>
+                  <p:txBody>
+                    <a:bodyPr rtlCol="0" anchor="ctr" anchorCtr="1"/>
+                    <a:lstStyle/>
+                    <a:p>
+                      <a:pPr algn="ctr"/>
+                      <a:endParaRPr lang="en-US" dirty="0"/>
+                    </a:p>
+                  </p:txBody>
+                </p:sp>
+              </p:grpSp>
+              <p:grpSp>
+                <p:nvGrpSpPr>
+                  <p:cNvPr id="182" name="Group 181">
+                    <a:extLst>
+                      <a:ext uri="{FF2B5EF4-FFF2-40B4-BE49-F238E27FC236}">
+                        <a16:creationId xmlns:a16="http://schemas.microsoft.com/office/drawing/2014/main" id="{360B66B5-2342-2A32-6C39-147F524F16AD}"/>
+                      </a:ext>
+                    </a:extLst>
+                  </p:cNvPr>
+                  <p:cNvGrpSpPr/>
+                  <p:nvPr/>
+                </p:nvGrpSpPr>
+                <p:grpSpPr>
+                  <a:xfrm>
+                    <a:off x="5081846" y="3431235"/>
+                    <a:ext cx="1188720" cy="146304"/>
+                    <a:chOff x="5081846" y="3431235"/>
+                    <a:chExt cx="1188720" cy="146304"/>
+                  </a:xfrm>
+                </p:grpSpPr>
+                <p:sp>
+                  <p:nvSpPr>
+                    <p:cNvPr id="189" name="Rectangle 188">
+                      <a:extLst>
+                        <a:ext uri="{FF2B5EF4-FFF2-40B4-BE49-F238E27FC236}">
+                          <a16:creationId xmlns:a16="http://schemas.microsoft.com/office/drawing/2014/main" id="{7CD38778-950F-A7C1-A79F-B1C0B8A515DA}"/>
+                        </a:ext>
+                      </a:extLst>
+                    </p:cNvPr>
+                    <p:cNvSpPr/>
+                    <p:nvPr/>
+                  </p:nvSpPr>
+                  <p:spPr>
+                    <a:xfrm>
+                      <a:off x="5081846" y="3431235"/>
+                      <a:ext cx="1188720" cy="146304"/>
+                    </a:xfrm>
+                    <a:prstGeom prst="rect">
+                      <a:avLst/>
+                    </a:prstGeom>
+                    <a:solidFill>
+                      <a:schemeClr val="tx1"/>
+                    </a:solidFill>
+                    <a:ln w="19050">
+                      <a:solidFill>
+                        <a:schemeClr val="tx1"/>
+                      </a:solidFill>
+                    </a:ln>
+                  </p:spPr>
+                  <p:style>
+                    <a:lnRef idx="2">
+                      <a:schemeClr val="accent1">
+                        <a:shade val="50000"/>
+                      </a:schemeClr>
+                    </a:lnRef>
+                    <a:fillRef idx="1">
+                      <a:schemeClr val="accent1"/>
+                    </a:fillRef>
+                    <a:effectRef idx="0">
+                      <a:schemeClr val="accent1"/>
+                    </a:effectRef>
+                    <a:fontRef idx="minor">
+                      <a:schemeClr val="lt1"/>
+                    </a:fontRef>
+                  </p:style>
+                  <p:txBody>
+                    <a:bodyPr rtlCol="0" anchor="ctr"/>
+                    <a:lstStyle/>
+                    <a:p>
+                      <a:pPr algn="ctr"/>
+                      <a:endParaRPr lang="en-US"/>
+                    </a:p>
+                  </p:txBody>
+                </p:sp>
+                <p:sp>
+                  <p:nvSpPr>
+                    <p:cNvPr id="190" name="Rectangle 189">
+                      <a:extLst>
+                        <a:ext uri="{FF2B5EF4-FFF2-40B4-BE49-F238E27FC236}">
+                          <a16:creationId xmlns:a16="http://schemas.microsoft.com/office/drawing/2014/main" id="{DFAC40F4-FEB1-6D42-73BB-A43BF5F3B31D}"/>
+                        </a:ext>
+                      </a:extLst>
+                    </p:cNvPr>
+                    <p:cNvSpPr/>
+                    <p:nvPr/>
+                  </p:nvSpPr>
+                  <p:spPr>
+                    <a:xfrm>
+                      <a:off x="5083538" y="3431235"/>
+                      <a:ext cx="182880" cy="146304"/>
+                    </a:xfrm>
+                    <a:prstGeom prst="rect">
+                      <a:avLst/>
+                    </a:prstGeom>
+                    <a:solidFill>
+                      <a:srgbClr val="FF3399"/>
+                    </a:solidFill>
+                    <a:ln w="19050">
+                      <a:solidFill>
+                        <a:schemeClr val="tx1"/>
+                      </a:solidFill>
+                    </a:ln>
+                  </p:spPr>
+                  <p:style>
+                    <a:lnRef idx="2">
+                      <a:schemeClr val="accent1">
+                        <a:shade val="50000"/>
+                      </a:schemeClr>
+                    </a:lnRef>
+                    <a:fillRef idx="1">
+                      <a:schemeClr val="accent1"/>
+                    </a:fillRef>
+                    <a:effectRef idx="0">
+                      <a:schemeClr val="accent1"/>
+                    </a:effectRef>
+                    <a:fontRef idx="minor">
+                      <a:schemeClr val="lt1"/>
+                    </a:fontRef>
+                  </p:style>
+                  <p:txBody>
+                    <a:bodyPr rtlCol="0" anchor="ctr"/>
+                    <a:lstStyle/>
+                    <a:p>
+                      <a:pPr algn="ctr"/>
+                      <a:endParaRPr lang="en-US"/>
+                    </a:p>
+                  </p:txBody>
+                </p:sp>
+              </p:grpSp>
+              <p:grpSp>
+                <p:nvGrpSpPr>
+                  <p:cNvPr id="183" name="Group 182">
+                    <a:extLst>
+                      <a:ext uri="{FF2B5EF4-FFF2-40B4-BE49-F238E27FC236}">
+                        <a16:creationId xmlns:a16="http://schemas.microsoft.com/office/drawing/2014/main" id="{6520E758-CBE2-ACD8-EF11-F0A0F2B61533}"/>
+                      </a:ext>
+                    </a:extLst>
+                  </p:cNvPr>
+                  <p:cNvGrpSpPr/>
+                  <p:nvPr/>
+                </p:nvGrpSpPr>
+                <p:grpSpPr>
+                  <a:xfrm>
+                    <a:off x="6626385" y="3431235"/>
+                    <a:ext cx="1647547" cy="146304"/>
+                    <a:chOff x="6626385" y="3431235"/>
+                    <a:chExt cx="1647547" cy="146304"/>
+                  </a:xfrm>
+                </p:grpSpPr>
+                <p:sp>
+                  <p:nvSpPr>
+                    <p:cNvPr id="187" name="Rectangle 186">
+                      <a:extLst>
+                        <a:ext uri="{FF2B5EF4-FFF2-40B4-BE49-F238E27FC236}">
+                          <a16:creationId xmlns:a16="http://schemas.microsoft.com/office/drawing/2014/main" id="{1D15B9CF-854B-3182-CB61-82C60EBD04C3}"/>
+                        </a:ext>
+                      </a:extLst>
+                    </p:cNvPr>
+                    <p:cNvSpPr/>
+                    <p:nvPr/>
+                  </p:nvSpPr>
+                  <p:spPr>
+                    <a:xfrm>
+                      <a:off x="6628012" y="3431235"/>
+                      <a:ext cx="1645920" cy="146304"/>
+                    </a:xfrm>
+                    <a:prstGeom prst="rect">
+                      <a:avLst/>
+                    </a:prstGeom>
+                    <a:solidFill>
+                      <a:schemeClr val="tx1"/>
+                    </a:solidFill>
+                    <a:ln w="19050">
+                      <a:solidFill>
+                        <a:schemeClr val="tx1"/>
+                      </a:solidFill>
+                    </a:ln>
+                  </p:spPr>
+                  <p:style>
+                    <a:lnRef idx="2">
+                      <a:schemeClr val="accent1">
+                        <a:shade val="50000"/>
+                      </a:schemeClr>
+                    </a:lnRef>
+                    <a:fillRef idx="1">
+                      <a:schemeClr val="accent1"/>
+                    </a:fillRef>
+                    <a:effectRef idx="0">
+                      <a:schemeClr val="accent1"/>
+                    </a:effectRef>
+                    <a:fontRef idx="minor">
+                      <a:schemeClr val="lt1"/>
+                    </a:fontRef>
+                  </p:style>
+                  <p:txBody>
+                    <a:bodyPr rtlCol="0" anchor="ctr"/>
+                    <a:lstStyle/>
+                    <a:p>
+                      <a:pPr algn="ctr"/>
+                      <a:endParaRPr lang="en-US"/>
+                    </a:p>
+                  </p:txBody>
+                </p:sp>
+                <p:sp>
+                  <p:nvSpPr>
+                    <p:cNvPr id="188" name="Rectangle 187">
+                      <a:extLst>
+                        <a:ext uri="{FF2B5EF4-FFF2-40B4-BE49-F238E27FC236}">
+                          <a16:creationId xmlns:a16="http://schemas.microsoft.com/office/drawing/2014/main" id="{BCD9D920-EF0E-839E-CE7C-A8E5CA681C01}"/>
+                        </a:ext>
+                      </a:extLst>
+                    </p:cNvPr>
+                    <p:cNvSpPr/>
+                    <p:nvPr/>
+                  </p:nvSpPr>
+                  <p:spPr>
+                    <a:xfrm>
+                      <a:off x="6626385" y="3431235"/>
+                      <a:ext cx="182880" cy="146304"/>
+                    </a:xfrm>
+                    <a:prstGeom prst="rect">
+                      <a:avLst/>
+                    </a:prstGeom>
+                    <a:solidFill>
+                      <a:srgbClr val="FF3399"/>
+                    </a:solidFill>
+                    <a:ln w="19050">
+                      <a:solidFill>
+                        <a:schemeClr val="tx1"/>
+                      </a:solidFill>
+                    </a:ln>
+                  </p:spPr>
+                  <p:style>
+                    <a:lnRef idx="2">
+                      <a:schemeClr val="accent1">
+                        <a:shade val="50000"/>
+                      </a:schemeClr>
+                    </a:lnRef>
+                    <a:fillRef idx="1">
+                      <a:schemeClr val="accent1"/>
+                    </a:fillRef>
+                    <a:effectRef idx="0">
+                      <a:schemeClr val="accent1"/>
+                    </a:effectRef>
+                    <a:fontRef idx="minor">
+                      <a:schemeClr val="lt1"/>
+                    </a:fontRef>
+                  </p:style>
+                  <p:txBody>
+                    <a:bodyPr rtlCol="0" anchor="ctr"/>
+                    <a:lstStyle/>
+                    <a:p>
+                      <a:pPr algn="ctr"/>
+                      <a:endParaRPr lang="en-US"/>
+                    </a:p>
+                  </p:txBody>
+                </p:sp>
+              </p:grpSp>
+              <p:grpSp>
+                <p:nvGrpSpPr>
+                  <p:cNvPr id="184" name="Group 183">
+                    <a:extLst>
+                      <a:ext uri="{FF2B5EF4-FFF2-40B4-BE49-F238E27FC236}">
+                        <a16:creationId xmlns:a16="http://schemas.microsoft.com/office/drawing/2014/main" id="{23964F60-FA07-43A4-BD55-E07657C129B1}"/>
+                      </a:ext>
+                    </a:extLst>
+                  </p:cNvPr>
+                  <p:cNvGrpSpPr/>
+                  <p:nvPr/>
+                </p:nvGrpSpPr>
+                <p:grpSpPr>
+                  <a:xfrm>
+                    <a:off x="8487292" y="3431235"/>
+                    <a:ext cx="1554480" cy="146304"/>
+                    <a:chOff x="8487292" y="3431235"/>
+                    <a:chExt cx="1554480" cy="146304"/>
+                  </a:xfrm>
+                </p:grpSpPr>
+                <p:sp>
+                  <p:nvSpPr>
+                    <p:cNvPr id="185" name="Rectangle 184">
+                      <a:extLst>
+                        <a:ext uri="{FF2B5EF4-FFF2-40B4-BE49-F238E27FC236}">
+                          <a16:creationId xmlns:a16="http://schemas.microsoft.com/office/drawing/2014/main" id="{AC986D37-74D9-12B4-AD9D-3FA58DD53696}"/>
+                        </a:ext>
+                      </a:extLst>
+                    </p:cNvPr>
+                    <p:cNvSpPr/>
+                    <p:nvPr/>
+                  </p:nvSpPr>
+                  <p:spPr>
+                    <a:xfrm>
+                      <a:off x="8487292" y="3431235"/>
+                      <a:ext cx="1554480" cy="146304"/>
+                    </a:xfrm>
+                    <a:prstGeom prst="rect">
+                      <a:avLst/>
+                    </a:prstGeom>
+                    <a:solidFill>
+                      <a:schemeClr val="tx1"/>
+                    </a:solidFill>
+                    <a:ln w="19050">
+                      <a:solidFill>
+                        <a:schemeClr val="tx1"/>
+                      </a:solidFill>
+                    </a:ln>
+                  </p:spPr>
+                  <p:style>
+                    <a:lnRef idx="2">
+                      <a:schemeClr val="accent1">
+                        <a:shade val="50000"/>
+                      </a:schemeClr>
+                    </a:lnRef>
+                    <a:fillRef idx="1">
+                      <a:schemeClr val="accent1"/>
+                    </a:fillRef>
+                    <a:effectRef idx="0">
+                      <a:schemeClr val="accent1"/>
+                    </a:effectRef>
+                    <a:fontRef idx="minor">
+                      <a:schemeClr val="lt1"/>
+                    </a:fontRef>
+                  </p:style>
+                  <p:txBody>
+                    <a:bodyPr rtlCol="0" anchor="ctr"/>
+                    <a:lstStyle/>
+                    <a:p>
+                      <a:pPr algn="ctr"/>
+                      <a:endParaRPr lang="en-US"/>
+                    </a:p>
+                  </p:txBody>
+                </p:sp>
+                <p:sp>
+                  <p:nvSpPr>
+                    <p:cNvPr id="186" name="Rectangle 185">
+                      <a:extLst>
+                        <a:ext uri="{FF2B5EF4-FFF2-40B4-BE49-F238E27FC236}">
+                          <a16:creationId xmlns:a16="http://schemas.microsoft.com/office/drawing/2014/main" id="{A01A2CE2-FB8B-43CD-0A3D-264A38AC68B0}"/>
+                        </a:ext>
+                      </a:extLst>
+                    </p:cNvPr>
+                    <p:cNvSpPr/>
+                    <p:nvPr/>
+                  </p:nvSpPr>
+                  <p:spPr>
+                    <a:xfrm>
+                      <a:off x="8487292" y="3431235"/>
+                      <a:ext cx="182880" cy="146304"/>
+                    </a:xfrm>
+                    <a:prstGeom prst="rect">
+                      <a:avLst/>
+                    </a:prstGeom>
+                    <a:solidFill>
+                      <a:srgbClr val="FF3399"/>
+                    </a:solidFill>
+                    <a:ln w="19050">
+                      <a:solidFill>
+                        <a:schemeClr val="tx1"/>
+                      </a:solidFill>
+                    </a:ln>
+                  </p:spPr>
+                  <p:style>
+                    <a:lnRef idx="2">
+                      <a:schemeClr val="accent1">
+                        <a:shade val="50000"/>
+                      </a:schemeClr>
+                    </a:lnRef>
+                    <a:fillRef idx="1">
+                      <a:schemeClr val="accent1"/>
+                    </a:fillRef>
+                    <a:effectRef idx="0">
+                      <a:schemeClr val="accent1"/>
+                    </a:effectRef>
+                    <a:fontRef idx="minor">
+                      <a:schemeClr val="lt1"/>
+                    </a:fontRef>
+                  </p:style>
+                  <p:txBody>
+                    <a:bodyPr rtlCol="0" anchor="ctr"/>
+                    <a:lstStyle/>
+                    <a:p>
+                      <a:pPr algn="ctr"/>
+                      <a:endParaRPr lang="en-US"/>
+                    </a:p>
+                  </p:txBody>
+                </p:sp>
+              </p:grpSp>
+            </p:grpSp>
+            <p:sp>
+              <p:nvSpPr>
+                <p:cNvPr id="180" name="TextBox 179">
+                  <a:extLst>
+                    <a:ext uri="{FF2B5EF4-FFF2-40B4-BE49-F238E27FC236}">
+                      <a16:creationId xmlns:a16="http://schemas.microsoft.com/office/drawing/2014/main" id="{C8E88A1C-5241-25BB-3BA9-25C298E2F7B4}"/>
+                    </a:ext>
+                  </a:extLst>
+                </p:cNvPr>
+                <p:cNvSpPr txBox="1"/>
+                <p:nvPr/>
+              </p:nvSpPr>
+              <p:spPr>
+                <a:xfrm>
+                  <a:off x="1022463" y="3349295"/>
+                  <a:ext cx="872836" cy="307777"/>
+                </a:xfrm>
+                <a:prstGeom prst="rect">
+                  <a:avLst/>
+                </a:prstGeom>
+                <a:noFill/>
+              </p:spPr>
+              <p:txBody>
+                <a:bodyPr wrap="square" rtlCol="0">
+                  <a:spAutoFit/>
+                </a:bodyPr>
+                <a:lstStyle/>
+                <a:p>
+                  <a:r>
+                    <a:rPr lang="en-US" sz="1400" dirty="0"/>
+                    <a:t>Sample 1</a:t>
+                  </a:r>
+                </a:p>
+              </p:txBody>
+            </p:sp>
+          </p:grpSp>
+          <p:grpSp>
+            <p:nvGrpSpPr>
+              <p:cNvPr id="149" name="Group 148">
+                <a:extLst>
+                  <a:ext uri="{FF2B5EF4-FFF2-40B4-BE49-F238E27FC236}">
+                    <a16:creationId xmlns:a16="http://schemas.microsoft.com/office/drawing/2014/main" id="{6A90B97A-3B07-C3DF-FB25-44BEA7B950E1}"/>
+                  </a:ext>
+                </a:extLst>
+              </p:cNvPr>
+              <p:cNvGrpSpPr/>
+              <p:nvPr/>
+            </p:nvGrpSpPr>
+            <p:grpSpPr>
+              <a:xfrm>
+                <a:off x="1022463" y="3728351"/>
+                <a:ext cx="9019309" cy="307777"/>
+                <a:chOff x="1022463" y="3728351"/>
+                <a:chExt cx="9019309" cy="307777"/>
+              </a:xfrm>
+            </p:grpSpPr>
+            <p:grpSp>
+              <p:nvGrpSpPr>
+                <p:cNvPr id="165" name="Group 164">
+                  <a:extLst>
+                    <a:ext uri="{FF2B5EF4-FFF2-40B4-BE49-F238E27FC236}">
+                      <a16:creationId xmlns:a16="http://schemas.microsoft.com/office/drawing/2014/main" id="{D2CC1339-9B79-5B75-9AF9-5081515D28CC}"/>
+                    </a:ext>
+                  </a:extLst>
+                </p:cNvPr>
+                <p:cNvGrpSpPr/>
+                <p:nvPr/>
+              </p:nvGrpSpPr>
+              <p:grpSpPr>
+                <a:xfrm>
+                  <a:off x="2081938" y="3806955"/>
+                  <a:ext cx="7959834" cy="146304"/>
+                  <a:chOff x="2081938" y="3427899"/>
+                  <a:chExt cx="7959834" cy="146304"/>
+                </a:xfrm>
+              </p:grpSpPr>
+              <p:grpSp>
+                <p:nvGrpSpPr>
+                  <p:cNvPr id="167" name="Group 166">
+                    <a:extLst>
+                      <a:ext uri="{FF2B5EF4-FFF2-40B4-BE49-F238E27FC236}">
+                        <a16:creationId xmlns:a16="http://schemas.microsoft.com/office/drawing/2014/main" id="{5EFB6106-972D-4945-7C01-B3C8B118300F}"/>
+                      </a:ext>
+                    </a:extLst>
+                  </p:cNvPr>
+                  <p:cNvGrpSpPr/>
+                  <p:nvPr/>
+                </p:nvGrpSpPr>
+                <p:grpSpPr>
+                  <a:xfrm>
+                    <a:off x="2081938" y="3427899"/>
+                    <a:ext cx="2560394" cy="146304"/>
+                    <a:chOff x="2081938" y="3427899"/>
+                    <a:chExt cx="2560394" cy="146304"/>
+                  </a:xfrm>
+                </p:grpSpPr>
+                <p:sp>
+                  <p:nvSpPr>
+                    <p:cNvPr id="177" name="Rectangle 176">
+                      <a:extLst>
+                        <a:ext uri="{FF2B5EF4-FFF2-40B4-BE49-F238E27FC236}">
+                          <a16:creationId xmlns:a16="http://schemas.microsoft.com/office/drawing/2014/main" id="{D3956FE5-F393-739A-9EF0-DDD092FA1B1B}"/>
+                        </a:ext>
+                      </a:extLst>
+                    </p:cNvPr>
+                    <p:cNvSpPr/>
+                    <p:nvPr/>
+                  </p:nvSpPr>
+                  <p:spPr>
+                    <a:xfrm>
+                      <a:off x="2082012" y="3427899"/>
+                      <a:ext cx="2560320" cy="146304"/>
+                    </a:xfrm>
+                    <a:prstGeom prst="rect">
+                      <a:avLst/>
+                    </a:prstGeom>
+                    <a:solidFill>
+                      <a:schemeClr val="tx1"/>
+                    </a:solidFill>
+                    <a:ln w="19050">
+                      <a:solidFill>
+                        <a:schemeClr val="tx1"/>
+                      </a:solidFill>
+                    </a:ln>
+                  </p:spPr>
+                  <p:style>
+                    <a:lnRef idx="2">
+                      <a:schemeClr val="accent1">
+                        <a:shade val="50000"/>
+                      </a:schemeClr>
+                    </a:lnRef>
+                    <a:fillRef idx="1">
+                      <a:schemeClr val="accent1"/>
+                    </a:fillRef>
+                    <a:effectRef idx="0">
+                      <a:schemeClr val="accent1"/>
+                    </a:effectRef>
+                    <a:fontRef idx="minor">
+                      <a:schemeClr val="lt1"/>
+                    </a:fontRef>
+                  </p:style>
+                  <p:txBody>
+                    <a:bodyPr rtlCol="0" anchor="ctr"/>
+                    <a:lstStyle/>
+                    <a:p>
+                      <a:pPr algn="ctr"/>
+                      <a:endParaRPr lang="en-US"/>
+                    </a:p>
+                  </p:txBody>
+                </p:sp>
+                <p:sp>
+                  <p:nvSpPr>
+                    <p:cNvPr id="178" name="Rectangle 177">
+                      <a:extLst>
+                        <a:ext uri="{FF2B5EF4-FFF2-40B4-BE49-F238E27FC236}">
+                          <a16:creationId xmlns:a16="http://schemas.microsoft.com/office/drawing/2014/main" id="{E6D581C5-A4EF-D3A6-464E-9EE3669BDEF5}"/>
+                        </a:ext>
+                      </a:extLst>
+                    </p:cNvPr>
+                    <p:cNvSpPr/>
+                    <p:nvPr/>
+                  </p:nvSpPr>
+                  <p:spPr>
+                    <a:xfrm>
+                      <a:off x="2081938" y="3427899"/>
+                      <a:ext cx="182880" cy="146304"/>
+                    </a:xfrm>
+                    <a:prstGeom prst="rect">
+                      <a:avLst/>
+                    </a:prstGeom>
+                    <a:solidFill>
+                      <a:srgbClr val="9933FF"/>
+                    </a:solidFill>
+                    <a:ln w="19050">
+                      <a:solidFill>
+                        <a:schemeClr val="tx1"/>
+                      </a:solidFill>
+                    </a:ln>
+                  </p:spPr>
+                  <p:style>
+                    <a:lnRef idx="2">
+                      <a:schemeClr val="accent1">
+                        <a:shade val="50000"/>
+                      </a:schemeClr>
+                    </a:lnRef>
+                    <a:fillRef idx="1">
+                      <a:schemeClr val="accent1"/>
+                    </a:fillRef>
+                    <a:effectRef idx="0">
+                      <a:schemeClr val="accent1"/>
+                    </a:effectRef>
+                    <a:fontRef idx="minor">
+                      <a:schemeClr val="lt1"/>
+                    </a:fontRef>
+                  </p:style>
+                  <p:txBody>
+                    <a:bodyPr rtlCol="0" anchor="ctr"/>
+                    <a:lstStyle/>
+                    <a:p>
+                      <a:pPr algn="ctr"/>
+                      <a:endParaRPr lang="en-US"/>
+                    </a:p>
+                  </p:txBody>
+                </p:sp>
+              </p:grpSp>
+              <p:grpSp>
+                <p:nvGrpSpPr>
+                  <p:cNvPr id="168" name="Group 167">
+                    <a:extLst>
+                      <a:ext uri="{FF2B5EF4-FFF2-40B4-BE49-F238E27FC236}">
+                        <a16:creationId xmlns:a16="http://schemas.microsoft.com/office/drawing/2014/main" id="{C94CD56D-17A7-73E1-2813-2854B9DD690B}"/>
+                      </a:ext>
+                    </a:extLst>
+                  </p:cNvPr>
+                  <p:cNvGrpSpPr/>
+                  <p:nvPr/>
+                </p:nvGrpSpPr>
+                <p:grpSpPr>
+                  <a:xfrm>
+                    <a:off x="5081846" y="3427899"/>
+                    <a:ext cx="1188720" cy="146304"/>
+                    <a:chOff x="5081846" y="3427899"/>
+                    <a:chExt cx="1188720" cy="146304"/>
+                  </a:xfrm>
+                </p:grpSpPr>
+                <p:sp>
+                  <p:nvSpPr>
+                    <p:cNvPr id="175" name="Rectangle 174">
+                      <a:extLst>
+                        <a:ext uri="{FF2B5EF4-FFF2-40B4-BE49-F238E27FC236}">
+                          <a16:creationId xmlns:a16="http://schemas.microsoft.com/office/drawing/2014/main" id="{619432E2-8C0E-18BC-D8AF-E9693DCE64B5}"/>
+                        </a:ext>
+                      </a:extLst>
+                    </p:cNvPr>
+                    <p:cNvSpPr/>
+                    <p:nvPr/>
+                  </p:nvSpPr>
+                  <p:spPr>
+                    <a:xfrm>
+                      <a:off x="5081846" y="3427899"/>
+                      <a:ext cx="1188720" cy="146304"/>
+                    </a:xfrm>
+                    <a:prstGeom prst="rect">
+                      <a:avLst/>
+                    </a:prstGeom>
+                    <a:solidFill>
+                      <a:schemeClr val="tx1"/>
+                    </a:solidFill>
+                    <a:ln w="19050">
+                      <a:solidFill>
+                        <a:schemeClr val="tx1"/>
+                      </a:solidFill>
+                    </a:ln>
+                  </p:spPr>
+                  <p:style>
+                    <a:lnRef idx="2">
+                      <a:schemeClr val="accent1">
+                        <a:shade val="50000"/>
+                      </a:schemeClr>
+                    </a:lnRef>
+                    <a:fillRef idx="1">
+                      <a:schemeClr val="accent1"/>
+                    </a:fillRef>
+                    <a:effectRef idx="0">
+                      <a:schemeClr val="accent1"/>
+                    </a:effectRef>
+                    <a:fontRef idx="minor">
+                      <a:schemeClr val="lt1"/>
+                    </a:fontRef>
+                  </p:style>
+                  <p:txBody>
+                    <a:bodyPr rtlCol="0" anchor="ctr"/>
+                    <a:lstStyle/>
+                    <a:p>
+                      <a:pPr algn="ctr"/>
+                      <a:endParaRPr lang="en-US"/>
+                    </a:p>
+                  </p:txBody>
+                </p:sp>
+                <p:sp>
+                  <p:nvSpPr>
+                    <p:cNvPr id="176" name="Rectangle 175">
+                      <a:extLst>
+                        <a:ext uri="{FF2B5EF4-FFF2-40B4-BE49-F238E27FC236}">
+                          <a16:creationId xmlns:a16="http://schemas.microsoft.com/office/drawing/2014/main" id="{7E141355-67AE-C6F1-342C-7558375CDBD3}"/>
+                        </a:ext>
+                      </a:extLst>
+                    </p:cNvPr>
+                    <p:cNvSpPr/>
+                    <p:nvPr/>
+                  </p:nvSpPr>
+                  <p:spPr>
+                    <a:xfrm>
+                      <a:off x="5084187" y="3427899"/>
+                      <a:ext cx="182880" cy="146304"/>
+                    </a:xfrm>
+                    <a:prstGeom prst="rect">
+                      <a:avLst/>
+                    </a:prstGeom>
+                    <a:solidFill>
+                      <a:srgbClr val="9933FF"/>
+                    </a:solidFill>
+                    <a:ln w="19050">
+                      <a:solidFill>
+                        <a:schemeClr val="tx1"/>
+                      </a:solidFill>
+                    </a:ln>
+                  </p:spPr>
+                  <p:style>
+                    <a:lnRef idx="2">
+                      <a:schemeClr val="accent1">
+                        <a:shade val="50000"/>
+                      </a:schemeClr>
+                    </a:lnRef>
+                    <a:fillRef idx="1">
+                      <a:schemeClr val="accent1"/>
+                    </a:fillRef>
+                    <a:effectRef idx="0">
+                      <a:schemeClr val="accent1"/>
+                    </a:effectRef>
+                    <a:fontRef idx="minor">
+                      <a:schemeClr val="lt1"/>
+                    </a:fontRef>
+                  </p:style>
+                  <p:txBody>
+                    <a:bodyPr rtlCol="0" anchor="ctr"/>
+                    <a:lstStyle/>
+                    <a:p>
+                      <a:pPr algn="ctr"/>
+                      <a:endParaRPr lang="en-US"/>
+                    </a:p>
+                  </p:txBody>
+                </p:sp>
+              </p:grpSp>
+              <p:grpSp>
+                <p:nvGrpSpPr>
+                  <p:cNvPr id="169" name="Group 168">
+                    <a:extLst>
+                      <a:ext uri="{FF2B5EF4-FFF2-40B4-BE49-F238E27FC236}">
+                        <a16:creationId xmlns:a16="http://schemas.microsoft.com/office/drawing/2014/main" id="{B6C16E43-864D-FB0F-5C3C-3D2B363BACBD}"/>
+                      </a:ext>
+                    </a:extLst>
+                  </p:cNvPr>
+                  <p:cNvGrpSpPr/>
+                  <p:nvPr/>
+                </p:nvGrpSpPr>
+                <p:grpSpPr>
+                  <a:xfrm>
+                    <a:off x="6626385" y="3427899"/>
+                    <a:ext cx="1647547" cy="146304"/>
+                    <a:chOff x="6626385" y="3427899"/>
+                    <a:chExt cx="1647547" cy="146304"/>
+                  </a:xfrm>
+                </p:grpSpPr>
+                <p:sp>
+                  <p:nvSpPr>
+                    <p:cNvPr id="173" name="Rectangle 172">
+                      <a:extLst>
+                        <a:ext uri="{FF2B5EF4-FFF2-40B4-BE49-F238E27FC236}">
+                          <a16:creationId xmlns:a16="http://schemas.microsoft.com/office/drawing/2014/main" id="{F84F1060-417F-77D9-E61A-20F860CD74F4}"/>
+                        </a:ext>
+                      </a:extLst>
+                    </p:cNvPr>
+                    <p:cNvSpPr/>
+                    <p:nvPr/>
+                  </p:nvSpPr>
+                  <p:spPr>
+                    <a:xfrm>
+                      <a:off x="6628012" y="3427899"/>
+                      <a:ext cx="1645920" cy="146304"/>
+                    </a:xfrm>
+                    <a:prstGeom prst="rect">
+                      <a:avLst/>
+                    </a:prstGeom>
+                    <a:solidFill>
+                      <a:schemeClr val="tx1"/>
+                    </a:solidFill>
+                    <a:ln w="19050">
+                      <a:solidFill>
+                        <a:schemeClr val="tx1"/>
+                      </a:solidFill>
+                    </a:ln>
+                  </p:spPr>
+                  <p:style>
+                    <a:lnRef idx="2">
+                      <a:schemeClr val="accent1">
+                        <a:shade val="50000"/>
+                      </a:schemeClr>
+                    </a:lnRef>
+                    <a:fillRef idx="1">
+                      <a:schemeClr val="accent1"/>
+                    </a:fillRef>
+                    <a:effectRef idx="0">
+                      <a:schemeClr val="accent1"/>
+                    </a:effectRef>
+                    <a:fontRef idx="minor">
+                      <a:schemeClr val="lt1"/>
+                    </a:fontRef>
+                  </p:style>
+                  <p:txBody>
+                    <a:bodyPr rtlCol="0" anchor="ctr"/>
+                    <a:lstStyle/>
+                    <a:p>
+                      <a:pPr algn="ctr"/>
+                      <a:endParaRPr lang="en-US"/>
+                    </a:p>
+                  </p:txBody>
+                </p:sp>
+                <p:sp>
+                  <p:nvSpPr>
+                    <p:cNvPr id="174" name="Rectangle 173">
+                      <a:extLst>
+                        <a:ext uri="{FF2B5EF4-FFF2-40B4-BE49-F238E27FC236}">
+                          <a16:creationId xmlns:a16="http://schemas.microsoft.com/office/drawing/2014/main" id="{28C8D8DB-C6D2-D6A5-8FF8-09E59A9B3798}"/>
+                        </a:ext>
+                      </a:extLst>
+                    </p:cNvPr>
+                    <p:cNvSpPr/>
+                    <p:nvPr/>
+                  </p:nvSpPr>
+                  <p:spPr>
+                    <a:xfrm>
+                      <a:off x="6626385" y="3427899"/>
+                      <a:ext cx="182880" cy="146304"/>
+                    </a:xfrm>
+                    <a:prstGeom prst="rect">
+                      <a:avLst/>
+                    </a:prstGeom>
+                    <a:solidFill>
+                      <a:srgbClr val="9933FF"/>
+                    </a:solidFill>
+                    <a:ln w="19050">
+                      <a:solidFill>
+                        <a:schemeClr val="tx1"/>
+                      </a:solidFill>
+                    </a:ln>
+                  </p:spPr>
+                  <p:style>
+                    <a:lnRef idx="2">
+                      <a:schemeClr val="accent1">
+                        <a:shade val="50000"/>
+                      </a:schemeClr>
+                    </a:lnRef>
+                    <a:fillRef idx="1">
+                      <a:schemeClr val="accent1"/>
+                    </a:fillRef>
+                    <a:effectRef idx="0">
+                      <a:schemeClr val="accent1"/>
+                    </a:effectRef>
+                    <a:fontRef idx="minor">
+                      <a:schemeClr val="lt1"/>
+                    </a:fontRef>
+                  </p:style>
+                  <p:txBody>
+                    <a:bodyPr rtlCol="0" anchor="ctr"/>
+                    <a:lstStyle/>
+                    <a:p>
+                      <a:pPr algn="ctr"/>
+                      <a:endParaRPr lang="en-US" dirty="0"/>
+                    </a:p>
+                  </p:txBody>
+                </p:sp>
+              </p:grpSp>
+              <p:grpSp>
+                <p:nvGrpSpPr>
+                  <p:cNvPr id="170" name="Group 169">
+                    <a:extLst>
+                      <a:ext uri="{FF2B5EF4-FFF2-40B4-BE49-F238E27FC236}">
+                        <a16:creationId xmlns:a16="http://schemas.microsoft.com/office/drawing/2014/main" id="{2B2FCBF2-56D2-A28A-43A4-2234983D4332}"/>
+                      </a:ext>
+                    </a:extLst>
+                  </p:cNvPr>
+                  <p:cNvGrpSpPr/>
+                  <p:nvPr/>
+                </p:nvGrpSpPr>
+                <p:grpSpPr>
+                  <a:xfrm>
+                    <a:off x="8487292" y="3427899"/>
+                    <a:ext cx="1554480" cy="146304"/>
+                    <a:chOff x="8487292" y="3427899"/>
+                    <a:chExt cx="1554480" cy="146304"/>
+                  </a:xfrm>
+                </p:grpSpPr>
+                <p:sp>
+                  <p:nvSpPr>
+                    <p:cNvPr id="171" name="Rectangle 170">
+                      <a:extLst>
+                        <a:ext uri="{FF2B5EF4-FFF2-40B4-BE49-F238E27FC236}">
+                          <a16:creationId xmlns:a16="http://schemas.microsoft.com/office/drawing/2014/main" id="{97FEA8E6-A506-A795-1AA4-1F3101E4A838}"/>
+                        </a:ext>
+                      </a:extLst>
+                    </p:cNvPr>
+                    <p:cNvSpPr/>
+                    <p:nvPr/>
+                  </p:nvSpPr>
+                  <p:spPr>
+                    <a:xfrm>
+                      <a:off x="8487292" y="3427899"/>
+                      <a:ext cx="1554480" cy="146304"/>
+                    </a:xfrm>
+                    <a:prstGeom prst="rect">
+                      <a:avLst/>
+                    </a:prstGeom>
+                    <a:solidFill>
+                      <a:schemeClr val="tx1"/>
+                    </a:solidFill>
+                    <a:ln w="19050">
+                      <a:solidFill>
+                        <a:schemeClr val="tx1"/>
+                      </a:solidFill>
+                    </a:ln>
+                  </p:spPr>
+                  <p:style>
+                    <a:lnRef idx="2">
+                      <a:schemeClr val="accent1">
+                        <a:shade val="50000"/>
+                      </a:schemeClr>
+                    </a:lnRef>
+                    <a:fillRef idx="1">
+                      <a:schemeClr val="accent1"/>
+                    </a:fillRef>
+                    <a:effectRef idx="0">
+                      <a:schemeClr val="accent1"/>
+                    </a:effectRef>
+                    <a:fontRef idx="minor">
+                      <a:schemeClr val="lt1"/>
+                    </a:fontRef>
+                  </p:style>
+                  <p:txBody>
+                    <a:bodyPr rtlCol="0" anchor="ctr"/>
+                    <a:lstStyle/>
+                    <a:p>
+                      <a:pPr algn="ctr"/>
+                      <a:endParaRPr lang="en-US"/>
+                    </a:p>
+                  </p:txBody>
+                </p:sp>
+                <p:sp>
+                  <p:nvSpPr>
+                    <p:cNvPr id="172" name="Rectangle 171">
+                      <a:extLst>
+                        <a:ext uri="{FF2B5EF4-FFF2-40B4-BE49-F238E27FC236}">
+                          <a16:creationId xmlns:a16="http://schemas.microsoft.com/office/drawing/2014/main" id="{CFF35D8B-ED42-99F9-D4D9-5574E5D6E83D}"/>
+                        </a:ext>
+                      </a:extLst>
+                    </p:cNvPr>
+                    <p:cNvSpPr/>
+                    <p:nvPr/>
+                  </p:nvSpPr>
+                  <p:spPr>
+                    <a:xfrm>
+                      <a:off x="8487292" y="3427899"/>
+                      <a:ext cx="182880" cy="146304"/>
+                    </a:xfrm>
+                    <a:prstGeom prst="rect">
+                      <a:avLst/>
+                    </a:prstGeom>
+                    <a:solidFill>
+                      <a:srgbClr val="9933FF"/>
+                    </a:solidFill>
+                    <a:ln w="19050">
+                      <a:solidFill>
+                        <a:schemeClr val="tx1"/>
+                      </a:solidFill>
+                    </a:ln>
+                  </p:spPr>
+                  <p:style>
+                    <a:lnRef idx="2">
+                      <a:schemeClr val="accent1">
+                        <a:shade val="50000"/>
+                      </a:schemeClr>
+                    </a:lnRef>
+                    <a:fillRef idx="1">
+                      <a:schemeClr val="accent1"/>
+                    </a:fillRef>
+                    <a:effectRef idx="0">
+                      <a:schemeClr val="accent1"/>
+                    </a:effectRef>
+                    <a:fontRef idx="minor">
+                      <a:schemeClr val="lt1"/>
+                    </a:fontRef>
+                  </p:style>
+                  <p:txBody>
+                    <a:bodyPr rtlCol="0" anchor="ctr"/>
+                    <a:lstStyle/>
+                    <a:p>
+                      <a:pPr algn="ctr"/>
+                      <a:endParaRPr lang="en-US" dirty="0"/>
+                    </a:p>
+                  </p:txBody>
+                </p:sp>
+              </p:grpSp>
+            </p:grpSp>
+            <p:sp>
+              <p:nvSpPr>
+                <p:cNvPr id="166" name="TextBox 165">
+                  <a:extLst>
+                    <a:ext uri="{FF2B5EF4-FFF2-40B4-BE49-F238E27FC236}">
+                      <a16:creationId xmlns:a16="http://schemas.microsoft.com/office/drawing/2014/main" id="{FEBA854F-E49C-129A-992D-7C9CB10D8E7A}"/>
+                    </a:ext>
+                  </a:extLst>
+                </p:cNvPr>
+                <p:cNvSpPr txBox="1"/>
+                <p:nvPr/>
+              </p:nvSpPr>
+              <p:spPr>
+                <a:xfrm>
+                  <a:off x="1022463" y="3728351"/>
+                  <a:ext cx="872836" cy="307777"/>
+                </a:xfrm>
+                <a:prstGeom prst="rect">
+                  <a:avLst/>
+                </a:prstGeom>
+                <a:noFill/>
+              </p:spPr>
+              <p:txBody>
+                <a:bodyPr wrap="square" rtlCol="0">
+                  <a:spAutoFit/>
+                </a:bodyPr>
+                <a:lstStyle/>
+                <a:p>
+                  <a:r>
+                    <a:rPr lang="en-US" sz="1400" dirty="0"/>
+                    <a:t>Sample 2</a:t>
+                  </a:r>
+                </a:p>
+              </p:txBody>
+            </p:sp>
+          </p:grpSp>
+          <p:grpSp>
+            <p:nvGrpSpPr>
+              <p:cNvPr id="150" name="Group 149">
+                <a:extLst>
+                  <a:ext uri="{FF2B5EF4-FFF2-40B4-BE49-F238E27FC236}">
+                    <a16:creationId xmlns:a16="http://schemas.microsoft.com/office/drawing/2014/main" id="{FF1515C8-B1A4-AD17-FA34-C0912A796275}"/>
+                  </a:ext>
+                </a:extLst>
+              </p:cNvPr>
+              <p:cNvGrpSpPr/>
+              <p:nvPr/>
+            </p:nvGrpSpPr>
+            <p:grpSpPr>
+              <a:xfrm>
+                <a:off x="1022463" y="4067442"/>
+                <a:ext cx="9019309" cy="307777"/>
+                <a:chOff x="1022463" y="4067442"/>
+                <a:chExt cx="9019309" cy="307777"/>
+              </a:xfrm>
+            </p:grpSpPr>
+            <p:grpSp>
+              <p:nvGrpSpPr>
+                <p:cNvPr id="151" name="Group 150">
+                  <a:extLst>
+                    <a:ext uri="{FF2B5EF4-FFF2-40B4-BE49-F238E27FC236}">
+                      <a16:creationId xmlns:a16="http://schemas.microsoft.com/office/drawing/2014/main" id="{A26D1BC2-F428-83A2-59E1-6A91148EC799}"/>
+                    </a:ext>
+                  </a:extLst>
+                </p:cNvPr>
+                <p:cNvGrpSpPr/>
+                <p:nvPr/>
+              </p:nvGrpSpPr>
+              <p:grpSpPr>
+                <a:xfrm>
+                  <a:off x="2081938" y="4152995"/>
+                  <a:ext cx="7959834" cy="146304"/>
+                  <a:chOff x="2081938" y="3434848"/>
+                  <a:chExt cx="7959834" cy="146304"/>
+                </a:xfrm>
+              </p:grpSpPr>
+              <p:grpSp>
+                <p:nvGrpSpPr>
+                  <p:cNvPr id="153" name="Group 152">
+                    <a:extLst>
+                      <a:ext uri="{FF2B5EF4-FFF2-40B4-BE49-F238E27FC236}">
+                        <a16:creationId xmlns:a16="http://schemas.microsoft.com/office/drawing/2014/main" id="{6EB56BA0-60FF-30E1-FE1D-EDC8A66AB013}"/>
+                      </a:ext>
+                    </a:extLst>
+                  </p:cNvPr>
+                  <p:cNvGrpSpPr/>
+                  <p:nvPr/>
+                </p:nvGrpSpPr>
+                <p:grpSpPr>
+                  <a:xfrm>
+                    <a:off x="2081938" y="3434848"/>
+                    <a:ext cx="2560320" cy="146304"/>
+                    <a:chOff x="2081938" y="3434848"/>
+                    <a:chExt cx="2560320" cy="146304"/>
+                  </a:xfrm>
+                </p:grpSpPr>
+                <p:sp>
+                  <p:nvSpPr>
+                    <p:cNvPr id="163" name="Rectangle 162">
+                      <a:extLst>
+                        <a:ext uri="{FF2B5EF4-FFF2-40B4-BE49-F238E27FC236}">
+                          <a16:creationId xmlns:a16="http://schemas.microsoft.com/office/drawing/2014/main" id="{D214BE94-703F-BCA0-9EAA-681098ECC348}"/>
+                        </a:ext>
+                      </a:extLst>
+                    </p:cNvPr>
+                    <p:cNvSpPr/>
+                    <p:nvPr/>
+                  </p:nvSpPr>
+                  <p:spPr>
+                    <a:xfrm>
+                      <a:off x="2081938" y="3434848"/>
+                      <a:ext cx="2560320" cy="146304"/>
+                    </a:xfrm>
+                    <a:prstGeom prst="rect">
+                      <a:avLst/>
+                    </a:prstGeom>
+                    <a:solidFill>
+                      <a:schemeClr val="tx1"/>
+                    </a:solidFill>
+                    <a:ln w="19050">
+                      <a:solidFill>
+                        <a:schemeClr val="tx1"/>
+                      </a:solidFill>
+                    </a:ln>
+                  </p:spPr>
+                  <p:style>
+                    <a:lnRef idx="2">
+                      <a:schemeClr val="accent1">
+                        <a:shade val="50000"/>
+                      </a:schemeClr>
+                    </a:lnRef>
+                    <a:fillRef idx="1">
+                      <a:schemeClr val="accent1"/>
+                    </a:fillRef>
+                    <a:effectRef idx="0">
+                      <a:schemeClr val="accent1"/>
+                    </a:effectRef>
+                    <a:fontRef idx="minor">
+                      <a:schemeClr val="lt1"/>
+                    </a:fontRef>
+                  </p:style>
+                  <p:txBody>
+                    <a:bodyPr rtlCol="0" anchor="ctr"/>
+                    <a:lstStyle/>
+                    <a:p>
+                      <a:pPr algn="ctr"/>
+                      <a:endParaRPr lang="en-US"/>
+                    </a:p>
+                  </p:txBody>
+                </p:sp>
+                <p:sp>
+                  <p:nvSpPr>
+                    <p:cNvPr id="164" name="Rectangle 163">
+                      <a:extLst>
+                        <a:ext uri="{FF2B5EF4-FFF2-40B4-BE49-F238E27FC236}">
+                          <a16:creationId xmlns:a16="http://schemas.microsoft.com/office/drawing/2014/main" id="{B76603B4-02EF-7CF2-CEAB-5CE9BC4C3FCC}"/>
+                        </a:ext>
+                      </a:extLst>
+                    </p:cNvPr>
+                    <p:cNvSpPr/>
+                    <p:nvPr/>
+                  </p:nvSpPr>
+                  <p:spPr>
+                    <a:xfrm>
+                      <a:off x="2081938" y="3434848"/>
+                      <a:ext cx="182880" cy="146304"/>
+                    </a:xfrm>
+                    <a:prstGeom prst="rect">
+                      <a:avLst/>
+                    </a:prstGeom>
+                    <a:solidFill>
+                      <a:srgbClr val="FF6600"/>
+                    </a:solidFill>
+                    <a:ln w="19050">
+                      <a:solidFill>
+                        <a:schemeClr val="tx1"/>
+                      </a:solidFill>
+                    </a:ln>
+                  </p:spPr>
+                  <p:style>
+                    <a:lnRef idx="2">
+                      <a:schemeClr val="accent1">
+                        <a:shade val="50000"/>
+                      </a:schemeClr>
+                    </a:lnRef>
+                    <a:fillRef idx="1">
+                      <a:schemeClr val="accent1"/>
+                    </a:fillRef>
+                    <a:effectRef idx="0">
+                      <a:schemeClr val="accent1"/>
+                    </a:effectRef>
+                    <a:fontRef idx="minor">
+                      <a:schemeClr val="lt1"/>
+                    </a:fontRef>
+                  </p:style>
+                  <p:txBody>
+                    <a:bodyPr rtlCol="0" anchor="ctr"/>
+                    <a:lstStyle/>
+                    <a:p>
+                      <a:pPr algn="ctr"/>
+                      <a:endParaRPr lang="en-US"/>
+                    </a:p>
+                  </p:txBody>
+                </p:sp>
+              </p:grpSp>
+              <p:grpSp>
+                <p:nvGrpSpPr>
+                  <p:cNvPr id="154" name="Group 153">
+                    <a:extLst>
+                      <a:ext uri="{FF2B5EF4-FFF2-40B4-BE49-F238E27FC236}">
+                        <a16:creationId xmlns:a16="http://schemas.microsoft.com/office/drawing/2014/main" id="{34A4FD30-5F31-40E1-07A5-745838D5D8B1}"/>
+                      </a:ext>
+                    </a:extLst>
+                  </p:cNvPr>
+                  <p:cNvGrpSpPr/>
+                  <p:nvPr/>
+                </p:nvGrpSpPr>
+                <p:grpSpPr>
+                  <a:xfrm>
+                    <a:off x="5079206" y="3434848"/>
+                    <a:ext cx="1191360" cy="146304"/>
+                    <a:chOff x="5079206" y="3434848"/>
+                    <a:chExt cx="1191360" cy="146304"/>
+                  </a:xfrm>
+                </p:grpSpPr>
+                <p:sp>
+                  <p:nvSpPr>
+                    <p:cNvPr id="161" name="Rectangle 160">
+                      <a:extLst>
+                        <a:ext uri="{FF2B5EF4-FFF2-40B4-BE49-F238E27FC236}">
+                          <a16:creationId xmlns:a16="http://schemas.microsoft.com/office/drawing/2014/main" id="{7747B6EE-E40C-A0DB-447E-B15787DFC6DA}"/>
+                        </a:ext>
+                      </a:extLst>
+                    </p:cNvPr>
+                    <p:cNvSpPr/>
+                    <p:nvPr/>
+                  </p:nvSpPr>
+                  <p:spPr>
+                    <a:xfrm>
+                      <a:off x="5081846" y="3434848"/>
+                      <a:ext cx="1188720" cy="146304"/>
+                    </a:xfrm>
+                    <a:prstGeom prst="rect">
+                      <a:avLst/>
+                    </a:prstGeom>
+                    <a:solidFill>
+                      <a:schemeClr val="tx1"/>
+                    </a:solidFill>
+                    <a:ln w="19050">
+                      <a:solidFill>
+                        <a:schemeClr val="tx1"/>
+                      </a:solidFill>
+                    </a:ln>
+                  </p:spPr>
+                  <p:style>
+                    <a:lnRef idx="2">
+                      <a:schemeClr val="accent1">
+                        <a:shade val="50000"/>
+                      </a:schemeClr>
+                    </a:lnRef>
+                    <a:fillRef idx="1">
+                      <a:schemeClr val="accent1"/>
+                    </a:fillRef>
+                    <a:effectRef idx="0">
+                      <a:schemeClr val="accent1"/>
+                    </a:effectRef>
+                    <a:fontRef idx="minor">
+                      <a:schemeClr val="lt1"/>
+                    </a:fontRef>
+                  </p:style>
+                  <p:txBody>
+                    <a:bodyPr rtlCol="0" anchor="ctr"/>
+                    <a:lstStyle/>
+                    <a:p>
+                      <a:pPr algn="ctr"/>
+                      <a:endParaRPr lang="en-US"/>
+                    </a:p>
+                  </p:txBody>
+                </p:sp>
+                <p:sp>
+                  <p:nvSpPr>
+                    <p:cNvPr id="162" name="Rectangle 161">
+                      <a:extLst>
+                        <a:ext uri="{FF2B5EF4-FFF2-40B4-BE49-F238E27FC236}">
+                          <a16:creationId xmlns:a16="http://schemas.microsoft.com/office/drawing/2014/main" id="{90FF5F33-ADF1-C6F4-0866-7BA180AF74AB}"/>
+                        </a:ext>
+                      </a:extLst>
+                    </p:cNvPr>
+                    <p:cNvSpPr/>
+                    <p:nvPr/>
+                  </p:nvSpPr>
+                  <p:spPr>
+                    <a:xfrm>
+                      <a:off x="5079206" y="3434848"/>
+                      <a:ext cx="182880" cy="146304"/>
+                    </a:xfrm>
+                    <a:prstGeom prst="rect">
+                      <a:avLst/>
+                    </a:prstGeom>
+                    <a:solidFill>
+                      <a:srgbClr val="FF6600"/>
+                    </a:solidFill>
+                    <a:ln w="19050">
+                      <a:solidFill>
+                        <a:schemeClr val="tx1"/>
+                      </a:solidFill>
+                    </a:ln>
+                  </p:spPr>
+                  <p:style>
+                    <a:lnRef idx="2">
+                      <a:schemeClr val="accent1">
+                        <a:shade val="50000"/>
+                      </a:schemeClr>
+                    </a:lnRef>
+                    <a:fillRef idx="1">
+                      <a:schemeClr val="accent1"/>
+                    </a:fillRef>
+                    <a:effectRef idx="0">
+                      <a:schemeClr val="accent1"/>
+                    </a:effectRef>
+                    <a:fontRef idx="minor">
+                      <a:schemeClr val="lt1"/>
+                    </a:fontRef>
+                  </p:style>
+                  <p:txBody>
+                    <a:bodyPr rtlCol="0" anchor="ctr"/>
+                    <a:lstStyle/>
+                    <a:p>
+                      <a:pPr algn="ctr"/>
+                      <a:endParaRPr lang="en-US" dirty="0"/>
+                    </a:p>
+                  </p:txBody>
+                </p:sp>
+              </p:grpSp>
+              <p:grpSp>
+                <p:nvGrpSpPr>
+                  <p:cNvPr id="155" name="Group 154">
+                    <a:extLst>
+                      <a:ext uri="{FF2B5EF4-FFF2-40B4-BE49-F238E27FC236}">
+                        <a16:creationId xmlns:a16="http://schemas.microsoft.com/office/drawing/2014/main" id="{770691EA-39E9-34BB-5E5D-65E369F568EB}"/>
+                      </a:ext>
+                    </a:extLst>
+                  </p:cNvPr>
+                  <p:cNvGrpSpPr/>
+                  <p:nvPr/>
+                </p:nvGrpSpPr>
+                <p:grpSpPr>
+                  <a:xfrm>
+                    <a:off x="6626385" y="3434848"/>
+                    <a:ext cx="1647547" cy="146304"/>
+                    <a:chOff x="6626385" y="3434848"/>
+                    <a:chExt cx="1647547" cy="146304"/>
+                  </a:xfrm>
+                </p:grpSpPr>
+                <p:sp>
+                  <p:nvSpPr>
+                    <p:cNvPr id="159" name="Rectangle 158">
+                      <a:extLst>
+                        <a:ext uri="{FF2B5EF4-FFF2-40B4-BE49-F238E27FC236}">
+                          <a16:creationId xmlns:a16="http://schemas.microsoft.com/office/drawing/2014/main" id="{7176266E-201A-5369-C435-BE00E01C2E92}"/>
+                        </a:ext>
+                      </a:extLst>
+                    </p:cNvPr>
+                    <p:cNvSpPr/>
+                    <p:nvPr/>
+                  </p:nvSpPr>
+                  <p:spPr>
+                    <a:xfrm>
+                      <a:off x="6628012" y="3434848"/>
+                      <a:ext cx="1645920" cy="146304"/>
+                    </a:xfrm>
+                    <a:prstGeom prst="rect">
+                      <a:avLst/>
+                    </a:prstGeom>
+                    <a:solidFill>
+                      <a:schemeClr val="tx1"/>
+                    </a:solidFill>
+                    <a:ln w="19050">
+                      <a:solidFill>
+                        <a:schemeClr val="tx1"/>
+                      </a:solidFill>
+                    </a:ln>
+                  </p:spPr>
+                  <p:style>
+                    <a:lnRef idx="2">
+                      <a:schemeClr val="accent1">
+                        <a:shade val="50000"/>
+                      </a:schemeClr>
+                    </a:lnRef>
+                    <a:fillRef idx="1">
+                      <a:schemeClr val="accent1"/>
+                    </a:fillRef>
+                    <a:effectRef idx="0">
+                      <a:schemeClr val="accent1"/>
+                    </a:effectRef>
+                    <a:fontRef idx="minor">
+                      <a:schemeClr val="lt1"/>
+                    </a:fontRef>
+                  </p:style>
+                  <p:txBody>
+                    <a:bodyPr rtlCol="0" anchor="ctr"/>
+                    <a:lstStyle/>
+                    <a:p>
+                      <a:pPr algn="ctr"/>
+                      <a:endParaRPr lang="en-US"/>
+                    </a:p>
+                  </p:txBody>
+                </p:sp>
+                <p:sp>
+                  <p:nvSpPr>
+                    <p:cNvPr id="160" name="Rectangle 159">
+                      <a:extLst>
+                        <a:ext uri="{FF2B5EF4-FFF2-40B4-BE49-F238E27FC236}">
+                          <a16:creationId xmlns:a16="http://schemas.microsoft.com/office/drawing/2014/main" id="{E6CC5486-F371-D706-6916-9903181A607C}"/>
+                        </a:ext>
+                      </a:extLst>
+                    </p:cNvPr>
+                    <p:cNvSpPr/>
+                    <p:nvPr/>
+                  </p:nvSpPr>
+                  <p:spPr>
+                    <a:xfrm>
+                      <a:off x="6626385" y="3434848"/>
+                      <a:ext cx="182880" cy="146304"/>
+                    </a:xfrm>
+                    <a:prstGeom prst="rect">
+                      <a:avLst/>
+                    </a:prstGeom>
+                    <a:solidFill>
+                      <a:srgbClr val="FF6600"/>
+                    </a:solidFill>
+                    <a:ln w="19050">
+                      <a:solidFill>
+                        <a:schemeClr val="tx1"/>
+                      </a:solidFill>
+                    </a:ln>
+                  </p:spPr>
+                  <p:style>
+                    <a:lnRef idx="2">
+                      <a:schemeClr val="accent1">
+                        <a:shade val="50000"/>
+                      </a:schemeClr>
+                    </a:lnRef>
+                    <a:fillRef idx="1">
+                      <a:schemeClr val="accent1"/>
+                    </a:fillRef>
+                    <a:effectRef idx="0">
+                      <a:schemeClr val="accent1"/>
+                    </a:effectRef>
+                    <a:fontRef idx="minor">
+                      <a:schemeClr val="lt1"/>
+                    </a:fontRef>
+                  </p:style>
+                  <p:txBody>
+                    <a:bodyPr rtlCol="0" anchor="ctr"/>
+                    <a:lstStyle/>
+                    <a:p>
+                      <a:pPr algn="ctr"/>
+                      <a:endParaRPr lang="en-US"/>
+                    </a:p>
+                  </p:txBody>
+                </p:sp>
+              </p:grpSp>
+              <p:grpSp>
+                <p:nvGrpSpPr>
+                  <p:cNvPr id="156" name="Group 155">
+                    <a:extLst>
+                      <a:ext uri="{FF2B5EF4-FFF2-40B4-BE49-F238E27FC236}">
+                        <a16:creationId xmlns:a16="http://schemas.microsoft.com/office/drawing/2014/main" id="{BA45311B-3435-CD15-2B39-5ECCC8036986}"/>
+                      </a:ext>
+                    </a:extLst>
+                  </p:cNvPr>
+                  <p:cNvGrpSpPr/>
+                  <p:nvPr/>
+                </p:nvGrpSpPr>
+                <p:grpSpPr>
+                  <a:xfrm>
+                    <a:off x="8483563" y="3434848"/>
+                    <a:ext cx="1558209" cy="146304"/>
+                    <a:chOff x="8483563" y="3434848"/>
+                    <a:chExt cx="1558209" cy="146304"/>
+                  </a:xfrm>
+                </p:grpSpPr>
+                <p:sp>
+                  <p:nvSpPr>
+                    <p:cNvPr id="157" name="Rectangle 156">
+                      <a:extLst>
+                        <a:ext uri="{FF2B5EF4-FFF2-40B4-BE49-F238E27FC236}">
+                          <a16:creationId xmlns:a16="http://schemas.microsoft.com/office/drawing/2014/main" id="{61C860DC-C721-B3BA-9EBD-3FCBA7CE0FD6}"/>
+                        </a:ext>
+                      </a:extLst>
+                    </p:cNvPr>
+                    <p:cNvSpPr/>
+                    <p:nvPr/>
+                  </p:nvSpPr>
+                  <p:spPr>
+                    <a:xfrm>
+                      <a:off x="8487292" y="3434848"/>
+                      <a:ext cx="1554480" cy="146304"/>
+                    </a:xfrm>
+                    <a:prstGeom prst="rect">
+                      <a:avLst/>
+                    </a:prstGeom>
+                    <a:solidFill>
+                      <a:schemeClr val="tx1"/>
+                    </a:solidFill>
+                    <a:ln w="19050">
+                      <a:solidFill>
+                        <a:schemeClr val="tx1"/>
+                      </a:solidFill>
+                    </a:ln>
+                  </p:spPr>
+                  <p:style>
+                    <a:lnRef idx="2">
+                      <a:schemeClr val="accent1">
+                        <a:shade val="50000"/>
+                      </a:schemeClr>
+                    </a:lnRef>
+                    <a:fillRef idx="1">
+                      <a:schemeClr val="accent1"/>
+                    </a:fillRef>
+                    <a:effectRef idx="0">
+                      <a:schemeClr val="accent1"/>
+                    </a:effectRef>
+                    <a:fontRef idx="minor">
+                      <a:schemeClr val="lt1"/>
+                    </a:fontRef>
+                  </p:style>
+                  <p:txBody>
+                    <a:bodyPr rtlCol="0" anchor="ctr"/>
+                    <a:lstStyle/>
+                    <a:p>
+                      <a:pPr algn="ctr"/>
+                      <a:endParaRPr lang="en-US"/>
+                    </a:p>
+                  </p:txBody>
+                </p:sp>
+                <p:sp>
+                  <p:nvSpPr>
+                    <p:cNvPr id="158" name="Rectangle 157">
+                      <a:extLst>
+                        <a:ext uri="{FF2B5EF4-FFF2-40B4-BE49-F238E27FC236}">
+                          <a16:creationId xmlns:a16="http://schemas.microsoft.com/office/drawing/2014/main" id="{4E6BDACD-051C-7F5D-5852-CE39FB93E1F0}"/>
+                        </a:ext>
+                      </a:extLst>
+                    </p:cNvPr>
+                    <p:cNvSpPr/>
+                    <p:nvPr/>
+                  </p:nvSpPr>
+                  <p:spPr>
+                    <a:xfrm>
+                      <a:off x="8483563" y="3434848"/>
+                      <a:ext cx="182880" cy="146304"/>
+                    </a:xfrm>
+                    <a:prstGeom prst="rect">
+                      <a:avLst/>
+                    </a:prstGeom>
+                    <a:solidFill>
+                      <a:srgbClr val="FF6600"/>
+                    </a:solidFill>
+                    <a:ln w="19050">
+                      <a:solidFill>
+                        <a:schemeClr val="tx1"/>
+                      </a:solidFill>
+                    </a:ln>
+                  </p:spPr>
+                  <p:style>
+                    <a:lnRef idx="2">
+                      <a:schemeClr val="accent1">
+                        <a:shade val="50000"/>
+                      </a:schemeClr>
+                    </a:lnRef>
+                    <a:fillRef idx="1">
+                      <a:schemeClr val="accent1"/>
+                    </a:fillRef>
+                    <a:effectRef idx="0">
+                      <a:schemeClr val="accent1"/>
+                    </a:effectRef>
+                    <a:fontRef idx="minor">
+                      <a:schemeClr val="lt1"/>
+                    </a:fontRef>
+                  </p:style>
+                  <p:txBody>
+                    <a:bodyPr rtlCol="0" anchor="ctr"/>
+                    <a:lstStyle/>
+                    <a:p>
+                      <a:pPr algn="ctr"/>
+                      <a:endParaRPr lang="en-US" dirty="0"/>
+                    </a:p>
+                  </p:txBody>
+                </p:sp>
+              </p:grpSp>
+            </p:grpSp>
+            <p:sp>
+              <p:nvSpPr>
+                <p:cNvPr id="152" name="TextBox 151">
+                  <a:extLst>
+                    <a:ext uri="{FF2B5EF4-FFF2-40B4-BE49-F238E27FC236}">
+                      <a16:creationId xmlns:a16="http://schemas.microsoft.com/office/drawing/2014/main" id="{D66617CE-681E-C86B-EAEA-F17B56E690AF}"/>
+                    </a:ext>
+                  </a:extLst>
+                </p:cNvPr>
+                <p:cNvSpPr txBox="1"/>
+                <p:nvPr/>
+              </p:nvSpPr>
+              <p:spPr>
+                <a:xfrm>
+                  <a:off x="1022463" y="4067442"/>
+                  <a:ext cx="872836" cy="307777"/>
+                </a:xfrm>
+                <a:prstGeom prst="rect">
+                  <a:avLst/>
+                </a:prstGeom>
+                <a:noFill/>
+              </p:spPr>
+              <p:txBody>
+                <a:bodyPr wrap="square" rtlCol="0">
+                  <a:spAutoFit/>
+                </a:bodyPr>
+                <a:lstStyle/>
+                <a:p>
+                  <a:r>
+                    <a:rPr lang="en-US" sz="1400" dirty="0"/>
+                    <a:t>Sample 3</a:t>
+                  </a:r>
+                </a:p>
+              </p:txBody>
+            </p:sp>
+          </p:grpSp>
+        </p:grpSp>
+        <p:grpSp>
+          <p:nvGrpSpPr>
+            <p:cNvPr id="9" name="Group 8">
+              <a:extLst>
+                <a:ext uri="{FF2B5EF4-FFF2-40B4-BE49-F238E27FC236}">
+                  <a16:creationId xmlns:a16="http://schemas.microsoft.com/office/drawing/2014/main" id="{01499723-7F17-C861-8E1F-3914D62B1422}"/>
+                </a:ext>
+              </a:extLst>
+            </p:cNvPr>
+            <p:cNvGrpSpPr/>
+            <p:nvPr/>
+          </p:nvGrpSpPr>
+          <p:grpSpPr>
+            <a:xfrm>
+              <a:off x="5448471" y="4393518"/>
+              <a:ext cx="2642906" cy="1097280"/>
+              <a:chOff x="6105696" y="4393518"/>
+              <a:chExt cx="2642906" cy="1097280"/>
+            </a:xfrm>
+          </p:grpSpPr>
+          <p:cxnSp>
+            <p:nvCxnSpPr>
+              <p:cNvPr id="146" name="Straight Arrow Connector 145">
+                <a:extLst>
+                  <a:ext uri="{FF2B5EF4-FFF2-40B4-BE49-F238E27FC236}">
+                    <a16:creationId xmlns:a16="http://schemas.microsoft.com/office/drawing/2014/main" id="{03BA8B62-1C1D-9131-7FB9-3DE1FAB412D8}"/>
+                  </a:ext>
+                </a:extLst>
+              </p:cNvPr>
+              <p:cNvCxnSpPr/>
+              <p:nvPr/>
+            </p:nvCxnSpPr>
+            <p:spPr>
+              <a:xfrm flipH="1">
+                <a:off x="6105696" y="4393518"/>
+                <a:ext cx="1" cy="1097280"/>
+              </a:xfrm>
+              <a:prstGeom prst="straightConnector1">
+                <a:avLst/>
+              </a:prstGeom>
+              <a:ln w="38100">
+                <a:tailEnd type="triangle"/>
+              </a:ln>
+            </p:spPr>
+            <p:style>
+              <a:lnRef idx="1">
+                <a:schemeClr val="dk1"/>
+              </a:lnRef>
+              <a:fillRef idx="0">
+                <a:schemeClr val="dk1"/>
+              </a:fillRef>
+              <a:effectRef idx="0">
+                <a:schemeClr val="dk1"/>
+              </a:effectRef>
+              <a:fontRef idx="minor">
+                <a:schemeClr val="tx1"/>
+              </a:fontRef>
+            </p:style>
+          </p:cxnSp>
+          <p:sp>
+            <p:nvSpPr>
+              <p:cNvPr id="147" name="TextBox 146">
+                <a:extLst>
+                  <a:ext uri="{FF2B5EF4-FFF2-40B4-BE49-F238E27FC236}">
+                    <a16:creationId xmlns:a16="http://schemas.microsoft.com/office/drawing/2014/main" id="{9100DA44-B511-89F6-CE9C-0FB282B62987}"/>
+                  </a:ext>
+                </a:extLst>
+              </p:cNvPr>
+              <p:cNvSpPr txBox="1"/>
+              <p:nvPr/>
+            </p:nvSpPr>
+            <p:spPr>
+              <a:xfrm>
+                <a:off x="6270566" y="4788269"/>
+                <a:ext cx="2478036" cy="307777"/>
+              </a:xfrm>
+              <a:prstGeom prst="rect">
+                <a:avLst/>
+              </a:prstGeom>
+              <a:noFill/>
+            </p:spPr>
+            <p:txBody>
+              <a:bodyPr wrap="square" rtlCol="0">
+                <a:spAutoFit/>
+              </a:bodyPr>
+              <a:lstStyle/>
+              <a:p>
+                <a:r>
+                  <a:rPr lang="en-US" sz="1400" dirty="0"/>
+                  <a:t>Pool samples &amp; Size Selection</a:t>
+                </a:r>
+              </a:p>
+            </p:txBody>
+          </p:sp>
+        </p:grpSp>
+        <p:grpSp>
+          <p:nvGrpSpPr>
+            <p:cNvPr id="10" name="Group 9">
+              <a:extLst>
+                <a:ext uri="{FF2B5EF4-FFF2-40B4-BE49-F238E27FC236}">
+                  <a16:creationId xmlns:a16="http://schemas.microsoft.com/office/drawing/2014/main" id="{17ACCF53-D38A-B466-4943-D6AA9F0F482F}"/>
+                </a:ext>
+              </a:extLst>
+            </p:cNvPr>
+            <p:cNvGrpSpPr/>
+            <p:nvPr/>
+          </p:nvGrpSpPr>
+          <p:grpSpPr>
+            <a:xfrm>
+              <a:off x="10212836" y="2841241"/>
+              <a:ext cx="2834640" cy="1774220"/>
+              <a:chOff x="10174736" y="2721580"/>
+              <a:chExt cx="2834640" cy="1774220"/>
+            </a:xfrm>
+          </p:grpSpPr>
+          <p:sp>
+            <p:nvSpPr>
+              <p:cNvPr id="137" name="Rectangle 136">
+                <a:extLst>
+                  <a:ext uri="{FF2B5EF4-FFF2-40B4-BE49-F238E27FC236}">
+                    <a16:creationId xmlns:a16="http://schemas.microsoft.com/office/drawing/2014/main" id="{0F6223DC-359E-0777-9F08-48C3A269E945}"/>
+                  </a:ext>
+                </a:extLst>
+              </p:cNvPr>
+              <p:cNvSpPr/>
+              <p:nvPr/>
+            </p:nvSpPr>
+            <p:spPr>
+              <a:xfrm>
+                <a:off x="10180586" y="2721580"/>
+                <a:ext cx="2828790" cy="1774220"/>
+              </a:xfrm>
+              <a:prstGeom prst="rect">
+                <a:avLst/>
+              </a:prstGeom>
+              <a:solidFill>
+                <a:srgbClr val="FF7C80">
+                  <a:alpha val="75000"/>
+                </a:srgbClr>
+              </a:solidFill>
+              <a:ln w="38100">
+                <a:solidFill>
+                  <a:srgbClr val="FF5050"/>
+                </a:solidFill>
+              </a:ln>
+            </p:spPr>
+            <p:style>
+              <a:lnRef idx="2">
+                <a:schemeClr val="accent1">
+                  <a:shade val="50000"/>
+                </a:schemeClr>
+              </a:lnRef>
+              <a:fillRef idx="1">
+                <a:schemeClr val="accent1"/>
+              </a:fillRef>
+              <a:effectRef idx="0">
+                <a:schemeClr val="accent1"/>
+              </a:effectRef>
+              <a:fontRef idx="minor">
+                <a:schemeClr val="lt1"/>
+              </a:fontRef>
+            </p:style>
+            <p:txBody>
+              <a:bodyPr rtlCol="0" anchor="ctr"/>
+              <a:lstStyle/>
+              <a:p>
+                <a:pPr algn="ctr"/>
+                <a:endParaRPr lang="en-US"/>
+              </a:p>
+            </p:txBody>
+          </p:sp>
+          <p:sp>
+            <p:nvSpPr>
+              <p:cNvPr id="138" name="TextBox 137">
+                <a:extLst>
+                  <a:ext uri="{FF2B5EF4-FFF2-40B4-BE49-F238E27FC236}">
+                    <a16:creationId xmlns:a16="http://schemas.microsoft.com/office/drawing/2014/main" id="{01086201-C8F7-A44D-F644-286212CB44D2}"/>
+                  </a:ext>
+                </a:extLst>
+              </p:cNvPr>
+              <p:cNvSpPr txBox="1"/>
+              <p:nvPr/>
+            </p:nvSpPr>
+            <p:spPr>
+              <a:xfrm>
+                <a:off x="10174736" y="3359557"/>
+                <a:ext cx="872836" cy="276999"/>
+              </a:xfrm>
+              <a:prstGeom prst="rect">
+                <a:avLst/>
+              </a:prstGeom>
+              <a:noFill/>
+            </p:spPr>
+            <p:txBody>
+              <a:bodyPr wrap="square" rtlCol="0">
+                <a:spAutoFit/>
+              </a:bodyPr>
+              <a:lstStyle/>
+              <a:p>
+                <a:r>
+                  <a:rPr lang="en-US" sz="1200" dirty="0"/>
+                  <a:t>Sample 1</a:t>
+                </a:r>
+              </a:p>
+            </p:txBody>
+          </p:sp>
+          <p:sp>
+            <p:nvSpPr>
+              <p:cNvPr id="139" name="TextBox 138">
+                <a:extLst>
+                  <a:ext uri="{FF2B5EF4-FFF2-40B4-BE49-F238E27FC236}">
+                    <a16:creationId xmlns:a16="http://schemas.microsoft.com/office/drawing/2014/main" id="{F3DC2659-57A1-9F28-EBDD-16E4A39956D8}"/>
+                  </a:ext>
+                </a:extLst>
+              </p:cNvPr>
+              <p:cNvSpPr txBox="1"/>
+              <p:nvPr/>
+            </p:nvSpPr>
+            <p:spPr>
+              <a:xfrm>
+                <a:off x="10174736" y="3743739"/>
+                <a:ext cx="872836" cy="276999"/>
+              </a:xfrm>
+              <a:prstGeom prst="rect">
+                <a:avLst/>
+              </a:prstGeom>
+              <a:noFill/>
+            </p:spPr>
+            <p:txBody>
+              <a:bodyPr wrap="square" rtlCol="0">
+                <a:spAutoFit/>
+              </a:bodyPr>
+              <a:lstStyle/>
+              <a:p>
+                <a:r>
+                  <a:rPr lang="en-US" sz="1200" dirty="0"/>
+                  <a:t>Sample 2</a:t>
+                </a:r>
+              </a:p>
+            </p:txBody>
+          </p:sp>
+          <p:sp>
+            <p:nvSpPr>
+              <p:cNvPr id="140" name="TextBox 139">
+                <a:extLst>
+                  <a:ext uri="{FF2B5EF4-FFF2-40B4-BE49-F238E27FC236}">
+                    <a16:creationId xmlns:a16="http://schemas.microsoft.com/office/drawing/2014/main" id="{604F516B-CE8D-B9AB-3F23-7E4D80D3EAFB}"/>
+                  </a:ext>
+                </a:extLst>
+              </p:cNvPr>
+              <p:cNvSpPr txBox="1"/>
+              <p:nvPr/>
+            </p:nvSpPr>
+            <p:spPr>
+              <a:xfrm>
+                <a:off x="10174736" y="4082830"/>
+                <a:ext cx="872836" cy="276999"/>
+              </a:xfrm>
+              <a:prstGeom prst="rect">
+                <a:avLst/>
+              </a:prstGeom>
+              <a:noFill/>
+            </p:spPr>
+            <p:txBody>
+              <a:bodyPr wrap="square" rtlCol="0">
+                <a:spAutoFit/>
+              </a:bodyPr>
+              <a:lstStyle/>
+              <a:p>
+                <a:r>
+                  <a:rPr lang="en-US" sz="1200" dirty="0"/>
+                  <a:t>Sample 3</a:t>
+                </a:r>
+              </a:p>
+            </p:txBody>
+          </p:sp>
+          <p:sp>
+            <p:nvSpPr>
+              <p:cNvPr id="141" name="TextBox 140">
+                <a:extLst>
+                  <a:ext uri="{FF2B5EF4-FFF2-40B4-BE49-F238E27FC236}">
+                    <a16:creationId xmlns:a16="http://schemas.microsoft.com/office/drawing/2014/main" id="{6F801349-50A0-5A15-FEE8-D33F68834A35}"/>
+                  </a:ext>
+                </a:extLst>
+              </p:cNvPr>
+              <p:cNvSpPr txBox="1"/>
+              <p:nvPr/>
+            </p:nvSpPr>
+            <p:spPr>
+              <a:xfrm>
+                <a:off x="10799513" y="2721580"/>
+                <a:ext cx="1277478" cy="646331"/>
+              </a:xfrm>
+              <a:prstGeom prst="rect">
+                <a:avLst/>
+              </a:prstGeom>
+              <a:noFill/>
+            </p:spPr>
+            <p:txBody>
+              <a:bodyPr wrap="square" rtlCol="0">
+                <a:spAutoFit/>
+              </a:bodyPr>
+              <a:lstStyle/>
+              <a:p>
+                <a:pPr algn="ctr"/>
+                <a:r>
+                  <a:rPr lang="en-US" sz="1200" dirty="0"/>
+                  <a:t>Individual Barcode</a:t>
+                </a:r>
+              </a:p>
+              <a:p>
+                <a:pPr algn="ctr"/>
+                <a:r>
+                  <a:rPr lang="en-US" sz="1200" dirty="0"/>
+                  <a:t>(ligation adaptor)</a:t>
+                </a:r>
+              </a:p>
+            </p:txBody>
+          </p:sp>
+          <p:sp>
+            <p:nvSpPr>
+              <p:cNvPr id="142" name="TextBox 141">
+                <a:extLst>
+                  <a:ext uri="{FF2B5EF4-FFF2-40B4-BE49-F238E27FC236}">
+                    <a16:creationId xmlns:a16="http://schemas.microsoft.com/office/drawing/2014/main" id="{6A1B207A-34B9-923F-CDBC-E6E56C2CB703}"/>
+                  </a:ext>
+                </a:extLst>
+              </p:cNvPr>
+              <p:cNvSpPr txBox="1"/>
+              <p:nvPr/>
+            </p:nvSpPr>
+            <p:spPr>
+              <a:xfrm>
+                <a:off x="11942090" y="2906246"/>
+                <a:ext cx="1067286" cy="461665"/>
+              </a:xfrm>
+              <a:prstGeom prst="rect">
+                <a:avLst/>
+              </a:prstGeom>
+              <a:noFill/>
+            </p:spPr>
+            <p:txBody>
+              <a:bodyPr wrap="square" rtlCol="0">
+                <a:spAutoFit/>
+              </a:bodyPr>
+              <a:lstStyle/>
+              <a:p>
+                <a:pPr algn="ctr"/>
+                <a:r>
+                  <a:rPr lang="en-US" sz="1200" dirty="0"/>
+                  <a:t>Pool barcode</a:t>
+                </a:r>
+              </a:p>
+              <a:p>
+                <a:pPr algn="ctr"/>
+                <a:r>
+                  <a:rPr lang="en-US" sz="1200" dirty="0"/>
+                  <a:t>(PCR adaptor)</a:t>
+                </a:r>
+              </a:p>
+            </p:txBody>
+          </p:sp>
+          <p:sp>
+            <p:nvSpPr>
+              <p:cNvPr id="143" name="Rectangle 142">
+                <a:extLst>
+                  <a:ext uri="{FF2B5EF4-FFF2-40B4-BE49-F238E27FC236}">
+                    <a16:creationId xmlns:a16="http://schemas.microsoft.com/office/drawing/2014/main" id="{BD1FC6BE-71F1-5D6D-C39A-D17900925A4D}"/>
+                  </a:ext>
+                </a:extLst>
+              </p:cNvPr>
+              <p:cNvSpPr/>
+              <p:nvPr/>
+            </p:nvSpPr>
+            <p:spPr>
+              <a:xfrm>
+                <a:off x="11281523" y="3387406"/>
+                <a:ext cx="313458" cy="237093"/>
+              </a:xfrm>
+              <a:prstGeom prst="rect">
+                <a:avLst/>
+              </a:prstGeom>
+              <a:solidFill>
+                <a:srgbClr val="FF3399"/>
+              </a:solidFill>
+              <a:ln w="19050">
+                <a:solidFill>
+                  <a:schemeClr val="tx1"/>
+                </a:solidFill>
+              </a:ln>
+            </p:spPr>
+            <p:style>
+              <a:lnRef idx="2">
+                <a:schemeClr val="accent1">
+                  <a:shade val="50000"/>
+                </a:schemeClr>
+              </a:lnRef>
+              <a:fillRef idx="1">
+                <a:schemeClr val="accent1"/>
+              </a:fillRef>
+              <a:effectRef idx="0">
+                <a:schemeClr val="accent1"/>
+              </a:effectRef>
+              <a:fontRef idx="minor">
+                <a:schemeClr val="lt1"/>
+              </a:fontRef>
+            </p:style>
+            <p:txBody>
+              <a:bodyPr rtlCol="0" anchor="ctr"/>
+              <a:lstStyle/>
+              <a:p>
+                <a:pPr algn="ctr"/>
+                <a:endParaRPr lang="en-US"/>
+              </a:p>
+            </p:txBody>
+          </p:sp>
+          <p:sp>
+            <p:nvSpPr>
+              <p:cNvPr id="144" name="Rectangle 143">
+                <a:extLst>
+                  <a:ext uri="{FF2B5EF4-FFF2-40B4-BE49-F238E27FC236}">
+                    <a16:creationId xmlns:a16="http://schemas.microsoft.com/office/drawing/2014/main" id="{E61FCF9F-5D65-78E4-0927-B81853777AAB}"/>
+                  </a:ext>
+                </a:extLst>
+              </p:cNvPr>
+              <p:cNvSpPr/>
+              <p:nvPr/>
+            </p:nvSpPr>
+            <p:spPr>
+              <a:xfrm>
+                <a:off x="11281523" y="3752911"/>
+                <a:ext cx="313458" cy="237093"/>
+              </a:xfrm>
+              <a:prstGeom prst="rect">
+                <a:avLst/>
+              </a:prstGeom>
+              <a:solidFill>
+                <a:srgbClr val="9933FF"/>
+              </a:solidFill>
+              <a:ln w="19050">
+                <a:solidFill>
+                  <a:schemeClr val="tx1"/>
+                </a:solidFill>
+              </a:ln>
+            </p:spPr>
+            <p:style>
+              <a:lnRef idx="2">
+                <a:schemeClr val="accent1">
+                  <a:shade val="50000"/>
+                </a:schemeClr>
+              </a:lnRef>
+              <a:fillRef idx="1">
+                <a:schemeClr val="accent1"/>
+              </a:fillRef>
+              <a:effectRef idx="0">
+                <a:schemeClr val="accent1"/>
+              </a:effectRef>
+              <a:fontRef idx="minor">
+                <a:schemeClr val="lt1"/>
+              </a:fontRef>
+            </p:style>
+            <p:txBody>
+              <a:bodyPr rtlCol="0" anchor="ctr"/>
+              <a:lstStyle/>
+              <a:p>
+                <a:pPr algn="ctr"/>
+                <a:endParaRPr lang="en-US"/>
+              </a:p>
+            </p:txBody>
+          </p:sp>
+          <p:sp>
+            <p:nvSpPr>
+              <p:cNvPr id="145" name="Rectangle 144">
+                <a:extLst>
+                  <a:ext uri="{FF2B5EF4-FFF2-40B4-BE49-F238E27FC236}">
+                    <a16:creationId xmlns:a16="http://schemas.microsoft.com/office/drawing/2014/main" id="{E869D854-610C-1DD0-067F-4536F463D8EC}"/>
+                  </a:ext>
+                </a:extLst>
+              </p:cNvPr>
+              <p:cNvSpPr/>
+              <p:nvPr/>
+            </p:nvSpPr>
+            <p:spPr>
+              <a:xfrm>
+                <a:off x="11281523" y="4102782"/>
+                <a:ext cx="313458" cy="237093"/>
+              </a:xfrm>
+              <a:prstGeom prst="rect">
+                <a:avLst/>
+              </a:prstGeom>
+              <a:solidFill>
+                <a:srgbClr val="FF6600"/>
+              </a:solidFill>
+              <a:ln w="19050">
+                <a:solidFill>
+                  <a:schemeClr val="tx1"/>
+                </a:solidFill>
+              </a:ln>
+            </p:spPr>
+            <p:style>
+              <a:lnRef idx="2">
+                <a:schemeClr val="accent1">
+                  <a:shade val="50000"/>
+                </a:schemeClr>
+              </a:lnRef>
+              <a:fillRef idx="1">
+                <a:schemeClr val="accent1"/>
+              </a:fillRef>
+              <a:effectRef idx="0">
+                <a:schemeClr val="accent1"/>
+              </a:effectRef>
+              <a:fontRef idx="minor">
+                <a:schemeClr val="lt1"/>
+              </a:fontRef>
+            </p:style>
+            <p:txBody>
+              <a:bodyPr rtlCol="0" anchor="ctr"/>
+              <a:lstStyle/>
+              <a:p>
+                <a:pPr algn="ctr"/>
+                <a:endParaRPr lang="en-US"/>
+              </a:p>
+            </p:txBody>
+          </p:sp>
+        </p:grpSp>
+        <p:cxnSp>
+          <p:nvCxnSpPr>
+            <p:cNvPr id="11" name="Elbow Connector 134">
+              <a:extLst>
+                <a:ext uri="{FF2B5EF4-FFF2-40B4-BE49-F238E27FC236}">
+                  <a16:creationId xmlns:a16="http://schemas.microsoft.com/office/drawing/2014/main" id="{ADE920E6-B331-78CA-123A-25DD2CA6950E}"/>
+                </a:ext>
+              </a:extLst>
+            </p:cNvPr>
+            <p:cNvCxnSpPr>
+              <a:stCxn id="194" idx="3"/>
+              <a:endCxn id="137" idx="1"/>
+            </p:cNvCxnSpPr>
+            <p:nvPr/>
+          </p:nvCxnSpPr>
+          <p:spPr>
+            <a:xfrm>
+              <a:off x="6486179" y="2791237"/>
+              <a:ext cx="3732507" cy="937114"/>
+            </a:xfrm>
+            <a:prstGeom prst="bentConnector3">
+              <a:avLst>
+                <a:gd name="adj1" fmla="val 81388"/>
+              </a:avLst>
+            </a:prstGeom>
+            <a:ln w="38100">
+              <a:solidFill>
+                <a:schemeClr val="tx1"/>
+              </a:solidFill>
+              <a:tailEnd type="triangle"/>
+            </a:ln>
+          </p:spPr>
+          <p:style>
+            <a:lnRef idx="1">
+              <a:schemeClr val="accent1"/>
+            </a:lnRef>
+            <a:fillRef idx="0">
+              <a:schemeClr val="accent1"/>
+            </a:fillRef>
+            <a:effectRef idx="0">
+              <a:schemeClr val="accent1"/>
+            </a:effectRef>
+            <a:fontRef idx="minor">
+              <a:schemeClr val="tx1"/>
+            </a:fontRef>
+          </p:style>
+        </p:cxnSp>
+        <p:sp>
+          <p:nvSpPr>
+            <p:cNvPr id="12" name="TextBox 11">
+              <a:extLst>
+                <a:ext uri="{FF2B5EF4-FFF2-40B4-BE49-F238E27FC236}">
+                  <a16:creationId xmlns:a16="http://schemas.microsoft.com/office/drawing/2014/main" id="{38871B57-8063-FB11-0598-FA8D2ADF8F33}"/>
+                </a:ext>
+              </a:extLst>
+            </p:cNvPr>
+            <p:cNvSpPr txBox="1"/>
+            <p:nvPr/>
+          </p:nvSpPr>
+          <p:spPr>
+            <a:xfrm>
+              <a:off x="6486179" y="2473221"/>
+              <a:ext cx="3315046" cy="307777"/>
+            </a:xfrm>
+            <a:prstGeom prst="rect">
+              <a:avLst/>
+            </a:prstGeom>
+            <a:noFill/>
+          </p:spPr>
+          <p:txBody>
+            <a:bodyPr wrap="square" rtlCol="0">
+              <a:spAutoFit/>
+            </a:bodyPr>
+            <a:lstStyle/>
+            <a:p>
+              <a:r>
+                <a:rPr lang="en-US" sz="1400" b="1" dirty="0"/>
+                <a:t>Record the barcodes for each individual!</a:t>
+              </a:r>
+            </a:p>
+          </p:txBody>
+        </p:sp>
+        <p:cxnSp>
+          <p:nvCxnSpPr>
+            <p:cNvPr id="13" name="Straight Arrow Connector 12">
+              <a:extLst>
+                <a:ext uri="{FF2B5EF4-FFF2-40B4-BE49-F238E27FC236}">
+                  <a16:creationId xmlns:a16="http://schemas.microsoft.com/office/drawing/2014/main" id="{F95B89D9-CE40-7D1F-C80E-7EC058CE01C9}"/>
+                </a:ext>
+              </a:extLst>
+            </p:cNvPr>
+            <p:cNvCxnSpPr/>
+            <p:nvPr/>
+          </p:nvCxnSpPr>
+          <p:spPr>
+            <a:xfrm flipH="1">
+              <a:off x="5449118" y="6537737"/>
+              <a:ext cx="1" cy="1097280"/>
+            </a:xfrm>
+            <a:prstGeom prst="straightConnector1">
+              <a:avLst/>
+            </a:prstGeom>
+            <a:ln w="38100">
+              <a:tailEnd type="triangle"/>
+            </a:ln>
+          </p:spPr>
+          <p:style>
+            <a:lnRef idx="1">
+              <a:schemeClr val="dk1"/>
+            </a:lnRef>
+            <a:fillRef idx="0">
+              <a:schemeClr val="dk1"/>
+            </a:fillRef>
+            <a:effectRef idx="0">
+              <a:schemeClr val="dk1"/>
+            </a:effectRef>
+            <a:fontRef idx="minor">
+              <a:schemeClr val="tx1"/>
+            </a:fontRef>
+          </p:style>
+        </p:cxnSp>
+        <p:sp>
+          <p:nvSpPr>
+            <p:cNvPr id="14" name="TextBox 13">
+              <a:extLst>
+                <a:ext uri="{FF2B5EF4-FFF2-40B4-BE49-F238E27FC236}">
+                  <a16:creationId xmlns:a16="http://schemas.microsoft.com/office/drawing/2014/main" id="{D41B14EA-5047-7F18-424E-292E1BB0307A}"/>
+                </a:ext>
+              </a:extLst>
+            </p:cNvPr>
+            <p:cNvSpPr txBox="1"/>
+            <p:nvPr/>
+          </p:nvSpPr>
+          <p:spPr>
+            <a:xfrm>
+              <a:off x="5613341" y="6930311"/>
+              <a:ext cx="556876" cy="307777"/>
+            </a:xfrm>
+            <a:prstGeom prst="rect">
+              <a:avLst/>
+            </a:prstGeom>
+            <a:noFill/>
+          </p:spPr>
+          <p:txBody>
+            <a:bodyPr wrap="square" rtlCol="0">
+              <a:spAutoFit/>
+            </a:bodyPr>
+            <a:lstStyle/>
+            <a:p>
+              <a:r>
+                <a:rPr lang="en-US" sz="1400" dirty="0"/>
+                <a:t>PCR</a:t>
+              </a:r>
+            </a:p>
+          </p:txBody>
+        </p:sp>
+        <p:grpSp>
+          <p:nvGrpSpPr>
+            <p:cNvPr id="15" name="Group 14">
+              <a:extLst>
+                <a:ext uri="{FF2B5EF4-FFF2-40B4-BE49-F238E27FC236}">
+                  <a16:creationId xmlns:a16="http://schemas.microsoft.com/office/drawing/2014/main" id="{A7221168-A050-3DA7-7E7A-0375BA348A40}"/>
+                </a:ext>
+              </a:extLst>
+            </p:cNvPr>
+            <p:cNvGrpSpPr/>
+            <p:nvPr/>
+          </p:nvGrpSpPr>
+          <p:grpSpPr>
+            <a:xfrm>
+              <a:off x="266700" y="7703635"/>
+              <a:ext cx="9275091" cy="1025924"/>
+              <a:chOff x="2565513" y="7728693"/>
+              <a:chExt cx="9275091" cy="1025924"/>
+            </a:xfrm>
+          </p:grpSpPr>
+          <p:grpSp>
+            <p:nvGrpSpPr>
+              <p:cNvPr id="71" name="Group 70">
+                <a:extLst>
+                  <a:ext uri="{FF2B5EF4-FFF2-40B4-BE49-F238E27FC236}">
+                    <a16:creationId xmlns:a16="http://schemas.microsoft.com/office/drawing/2014/main" id="{768945EA-CD81-37B8-1148-D14D433DEF51}"/>
+                  </a:ext>
+                </a:extLst>
+              </p:cNvPr>
+              <p:cNvGrpSpPr/>
+              <p:nvPr/>
+            </p:nvGrpSpPr>
+            <p:grpSpPr>
+              <a:xfrm>
+                <a:off x="2565513" y="7728693"/>
+                <a:ext cx="9272265" cy="307777"/>
+                <a:chOff x="2565513" y="7728693"/>
+                <a:chExt cx="9272265" cy="307777"/>
+              </a:xfrm>
+            </p:grpSpPr>
+            <p:sp>
+              <p:nvSpPr>
+                <p:cNvPr id="116" name="TextBox 115">
+                  <a:extLst>
+                    <a:ext uri="{FF2B5EF4-FFF2-40B4-BE49-F238E27FC236}">
+                      <a16:creationId xmlns:a16="http://schemas.microsoft.com/office/drawing/2014/main" id="{052022DF-F160-41C9-936A-8D89AA5993C1}"/>
+                    </a:ext>
+                  </a:extLst>
+                </p:cNvPr>
+                <p:cNvSpPr txBox="1"/>
+                <p:nvPr/>
+              </p:nvSpPr>
+              <p:spPr>
+                <a:xfrm>
+                  <a:off x="2565513" y="7728693"/>
+                  <a:ext cx="872836" cy="307777"/>
+                </a:xfrm>
+                <a:prstGeom prst="rect">
+                  <a:avLst/>
+                </a:prstGeom>
+                <a:noFill/>
+              </p:spPr>
+              <p:txBody>
+                <a:bodyPr wrap="square" rtlCol="0">
+                  <a:spAutoFit/>
+                </a:bodyPr>
+                <a:lstStyle/>
+                <a:p>
+                  <a:r>
+                    <a:rPr lang="en-US" sz="1400" dirty="0"/>
+                    <a:t>Sample 1</a:t>
+                  </a:r>
+                </a:p>
+              </p:txBody>
+            </p:sp>
+            <p:grpSp>
+              <p:nvGrpSpPr>
+                <p:cNvPr id="117" name="Group 116">
+                  <a:extLst>
+                    <a:ext uri="{FF2B5EF4-FFF2-40B4-BE49-F238E27FC236}">
+                      <a16:creationId xmlns:a16="http://schemas.microsoft.com/office/drawing/2014/main" id="{16D5BAA8-3323-1DC6-F3A2-DF0BFD751ED0}"/>
+                    </a:ext>
+                  </a:extLst>
+                </p:cNvPr>
+                <p:cNvGrpSpPr/>
+                <p:nvPr/>
+              </p:nvGrpSpPr>
+              <p:grpSpPr>
+                <a:xfrm>
+                  <a:off x="3796746" y="7813099"/>
+                  <a:ext cx="1739701" cy="146304"/>
+                  <a:chOff x="3796746" y="7813099"/>
+                  <a:chExt cx="1739701" cy="146304"/>
+                </a:xfrm>
+              </p:grpSpPr>
+              <p:grpSp>
+                <p:nvGrpSpPr>
+                  <p:cNvPr id="133" name="Group 132">
+                    <a:extLst>
+                      <a:ext uri="{FF2B5EF4-FFF2-40B4-BE49-F238E27FC236}">
+                        <a16:creationId xmlns:a16="http://schemas.microsoft.com/office/drawing/2014/main" id="{6CCDC33A-DB9F-DE95-F79B-A64A47826B0D}"/>
+                      </a:ext>
+                    </a:extLst>
+                  </p:cNvPr>
+                  <p:cNvGrpSpPr/>
+                  <p:nvPr/>
+                </p:nvGrpSpPr>
+                <p:grpSpPr>
+                  <a:xfrm>
+                    <a:off x="3796746" y="7813099"/>
+                    <a:ext cx="1648261" cy="146304"/>
+                    <a:chOff x="6625671" y="3433701"/>
+                    <a:chExt cx="1648261" cy="146304"/>
+                  </a:xfrm>
+                </p:grpSpPr>
+                <p:sp>
+                  <p:nvSpPr>
+                    <p:cNvPr id="135" name="Rectangle 134">
+                      <a:extLst>
+                        <a:ext uri="{FF2B5EF4-FFF2-40B4-BE49-F238E27FC236}">
+                          <a16:creationId xmlns:a16="http://schemas.microsoft.com/office/drawing/2014/main" id="{EDCB7A34-FE44-6579-076C-EA38E8FB8E30}"/>
+                        </a:ext>
+                      </a:extLst>
+                    </p:cNvPr>
+                    <p:cNvSpPr/>
+                    <p:nvPr/>
+                  </p:nvSpPr>
+                  <p:spPr>
+                    <a:xfrm>
+                      <a:off x="6628012" y="3433701"/>
+                      <a:ext cx="1645920" cy="146304"/>
+                    </a:xfrm>
+                    <a:prstGeom prst="rect">
+                      <a:avLst/>
+                    </a:prstGeom>
+                    <a:solidFill>
+                      <a:schemeClr val="tx1"/>
+                    </a:solidFill>
+                    <a:ln w="19050">
+                      <a:solidFill>
+                        <a:schemeClr val="tx1"/>
+                      </a:solidFill>
+                    </a:ln>
+                  </p:spPr>
+                  <p:style>
+                    <a:lnRef idx="2">
+                      <a:schemeClr val="accent1">
+                        <a:shade val="50000"/>
+                      </a:schemeClr>
+                    </a:lnRef>
+                    <a:fillRef idx="1">
+                      <a:schemeClr val="accent1"/>
+                    </a:fillRef>
+                    <a:effectRef idx="0">
+                      <a:schemeClr val="accent1"/>
+                    </a:effectRef>
+                    <a:fontRef idx="minor">
+                      <a:schemeClr val="lt1"/>
+                    </a:fontRef>
+                  </p:style>
+                  <p:txBody>
+                    <a:bodyPr rtlCol="0" anchor="ctr"/>
+                    <a:lstStyle/>
+                    <a:p>
+                      <a:pPr algn="ctr"/>
+                      <a:endParaRPr lang="en-US"/>
+                    </a:p>
+                  </p:txBody>
+                </p:sp>
+                <p:sp>
+                  <p:nvSpPr>
+                    <p:cNvPr id="136" name="Rectangle 135">
+                      <a:extLst>
+                        <a:ext uri="{FF2B5EF4-FFF2-40B4-BE49-F238E27FC236}">
+                          <a16:creationId xmlns:a16="http://schemas.microsoft.com/office/drawing/2014/main" id="{F32FF2E9-D4A5-A8C1-7873-371408839C78}"/>
+                        </a:ext>
+                      </a:extLst>
+                    </p:cNvPr>
+                    <p:cNvSpPr/>
+                    <p:nvPr/>
+                  </p:nvSpPr>
+                  <p:spPr>
+                    <a:xfrm>
+                      <a:off x="6625671" y="3433701"/>
+                      <a:ext cx="182880" cy="146304"/>
+                    </a:xfrm>
+                    <a:prstGeom prst="rect">
+                      <a:avLst/>
+                    </a:prstGeom>
+                    <a:solidFill>
+                      <a:srgbClr val="FF3399"/>
+                    </a:solidFill>
+                    <a:ln w="19050">
+                      <a:solidFill>
+                        <a:schemeClr val="tx1"/>
+                      </a:solidFill>
+                    </a:ln>
+                  </p:spPr>
+                  <p:style>
+                    <a:lnRef idx="2">
+                      <a:schemeClr val="accent1">
+                        <a:shade val="50000"/>
+                      </a:schemeClr>
+                    </a:lnRef>
+                    <a:fillRef idx="1">
+                      <a:schemeClr val="accent1"/>
+                    </a:fillRef>
+                    <a:effectRef idx="0">
+                      <a:schemeClr val="accent1"/>
+                    </a:effectRef>
+                    <a:fontRef idx="minor">
+                      <a:schemeClr val="lt1"/>
+                    </a:fontRef>
+                  </p:style>
+                  <p:txBody>
+                    <a:bodyPr rtlCol="0" anchor="ctr"/>
+                    <a:lstStyle/>
+                    <a:p>
+                      <a:pPr algn="ctr"/>
+                      <a:endParaRPr lang="en-US"/>
+                    </a:p>
+                  </p:txBody>
+                </p:sp>
+              </p:grpSp>
+              <p:sp>
+                <p:nvSpPr>
+                  <p:cNvPr id="134" name="Rectangle 133">
+                    <a:extLst>
+                      <a:ext uri="{FF2B5EF4-FFF2-40B4-BE49-F238E27FC236}">
+                        <a16:creationId xmlns:a16="http://schemas.microsoft.com/office/drawing/2014/main" id="{6F876C48-1E65-82C9-88F7-995C467F9C8A}"/>
+                      </a:ext>
+                    </a:extLst>
+                  </p:cNvPr>
+                  <p:cNvSpPr/>
+                  <p:nvPr/>
+                </p:nvSpPr>
+                <p:spPr>
+                  <a:xfrm>
+                    <a:off x="5353567" y="7813099"/>
+                    <a:ext cx="182880" cy="146304"/>
+                  </a:xfrm>
+                  <a:prstGeom prst="rect">
+                    <a:avLst/>
+                  </a:prstGeom>
+                  <a:solidFill>
+                    <a:srgbClr val="99CCFF"/>
+                  </a:solidFill>
+                  <a:ln w="19050">
+                    <a:solidFill>
+                      <a:schemeClr val="tx1"/>
+                    </a:solidFill>
+                  </a:ln>
+                </p:spPr>
+                <p:style>
+                  <a:lnRef idx="2">
+                    <a:schemeClr val="accent1">
+                      <a:shade val="50000"/>
+                    </a:schemeClr>
+                  </a:lnRef>
+                  <a:fillRef idx="1">
+                    <a:schemeClr val="accent1"/>
+                  </a:fillRef>
+                  <a:effectRef idx="0">
+                    <a:schemeClr val="accent1"/>
+                  </a:effectRef>
+                  <a:fontRef idx="minor">
+                    <a:schemeClr val="lt1"/>
+                  </a:fontRef>
+                </p:style>
+                <p:txBody>
+                  <a:bodyPr rtlCol="0" anchor="ctr"/>
+                  <a:lstStyle/>
+                  <a:p>
+                    <a:pPr algn="ctr"/>
+                    <a:endParaRPr lang="en-US" dirty="0"/>
+                  </a:p>
+                </p:txBody>
+              </p:sp>
+            </p:grpSp>
+            <p:grpSp>
+              <p:nvGrpSpPr>
+                <p:cNvPr id="118" name="Group 117">
+                  <a:extLst>
+                    <a:ext uri="{FF2B5EF4-FFF2-40B4-BE49-F238E27FC236}">
+                      <a16:creationId xmlns:a16="http://schemas.microsoft.com/office/drawing/2014/main" id="{A152297E-DFF0-F8DC-F0FC-5775F2C99DA1}"/>
+                    </a:ext>
+                  </a:extLst>
+                </p:cNvPr>
+                <p:cNvGrpSpPr/>
+                <p:nvPr/>
+              </p:nvGrpSpPr>
+              <p:grpSpPr>
+                <a:xfrm>
+                  <a:off x="5973267" y="7813099"/>
+                  <a:ext cx="1745550" cy="146304"/>
+                  <a:chOff x="5973267" y="7813099"/>
+                  <a:chExt cx="1745550" cy="146304"/>
+                </a:xfrm>
+              </p:grpSpPr>
+              <p:grpSp>
+                <p:nvGrpSpPr>
+                  <p:cNvPr id="129" name="Group 128">
+                    <a:extLst>
+                      <a:ext uri="{FF2B5EF4-FFF2-40B4-BE49-F238E27FC236}">
+                        <a16:creationId xmlns:a16="http://schemas.microsoft.com/office/drawing/2014/main" id="{201C74EA-FDEF-2566-AE18-147D51CF95A8}"/>
+                      </a:ext>
+                    </a:extLst>
+                  </p:cNvPr>
+                  <p:cNvGrpSpPr/>
+                  <p:nvPr/>
+                </p:nvGrpSpPr>
+                <p:grpSpPr>
+                  <a:xfrm>
+                    <a:off x="5973267" y="7813099"/>
+                    <a:ext cx="1745550" cy="146304"/>
+                    <a:chOff x="8483197" y="3433701"/>
+                    <a:chExt cx="1745550" cy="146304"/>
+                  </a:xfrm>
+                </p:grpSpPr>
+                <p:sp>
+                  <p:nvSpPr>
+                    <p:cNvPr id="131" name="Rectangle 130">
+                      <a:extLst>
+                        <a:ext uri="{FF2B5EF4-FFF2-40B4-BE49-F238E27FC236}">
+                          <a16:creationId xmlns:a16="http://schemas.microsoft.com/office/drawing/2014/main" id="{21164579-08BD-F71E-1664-09B76B2DE4E1}"/>
+                        </a:ext>
+                      </a:extLst>
+                    </p:cNvPr>
+                    <p:cNvSpPr/>
+                    <p:nvPr/>
+                  </p:nvSpPr>
+                  <p:spPr>
+                    <a:xfrm>
+                      <a:off x="8674267" y="3433701"/>
+                      <a:ext cx="1554480" cy="146304"/>
+                    </a:xfrm>
+                    <a:prstGeom prst="rect">
+                      <a:avLst/>
+                    </a:prstGeom>
+                    <a:solidFill>
+                      <a:schemeClr val="tx1"/>
+                    </a:solidFill>
+                    <a:ln w="19050">
+                      <a:solidFill>
+                        <a:schemeClr val="tx1"/>
+                      </a:solidFill>
+                    </a:ln>
+                  </p:spPr>
+                  <p:style>
+                    <a:lnRef idx="2">
+                      <a:schemeClr val="accent1">
+                        <a:shade val="50000"/>
+                      </a:schemeClr>
+                    </a:lnRef>
+                    <a:fillRef idx="1">
+                      <a:schemeClr val="accent1"/>
+                    </a:fillRef>
+                    <a:effectRef idx="0">
+                      <a:schemeClr val="accent1"/>
+                    </a:effectRef>
+                    <a:fontRef idx="minor">
+                      <a:schemeClr val="lt1"/>
+                    </a:fontRef>
+                  </p:style>
+                  <p:txBody>
+                    <a:bodyPr rtlCol="0" anchor="ctr"/>
+                    <a:lstStyle/>
+                    <a:p>
+                      <a:pPr algn="ctr"/>
+                      <a:endParaRPr lang="en-US"/>
+                    </a:p>
+                  </p:txBody>
+                </p:sp>
+                <p:sp>
+                  <p:nvSpPr>
+                    <p:cNvPr id="132" name="Rectangle 131">
+                      <a:extLst>
+                        <a:ext uri="{FF2B5EF4-FFF2-40B4-BE49-F238E27FC236}">
+                          <a16:creationId xmlns:a16="http://schemas.microsoft.com/office/drawing/2014/main" id="{641881C5-2B56-247E-9490-3A3E633E5A91}"/>
+                        </a:ext>
+                      </a:extLst>
+                    </p:cNvPr>
+                    <p:cNvSpPr/>
+                    <p:nvPr/>
+                  </p:nvSpPr>
+                  <p:spPr>
+                    <a:xfrm>
+                      <a:off x="8483197" y="3433701"/>
+                      <a:ext cx="182880" cy="146304"/>
+                    </a:xfrm>
+                    <a:prstGeom prst="rect">
+                      <a:avLst/>
+                    </a:prstGeom>
+                    <a:solidFill>
+                      <a:srgbClr val="FF3399"/>
+                    </a:solidFill>
+                    <a:ln w="19050">
+                      <a:solidFill>
+                        <a:schemeClr val="tx1"/>
+                      </a:solidFill>
+                    </a:ln>
+                  </p:spPr>
+                  <p:style>
+                    <a:lnRef idx="2">
+                      <a:schemeClr val="accent1">
+                        <a:shade val="50000"/>
+                      </a:schemeClr>
+                    </a:lnRef>
+                    <a:fillRef idx="1">
+                      <a:schemeClr val="accent1"/>
+                    </a:fillRef>
+                    <a:effectRef idx="0">
+                      <a:schemeClr val="accent1"/>
+                    </a:effectRef>
+                    <a:fontRef idx="minor">
+                      <a:schemeClr val="lt1"/>
+                    </a:fontRef>
+                  </p:style>
+                  <p:txBody>
+                    <a:bodyPr rtlCol="0" anchor="ctr"/>
+                    <a:lstStyle/>
+                    <a:p>
+                      <a:pPr algn="ctr"/>
+                      <a:endParaRPr lang="en-US"/>
+                    </a:p>
+                  </p:txBody>
+                </p:sp>
+              </p:grpSp>
+              <p:sp>
+                <p:nvSpPr>
+                  <p:cNvPr id="130" name="Rectangle 129">
+                    <a:extLst>
+                      <a:ext uri="{FF2B5EF4-FFF2-40B4-BE49-F238E27FC236}">
+                        <a16:creationId xmlns:a16="http://schemas.microsoft.com/office/drawing/2014/main" id="{4C875965-7BAC-A5C3-6633-43AE786C0EAC}"/>
+                      </a:ext>
+                    </a:extLst>
+                  </p:cNvPr>
+                  <p:cNvSpPr/>
+                  <p:nvPr/>
+                </p:nvSpPr>
+                <p:spPr>
+                  <a:xfrm>
+                    <a:off x="7535937" y="7813099"/>
+                    <a:ext cx="182880" cy="146304"/>
+                  </a:xfrm>
+                  <a:prstGeom prst="rect">
+                    <a:avLst/>
+                  </a:prstGeom>
+                  <a:solidFill>
+                    <a:srgbClr val="99CCFF"/>
+                  </a:solidFill>
+                  <a:ln w="19050">
+                    <a:solidFill>
+                      <a:schemeClr val="tx1"/>
+                    </a:solidFill>
+                  </a:ln>
+                </p:spPr>
+                <p:style>
+                  <a:lnRef idx="2">
+                    <a:schemeClr val="accent1">
+                      <a:shade val="50000"/>
+                    </a:schemeClr>
+                  </a:lnRef>
+                  <a:fillRef idx="1">
+                    <a:schemeClr val="accent1"/>
+                  </a:fillRef>
+                  <a:effectRef idx="0">
+                    <a:schemeClr val="accent1"/>
+                  </a:effectRef>
+                  <a:fontRef idx="minor">
+                    <a:schemeClr val="lt1"/>
+                  </a:fontRef>
+                </p:style>
+                <p:txBody>
+                  <a:bodyPr rtlCol="0" anchor="ctr"/>
+                  <a:lstStyle/>
+                  <a:p>
+                    <a:pPr algn="ctr"/>
+                    <a:endParaRPr lang="en-US"/>
+                  </a:p>
+                </p:txBody>
+              </p:sp>
+            </p:grpSp>
+            <p:grpSp>
+              <p:nvGrpSpPr>
+                <p:cNvPr id="119" name="Group 118">
+                  <a:extLst>
+                    <a:ext uri="{FF2B5EF4-FFF2-40B4-BE49-F238E27FC236}">
+                      <a16:creationId xmlns:a16="http://schemas.microsoft.com/office/drawing/2014/main" id="{767B6873-8DDD-D37F-6653-08E7BCFCA907}"/>
+                    </a:ext>
+                  </a:extLst>
+                </p:cNvPr>
+                <p:cNvGrpSpPr/>
+                <p:nvPr/>
+              </p:nvGrpSpPr>
+              <p:grpSpPr>
+                <a:xfrm>
+                  <a:off x="8105023" y="7813099"/>
+                  <a:ext cx="1645920" cy="146304"/>
+                  <a:chOff x="3799087" y="7813100"/>
+                  <a:chExt cx="1645920" cy="146304"/>
+                </a:xfrm>
+              </p:grpSpPr>
+              <p:grpSp>
+                <p:nvGrpSpPr>
+                  <p:cNvPr id="125" name="Group 124">
+                    <a:extLst>
+                      <a:ext uri="{FF2B5EF4-FFF2-40B4-BE49-F238E27FC236}">
+                        <a16:creationId xmlns:a16="http://schemas.microsoft.com/office/drawing/2014/main" id="{8EC70F5D-19B1-4D51-2DB0-61A3D3CE0D25}"/>
+                      </a:ext>
+                    </a:extLst>
+                  </p:cNvPr>
+                  <p:cNvGrpSpPr/>
+                  <p:nvPr/>
+                </p:nvGrpSpPr>
+                <p:grpSpPr>
+                  <a:xfrm>
+                    <a:off x="3799087" y="7813100"/>
+                    <a:ext cx="1645920" cy="146304"/>
+                    <a:chOff x="6628012" y="3433702"/>
+                    <a:chExt cx="1645920" cy="146304"/>
+                  </a:xfrm>
+                </p:grpSpPr>
+                <p:sp>
+                  <p:nvSpPr>
+                    <p:cNvPr id="127" name="Rectangle 126">
+                      <a:extLst>
+                        <a:ext uri="{FF2B5EF4-FFF2-40B4-BE49-F238E27FC236}">
+                          <a16:creationId xmlns:a16="http://schemas.microsoft.com/office/drawing/2014/main" id="{230761B0-FA4A-0E88-07EF-690406CFEEC3}"/>
+                        </a:ext>
+                      </a:extLst>
+                    </p:cNvPr>
+                    <p:cNvSpPr/>
+                    <p:nvPr/>
+                  </p:nvSpPr>
+                  <p:spPr>
+                    <a:xfrm>
+                      <a:off x="6628012" y="3433702"/>
+                      <a:ext cx="1645920" cy="146304"/>
+                    </a:xfrm>
+                    <a:prstGeom prst="rect">
+                      <a:avLst/>
+                    </a:prstGeom>
+                    <a:solidFill>
+                      <a:schemeClr val="tx1"/>
+                    </a:solidFill>
+                    <a:ln w="19050">
+                      <a:solidFill>
+                        <a:schemeClr val="tx1"/>
+                      </a:solidFill>
+                    </a:ln>
+                  </p:spPr>
+                  <p:style>
+                    <a:lnRef idx="2">
+                      <a:schemeClr val="accent1">
+                        <a:shade val="50000"/>
+                      </a:schemeClr>
+                    </a:lnRef>
+                    <a:fillRef idx="1">
+                      <a:schemeClr val="accent1"/>
+                    </a:fillRef>
+                    <a:effectRef idx="0">
+                      <a:schemeClr val="accent1"/>
+                    </a:effectRef>
+                    <a:fontRef idx="minor">
+                      <a:schemeClr val="lt1"/>
+                    </a:fontRef>
+                  </p:style>
+                  <p:txBody>
+                    <a:bodyPr rtlCol="0" anchor="ctr"/>
+                    <a:lstStyle/>
+                    <a:p>
+                      <a:pPr algn="ctr"/>
+                      <a:endParaRPr lang="en-US"/>
+                    </a:p>
+                  </p:txBody>
+                </p:sp>
+                <p:sp>
+                  <p:nvSpPr>
+                    <p:cNvPr id="128" name="Rectangle 127">
+                      <a:extLst>
+                        <a:ext uri="{FF2B5EF4-FFF2-40B4-BE49-F238E27FC236}">
+                          <a16:creationId xmlns:a16="http://schemas.microsoft.com/office/drawing/2014/main" id="{2CB48780-5646-80F6-6931-5BBDD8AFD072}"/>
+                        </a:ext>
+                      </a:extLst>
+                    </p:cNvPr>
+                    <p:cNvSpPr/>
+                    <p:nvPr/>
+                  </p:nvSpPr>
+                  <p:spPr>
+                    <a:xfrm>
+                      <a:off x="6630331" y="3433702"/>
+                      <a:ext cx="182880" cy="146304"/>
+                    </a:xfrm>
+                    <a:prstGeom prst="rect">
+                      <a:avLst/>
+                    </a:prstGeom>
+                    <a:solidFill>
+                      <a:srgbClr val="FF3399"/>
+                    </a:solidFill>
+                    <a:ln w="19050">
+                      <a:solidFill>
+                        <a:schemeClr val="tx1"/>
+                      </a:solidFill>
+                    </a:ln>
+                  </p:spPr>
+                  <p:style>
+                    <a:lnRef idx="2">
+                      <a:schemeClr val="accent1">
+                        <a:shade val="50000"/>
+                      </a:schemeClr>
+                    </a:lnRef>
+                    <a:fillRef idx="1">
+                      <a:schemeClr val="accent1"/>
+                    </a:fillRef>
+                    <a:effectRef idx="0">
+                      <a:schemeClr val="accent1"/>
+                    </a:effectRef>
+                    <a:fontRef idx="minor">
+                      <a:schemeClr val="lt1"/>
+                    </a:fontRef>
+                  </p:style>
+                  <p:txBody>
+                    <a:bodyPr rtlCol="0" anchor="ctr"/>
+                    <a:lstStyle/>
+                    <a:p>
+                      <a:pPr algn="ctr"/>
+                      <a:endParaRPr lang="en-US" dirty="0"/>
+                    </a:p>
+                  </p:txBody>
+                </p:sp>
+              </p:grpSp>
+              <p:sp>
+                <p:nvSpPr>
+                  <p:cNvPr id="126" name="Rectangle 125">
+                    <a:extLst>
+                      <a:ext uri="{FF2B5EF4-FFF2-40B4-BE49-F238E27FC236}">
+                        <a16:creationId xmlns:a16="http://schemas.microsoft.com/office/drawing/2014/main" id="{6477642F-6183-483A-D00C-55C050A49F26}"/>
+                      </a:ext>
+                    </a:extLst>
+                  </p:cNvPr>
+                  <p:cNvSpPr/>
+                  <p:nvPr/>
+                </p:nvSpPr>
+                <p:spPr>
+                  <a:xfrm>
+                    <a:off x="5260091" y="7813100"/>
+                    <a:ext cx="182880" cy="146304"/>
+                  </a:xfrm>
+                  <a:prstGeom prst="rect">
+                    <a:avLst/>
+                  </a:prstGeom>
+                  <a:solidFill>
+                    <a:srgbClr val="99CCFF"/>
+                  </a:solidFill>
+                  <a:ln w="19050">
+                    <a:solidFill>
+                      <a:schemeClr val="tx1"/>
+                    </a:solidFill>
+                  </a:ln>
+                </p:spPr>
+                <p:style>
+                  <a:lnRef idx="2">
+                    <a:schemeClr val="accent1">
+                      <a:shade val="50000"/>
+                    </a:schemeClr>
+                  </a:lnRef>
+                  <a:fillRef idx="1">
+                    <a:schemeClr val="accent1"/>
+                  </a:fillRef>
+                  <a:effectRef idx="0">
+                    <a:schemeClr val="accent1"/>
+                  </a:effectRef>
+                  <a:fontRef idx="minor">
+                    <a:schemeClr val="lt1"/>
+                  </a:fontRef>
+                </p:style>
+                <p:txBody>
+                  <a:bodyPr rtlCol="0" anchor="ctr"/>
+                  <a:lstStyle/>
+                  <a:p>
+                    <a:pPr algn="ctr"/>
+                    <a:endParaRPr lang="en-US" dirty="0"/>
+                  </a:p>
+                </p:txBody>
+              </p:sp>
+            </p:grpSp>
+            <p:grpSp>
+              <p:nvGrpSpPr>
+                <p:cNvPr id="120" name="Group 119">
+                  <a:extLst>
+                    <a:ext uri="{FF2B5EF4-FFF2-40B4-BE49-F238E27FC236}">
+                      <a16:creationId xmlns:a16="http://schemas.microsoft.com/office/drawing/2014/main" id="{EA305212-3A2A-9736-A705-E43898652C97}"/>
+                    </a:ext>
+                  </a:extLst>
+                </p:cNvPr>
+                <p:cNvGrpSpPr/>
+                <p:nvPr/>
+              </p:nvGrpSpPr>
+              <p:grpSpPr>
+                <a:xfrm>
+                  <a:off x="10280264" y="7813099"/>
+                  <a:ext cx="1557514" cy="146304"/>
+                  <a:chOff x="5974328" y="7813100"/>
+                  <a:chExt cx="1557514" cy="146304"/>
+                </a:xfrm>
+              </p:grpSpPr>
+              <p:grpSp>
+                <p:nvGrpSpPr>
+                  <p:cNvPr id="121" name="Group 120">
+                    <a:extLst>
+                      <a:ext uri="{FF2B5EF4-FFF2-40B4-BE49-F238E27FC236}">
+                        <a16:creationId xmlns:a16="http://schemas.microsoft.com/office/drawing/2014/main" id="{0D03F6CB-9438-45F0-AD11-3321C7482534}"/>
+                      </a:ext>
+                    </a:extLst>
+                  </p:cNvPr>
+                  <p:cNvGrpSpPr/>
+                  <p:nvPr/>
+                </p:nvGrpSpPr>
+                <p:grpSpPr>
+                  <a:xfrm>
+                    <a:off x="5974328" y="7813100"/>
+                    <a:ext cx="1557514" cy="146304"/>
+                    <a:chOff x="8484258" y="3433702"/>
+                    <a:chExt cx="1557514" cy="146304"/>
+                  </a:xfrm>
+                </p:grpSpPr>
+                <p:sp>
+                  <p:nvSpPr>
+                    <p:cNvPr id="123" name="Rectangle 122">
+                      <a:extLst>
+                        <a:ext uri="{FF2B5EF4-FFF2-40B4-BE49-F238E27FC236}">
+                          <a16:creationId xmlns:a16="http://schemas.microsoft.com/office/drawing/2014/main" id="{BC724A74-7D18-B778-D287-AB2E3A0B8A12}"/>
+                        </a:ext>
+                      </a:extLst>
+                    </p:cNvPr>
+                    <p:cNvSpPr/>
+                    <p:nvPr/>
+                  </p:nvSpPr>
+                  <p:spPr>
+                    <a:xfrm>
+                      <a:off x="8487292" y="3433702"/>
+                      <a:ext cx="1554480" cy="146304"/>
+                    </a:xfrm>
+                    <a:prstGeom prst="rect">
+                      <a:avLst/>
+                    </a:prstGeom>
+                    <a:solidFill>
+                      <a:schemeClr val="tx1"/>
+                    </a:solidFill>
+                    <a:ln w="19050">
+                      <a:solidFill>
+                        <a:schemeClr val="tx1"/>
+                      </a:solidFill>
+                    </a:ln>
+                  </p:spPr>
+                  <p:style>
+                    <a:lnRef idx="2">
+                      <a:schemeClr val="accent1">
+                        <a:shade val="50000"/>
+                      </a:schemeClr>
+                    </a:lnRef>
+                    <a:fillRef idx="1">
+                      <a:schemeClr val="accent1"/>
+                    </a:fillRef>
+                    <a:effectRef idx="0">
+                      <a:schemeClr val="accent1"/>
+                    </a:effectRef>
+                    <a:fontRef idx="minor">
+                      <a:schemeClr val="lt1"/>
+                    </a:fontRef>
+                  </p:style>
+                  <p:txBody>
+                    <a:bodyPr rtlCol="0" anchor="ctr"/>
+                    <a:lstStyle/>
+                    <a:p>
+                      <a:pPr algn="ctr"/>
+                      <a:endParaRPr lang="en-US"/>
+                    </a:p>
+                  </p:txBody>
+                </p:sp>
+                <p:sp>
+                  <p:nvSpPr>
+                    <p:cNvPr id="124" name="Rectangle 123">
+                      <a:extLst>
+                        <a:ext uri="{FF2B5EF4-FFF2-40B4-BE49-F238E27FC236}">
+                          <a16:creationId xmlns:a16="http://schemas.microsoft.com/office/drawing/2014/main" id="{4587B9D9-1A0E-3DA2-A9C3-0FF4B2F49CED}"/>
+                        </a:ext>
+                      </a:extLst>
+                    </p:cNvPr>
+                    <p:cNvSpPr/>
+                    <p:nvPr/>
+                  </p:nvSpPr>
+                  <p:spPr>
+                    <a:xfrm>
+                      <a:off x="8484258" y="3433702"/>
+                      <a:ext cx="182880" cy="146304"/>
+                    </a:xfrm>
+                    <a:prstGeom prst="rect">
+                      <a:avLst/>
+                    </a:prstGeom>
+                    <a:solidFill>
+                      <a:srgbClr val="FF3399"/>
+                    </a:solidFill>
+                    <a:ln w="19050">
+                      <a:solidFill>
+                        <a:schemeClr val="tx1"/>
+                      </a:solidFill>
+                    </a:ln>
+                  </p:spPr>
+                  <p:style>
+                    <a:lnRef idx="2">
+                      <a:schemeClr val="accent1">
+                        <a:shade val="50000"/>
+                      </a:schemeClr>
+                    </a:lnRef>
+                    <a:fillRef idx="1">
+                      <a:schemeClr val="accent1"/>
+                    </a:fillRef>
+                    <a:effectRef idx="0">
+                      <a:schemeClr val="accent1"/>
+                    </a:effectRef>
+                    <a:fontRef idx="minor">
+                      <a:schemeClr val="lt1"/>
+                    </a:fontRef>
+                  </p:style>
+                  <p:txBody>
+                    <a:bodyPr rtlCol="0" anchor="ctr"/>
+                    <a:lstStyle/>
+                    <a:p>
+                      <a:pPr algn="ctr"/>
+                      <a:endParaRPr lang="en-US"/>
+                    </a:p>
+                  </p:txBody>
+                </p:sp>
+              </p:grpSp>
+              <p:sp>
+                <p:nvSpPr>
+                  <p:cNvPr id="122" name="Rectangle 121">
+                    <a:extLst>
+                      <a:ext uri="{FF2B5EF4-FFF2-40B4-BE49-F238E27FC236}">
+                        <a16:creationId xmlns:a16="http://schemas.microsoft.com/office/drawing/2014/main" id="{AD300EE5-FFBF-4ADE-4B00-115184946C91}"/>
+                      </a:ext>
+                    </a:extLst>
+                  </p:cNvPr>
+                  <p:cNvSpPr/>
+                  <p:nvPr/>
+                </p:nvSpPr>
+                <p:spPr>
+                  <a:xfrm>
+                    <a:off x="7348445" y="7813100"/>
+                    <a:ext cx="182880" cy="146304"/>
+                  </a:xfrm>
+                  <a:prstGeom prst="rect">
+                    <a:avLst/>
+                  </a:prstGeom>
+                  <a:solidFill>
+                    <a:srgbClr val="99CCFF"/>
+                  </a:solidFill>
+                  <a:ln w="19050">
+                    <a:solidFill>
+                      <a:schemeClr val="tx1"/>
+                    </a:solidFill>
+                  </a:ln>
+                </p:spPr>
+                <p:style>
+                  <a:lnRef idx="2">
+                    <a:schemeClr val="accent1">
+                      <a:shade val="50000"/>
+                    </a:schemeClr>
+                  </a:lnRef>
+                  <a:fillRef idx="1">
+                    <a:schemeClr val="accent1"/>
+                  </a:fillRef>
+                  <a:effectRef idx="0">
+                    <a:schemeClr val="accent1"/>
+                  </a:effectRef>
+                  <a:fontRef idx="minor">
+                    <a:schemeClr val="lt1"/>
+                  </a:fontRef>
+                </p:style>
+                <p:txBody>
+                  <a:bodyPr rtlCol="0" anchor="ctr"/>
+                  <a:lstStyle/>
+                  <a:p>
+                    <a:pPr algn="ctr"/>
+                    <a:endParaRPr lang="en-US"/>
+                  </a:p>
+                </p:txBody>
+              </p:sp>
+            </p:grpSp>
+          </p:grpSp>
+          <p:grpSp>
+            <p:nvGrpSpPr>
+              <p:cNvPr id="72" name="Group 71">
+                <a:extLst>
+                  <a:ext uri="{FF2B5EF4-FFF2-40B4-BE49-F238E27FC236}">
+                    <a16:creationId xmlns:a16="http://schemas.microsoft.com/office/drawing/2014/main" id="{8C8AEB32-11CB-5CAE-4433-078376CF7BA9}"/>
+                  </a:ext>
+                </a:extLst>
+              </p:cNvPr>
+              <p:cNvGrpSpPr/>
+              <p:nvPr/>
+            </p:nvGrpSpPr>
+            <p:grpSpPr>
+              <a:xfrm>
+                <a:off x="2565513" y="8107749"/>
+                <a:ext cx="9275091" cy="307777"/>
+                <a:chOff x="2565513" y="8107749"/>
+                <a:chExt cx="9275091" cy="307777"/>
+              </a:xfrm>
+            </p:grpSpPr>
+            <p:sp>
+              <p:nvSpPr>
+                <p:cNvPr id="95" name="TextBox 94">
+                  <a:extLst>
+                    <a:ext uri="{FF2B5EF4-FFF2-40B4-BE49-F238E27FC236}">
+                      <a16:creationId xmlns:a16="http://schemas.microsoft.com/office/drawing/2014/main" id="{9CA97169-BD6F-0C46-FE95-5A89CF7E9B57}"/>
+                    </a:ext>
+                  </a:extLst>
+                </p:cNvPr>
+                <p:cNvSpPr txBox="1"/>
+                <p:nvPr/>
+              </p:nvSpPr>
+              <p:spPr>
+                <a:xfrm>
+                  <a:off x="2565513" y="8107749"/>
+                  <a:ext cx="872836" cy="307777"/>
+                </a:xfrm>
+                <a:prstGeom prst="rect">
+                  <a:avLst/>
+                </a:prstGeom>
+                <a:noFill/>
+              </p:spPr>
+              <p:txBody>
+                <a:bodyPr wrap="square" rtlCol="0">
+                  <a:spAutoFit/>
+                </a:bodyPr>
+                <a:lstStyle/>
+                <a:p>
+                  <a:r>
+                    <a:rPr lang="en-US" sz="1400" dirty="0"/>
+                    <a:t>Sample 2</a:t>
+                  </a:r>
+                </a:p>
+              </p:txBody>
+            </p:sp>
+            <p:grpSp>
+              <p:nvGrpSpPr>
+                <p:cNvPr id="96" name="Group 95">
+                  <a:extLst>
+                    <a:ext uri="{FF2B5EF4-FFF2-40B4-BE49-F238E27FC236}">
+                      <a16:creationId xmlns:a16="http://schemas.microsoft.com/office/drawing/2014/main" id="{56D69EEC-0261-324C-97B0-B664F7A33187}"/>
+                    </a:ext>
+                  </a:extLst>
+                </p:cNvPr>
+                <p:cNvGrpSpPr/>
+                <p:nvPr/>
+              </p:nvGrpSpPr>
+              <p:grpSpPr>
+                <a:xfrm>
+                  <a:off x="3796746" y="8190072"/>
+                  <a:ext cx="1743339" cy="146304"/>
+                  <a:chOff x="3796746" y="8190072"/>
+                  <a:chExt cx="1743339" cy="146304"/>
+                </a:xfrm>
+              </p:grpSpPr>
+              <p:grpSp>
+                <p:nvGrpSpPr>
+                  <p:cNvPr id="112" name="Group 111">
+                    <a:extLst>
+                      <a:ext uri="{FF2B5EF4-FFF2-40B4-BE49-F238E27FC236}">
+                        <a16:creationId xmlns:a16="http://schemas.microsoft.com/office/drawing/2014/main" id="{C41EE109-F287-4146-77EC-A741913C8B78}"/>
+                      </a:ext>
+                    </a:extLst>
+                  </p:cNvPr>
+                  <p:cNvGrpSpPr/>
+                  <p:nvPr/>
+                </p:nvGrpSpPr>
+                <p:grpSpPr>
+                  <a:xfrm>
+                    <a:off x="3796746" y="8190072"/>
+                    <a:ext cx="1648261" cy="146304"/>
+                    <a:chOff x="6625671" y="3431618"/>
+                    <a:chExt cx="1648261" cy="146304"/>
+                  </a:xfrm>
+                </p:grpSpPr>
+                <p:sp>
+                  <p:nvSpPr>
+                    <p:cNvPr id="114" name="Rectangle 113">
+                      <a:extLst>
+                        <a:ext uri="{FF2B5EF4-FFF2-40B4-BE49-F238E27FC236}">
+                          <a16:creationId xmlns:a16="http://schemas.microsoft.com/office/drawing/2014/main" id="{1169860E-A727-111C-FF35-11D7763F9AEF}"/>
+                        </a:ext>
+                      </a:extLst>
+                    </p:cNvPr>
+                    <p:cNvSpPr/>
+                    <p:nvPr/>
+                  </p:nvSpPr>
+                  <p:spPr>
+                    <a:xfrm>
+                      <a:off x="6628012" y="3431618"/>
+                      <a:ext cx="1645920" cy="146304"/>
+                    </a:xfrm>
+                    <a:prstGeom prst="rect">
+                      <a:avLst/>
+                    </a:prstGeom>
+                    <a:solidFill>
+                      <a:schemeClr val="tx1"/>
+                    </a:solidFill>
+                    <a:ln w="19050">
+                      <a:solidFill>
+                        <a:schemeClr val="tx1"/>
+                      </a:solidFill>
+                    </a:ln>
+                  </p:spPr>
+                  <p:style>
+                    <a:lnRef idx="2">
+                      <a:schemeClr val="accent1">
+                        <a:shade val="50000"/>
+                      </a:schemeClr>
+                    </a:lnRef>
+                    <a:fillRef idx="1">
+                      <a:schemeClr val="accent1"/>
+                    </a:fillRef>
+                    <a:effectRef idx="0">
+                      <a:schemeClr val="accent1"/>
+                    </a:effectRef>
+                    <a:fontRef idx="minor">
+                      <a:schemeClr val="lt1"/>
+                    </a:fontRef>
+                  </p:style>
+                  <p:txBody>
+                    <a:bodyPr rtlCol="0" anchor="ctr"/>
+                    <a:lstStyle/>
+                    <a:p>
+                      <a:pPr algn="ctr"/>
+                      <a:endParaRPr lang="en-US"/>
+                    </a:p>
+                  </p:txBody>
+                </p:sp>
+                <p:sp>
+                  <p:nvSpPr>
+                    <p:cNvPr id="115" name="Rectangle 114">
+                      <a:extLst>
+                        <a:ext uri="{FF2B5EF4-FFF2-40B4-BE49-F238E27FC236}">
+                          <a16:creationId xmlns:a16="http://schemas.microsoft.com/office/drawing/2014/main" id="{6254F49C-3E2A-F4E4-5E67-01A4700C475F}"/>
+                        </a:ext>
+                      </a:extLst>
+                    </p:cNvPr>
+                    <p:cNvSpPr/>
+                    <p:nvPr/>
+                  </p:nvSpPr>
+                  <p:spPr>
+                    <a:xfrm>
+                      <a:off x="6625671" y="3431618"/>
+                      <a:ext cx="182880" cy="146304"/>
+                    </a:xfrm>
+                    <a:prstGeom prst="rect">
+                      <a:avLst/>
+                    </a:prstGeom>
+                    <a:solidFill>
+                      <a:srgbClr val="9933FF"/>
+                    </a:solidFill>
+                    <a:ln w="19050">
+                      <a:solidFill>
+                        <a:schemeClr val="tx1"/>
+                      </a:solidFill>
+                    </a:ln>
+                  </p:spPr>
+                  <p:style>
+                    <a:lnRef idx="2">
+                      <a:schemeClr val="accent1">
+                        <a:shade val="50000"/>
+                      </a:schemeClr>
+                    </a:lnRef>
+                    <a:fillRef idx="1">
+                      <a:schemeClr val="accent1"/>
+                    </a:fillRef>
+                    <a:effectRef idx="0">
+                      <a:schemeClr val="accent1"/>
+                    </a:effectRef>
+                    <a:fontRef idx="minor">
+                      <a:schemeClr val="lt1"/>
+                    </a:fontRef>
+                  </p:style>
+                  <p:txBody>
+                    <a:bodyPr rtlCol="0" anchor="ctr"/>
+                    <a:lstStyle/>
+                    <a:p>
+                      <a:pPr algn="ctr"/>
+                      <a:endParaRPr lang="en-US"/>
+                    </a:p>
+                  </p:txBody>
+                </p:sp>
+              </p:grpSp>
+              <p:sp>
+                <p:nvSpPr>
+                  <p:cNvPr id="113" name="Rectangle 112">
+                    <a:extLst>
+                      <a:ext uri="{FF2B5EF4-FFF2-40B4-BE49-F238E27FC236}">
+                        <a16:creationId xmlns:a16="http://schemas.microsoft.com/office/drawing/2014/main" id="{D58CE251-294F-6605-0805-B3E89626465A}"/>
+                      </a:ext>
+                    </a:extLst>
+                  </p:cNvPr>
+                  <p:cNvSpPr/>
+                  <p:nvPr/>
+                </p:nvSpPr>
+                <p:spPr>
+                  <a:xfrm>
+                    <a:off x="5357205" y="8190072"/>
+                    <a:ext cx="182880" cy="146304"/>
+                  </a:xfrm>
+                  <a:prstGeom prst="rect">
+                    <a:avLst/>
+                  </a:prstGeom>
+                  <a:solidFill>
+                    <a:srgbClr val="99CCFF"/>
+                  </a:solidFill>
+                  <a:ln w="19050">
+                    <a:solidFill>
+                      <a:schemeClr val="tx1"/>
+                    </a:solidFill>
+                  </a:ln>
+                </p:spPr>
+                <p:style>
+                  <a:lnRef idx="2">
+                    <a:schemeClr val="accent1">
+                      <a:shade val="50000"/>
+                    </a:schemeClr>
+                  </a:lnRef>
+                  <a:fillRef idx="1">
+                    <a:schemeClr val="accent1"/>
+                  </a:fillRef>
+                  <a:effectRef idx="0">
+                    <a:schemeClr val="accent1"/>
+                  </a:effectRef>
+                  <a:fontRef idx="minor">
+                    <a:schemeClr val="lt1"/>
+                  </a:fontRef>
+                </p:style>
+                <p:txBody>
+                  <a:bodyPr rtlCol="0" anchor="ctr"/>
+                  <a:lstStyle/>
+                  <a:p>
+                    <a:pPr algn="ctr"/>
+                    <a:endParaRPr lang="en-US"/>
+                  </a:p>
+                </p:txBody>
+              </p:sp>
+            </p:grpSp>
+            <p:grpSp>
+              <p:nvGrpSpPr>
+                <p:cNvPr id="97" name="Group 96">
+                  <a:extLst>
+                    <a:ext uri="{FF2B5EF4-FFF2-40B4-BE49-F238E27FC236}">
+                      <a16:creationId xmlns:a16="http://schemas.microsoft.com/office/drawing/2014/main" id="{A9A0DDE2-C9A4-669B-B2A4-4F44B45663BE}"/>
+                    </a:ext>
+                  </a:extLst>
+                </p:cNvPr>
+                <p:cNvGrpSpPr/>
+                <p:nvPr/>
+              </p:nvGrpSpPr>
+              <p:grpSpPr>
+                <a:xfrm>
+                  <a:off x="5972962" y="8190072"/>
+                  <a:ext cx="1757062" cy="146304"/>
+                  <a:chOff x="5972962" y="8190072"/>
+                  <a:chExt cx="1757062" cy="146304"/>
+                </a:xfrm>
+              </p:grpSpPr>
+              <p:grpSp>
+                <p:nvGrpSpPr>
+                  <p:cNvPr id="108" name="Group 107">
+                    <a:extLst>
+                      <a:ext uri="{FF2B5EF4-FFF2-40B4-BE49-F238E27FC236}">
+                        <a16:creationId xmlns:a16="http://schemas.microsoft.com/office/drawing/2014/main" id="{2E42CDCC-BAC8-C22A-EA6E-4A35DE3D4CA0}"/>
+                      </a:ext>
+                    </a:extLst>
+                  </p:cNvPr>
+                  <p:cNvGrpSpPr/>
+                  <p:nvPr/>
+                </p:nvGrpSpPr>
+                <p:grpSpPr>
+                  <a:xfrm>
+                    <a:off x="5972962" y="8190072"/>
+                    <a:ext cx="1558880" cy="146304"/>
+                    <a:chOff x="8482892" y="3436468"/>
+                    <a:chExt cx="1558880" cy="146304"/>
+                  </a:xfrm>
+                </p:grpSpPr>
+                <p:sp>
+                  <p:nvSpPr>
+                    <p:cNvPr id="110" name="Rectangle 109">
+                      <a:extLst>
+                        <a:ext uri="{FF2B5EF4-FFF2-40B4-BE49-F238E27FC236}">
+                          <a16:creationId xmlns:a16="http://schemas.microsoft.com/office/drawing/2014/main" id="{8BA80E73-FABA-AC2E-BA9B-3453FD6277FD}"/>
+                        </a:ext>
+                      </a:extLst>
+                    </p:cNvPr>
+                    <p:cNvSpPr/>
+                    <p:nvPr/>
+                  </p:nvSpPr>
+                  <p:spPr>
+                    <a:xfrm>
+                      <a:off x="8487292" y="3436468"/>
+                      <a:ext cx="1554480" cy="146304"/>
+                    </a:xfrm>
+                    <a:prstGeom prst="rect">
+                      <a:avLst/>
+                    </a:prstGeom>
+                    <a:solidFill>
+                      <a:schemeClr val="tx1"/>
+                    </a:solidFill>
+                    <a:ln w="19050">
+                      <a:solidFill>
+                        <a:schemeClr val="tx1"/>
+                      </a:solidFill>
+                    </a:ln>
+                  </p:spPr>
+                  <p:style>
+                    <a:lnRef idx="2">
+                      <a:schemeClr val="accent1">
+                        <a:shade val="50000"/>
+                      </a:schemeClr>
+                    </a:lnRef>
+                    <a:fillRef idx="1">
+                      <a:schemeClr val="accent1"/>
+                    </a:fillRef>
+                    <a:effectRef idx="0">
+                      <a:schemeClr val="accent1"/>
+                    </a:effectRef>
+                    <a:fontRef idx="minor">
+                      <a:schemeClr val="lt1"/>
+                    </a:fontRef>
+                  </p:style>
+                  <p:txBody>
+                    <a:bodyPr rtlCol="0" anchor="ctr"/>
+                    <a:lstStyle/>
+                    <a:p>
+                      <a:pPr algn="ctr"/>
+                      <a:endParaRPr lang="en-US"/>
+                    </a:p>
+                  </p:txBody>
+                </p:sp>
+                <p:sp>
+                  <p:nvSpPr>
+                    <p:cNvPr id="111" name="Rectangle 110">
+                      <a:extLst>
+                        <a:ext uri="{FF2B5EF4-FFF2-40B4-BE49-F238E27FC236}">
+                          <a16:creationId xmlns:a16="http://schemas.microsoft.com/office/drawing/2014/main" id="{737A2FF4-AE6E-ED4E-2233-ED458A10E0ED}"/>
+                        </a:ext>
+                      </a:extLst>
+                    </p:cNvPr>
+                    <p:cNvSpPr/>
+                    <p:nvPr/>
+                  </p:nvSpPr>
+                  <p:spPr>
+                    <a:xfrm>
+                      <a:off x="8482892" y="3436468"/>
+                      <a:ext cx="182880" cy="146304"/>
+                    </a:xfrm>
+                    <a:prstGeom prst="rect">
+                      <a:avLst/>
+                    </a:prstGeom>
+                    <a:solidFill>
+                      <a:srgbClr val="9933FF"/>
+                    </a:solidFill>
+                    <a:ln w="19050">
+                      <a:solidFill>
+                        <a:schemeClr val="tx1"/>
+                      </a:solidFill>
+                    </a:ln>
+                  </p:spPr>
+                  <p:style>
+                    <a:lnRef idx="2">
+                      <a:schemeClr val="accent1">
+                        <a:shade val="50000"/>
+                      </a:schemeClr>
+                    </a:lnRef>
+                    <a:fillRef idx="1">
+                      <a:schemeClr val="accent1"/>
+                    </a:fillRef>
+                    <a:effectRef idx="0">
+                      <a:schemeClr val="accent1"/>
+                    </a:effectRef>
+                    <a:fontRef idx="minor">
+                      <a:schemeClr val="lt1"/>
+                    </a:fontRef>
+                  </p:style>
+                  <p:txBody>
+                    <a:bodyPr rtlCol="0" anchor="ctr"/>
+                    <a:lstStyle/>
+                    <a:p>
+                      <a:pPr algn="ctr"/>
+                      <a:endParaRPr lang="en-US"/>
+                    </a:p>
+                  </p:txBody>
+                </p:sp>
+              </p:grpSp>
+              <p:sp>
+                <p:nvSpPr>
+                  <p:cNvPr id="109" name="Rectangle 108">
+                    <a:extLst>
+                      <a:ext uri="{FF2B5EF4-FFF2-40B4-BE49-F238E27FC236}">
+                        <a16:creationId xmlns:a16="http://schemas.microsoft.com/office/drawing/2014/main" id="{C5B3848E-3C17-B318-3D78-9F095111385F}"/>
+                      </a:ext>
+                    </a:extLst>
+                  </p:cNvPr>
+                  <p:cNvSpPr/>
+                  <p:nvPr/>
+                </p:nvSpPr>
+                <p:spPr>
+                  <a:xfrm>
+                    <a:off x="7547144" y="8190072"/>
+                    <a:ext cx="182880" cy="146304"/>
+                  </a:xfrm>
+                  <a:prstGeom prst="rect">
+                    <a:avLst/>
+                  </a:prstGeom>
+                  <a:solidFill>
+                    <a:srgbClr val="99CCFF"/>
+                  </a:solidFill>
+                  <a:ln w="19050">
+                    <a:solidFill>
+                      <a:schemeClr val="tx1"/>
+                    </a:solidFill>
+                  </a:ln>
+                </p:spPr>
+                <p:style>
+                  <a:lnRef idx="2">
+                    <a:schemeClr val="accent1">
+                      <a:shade val="50000"/>
+                    </a:schemeClr>
+                  </a:lnRef>
+                  <a:fillRef idx="1">
+                    <a:schemeClr val="accent1"/>
+                  </a:fillRef>
+                  <a:effectRef idx="0">
+                    <a:schemeClr val="accent1"/>
+                  </a:effectRef>
+                  <a:fontRef idx="minor">
+                    <a:schemeClr val="lt1"/>
+                  </a:fontRef>
+                </p:style>
+                <p:txBody>
+                  <a:bodyPr rtlCol="0" anchor="ctr"/>
+                  <a:lstStyle/>
+                  <a:p>
+                    <a:pPr algn="ctr"/>
+                    <a:endParaRPr lang="en-US"/>
+                  </a:p>
+                </p:txBody>
+              </p:sp>
+            </p:grpSp>
+            <p:grpSp>
+              <p:nvGrpSpPr>
+                <p:cNvPr id="98" name="Group 97">
+                  <a:extLst>
+                    <a:ext uri="{FF2B5EF4-FFF2-40B4-BE49-F238E27FC236}">
+                      <a16:creationId xmlns:a16="http://schemas.microsoft.com/office/drawing/2014/main" id="{2B4073B3-A19E-A2E8-0C6B-2F2794677138}"/>
+                    </a:ext>
+                  </a:extLst>
+                </p:cNvPr>
+                <p:cNvGrpSpPr/>
+                <p:nvPr/>
+              </p:nvGrpSpPr>
+              <p:grpSpPr>
+                <a:xfrm>
+                  <a:off x="8104506" y="8190072"/>
+                  <a:ext cx="1646437" cy="146304"/>
+                  <a:chOff x="3798570" y="8190072"/>
+                  <a:chExt cx="1646437" cy="146304"/>
+                </a:xfrm>
+              </p:grpSpPr>
+              <p:grpSp>
+                <p:nvGrpSpPr>
+                  <p:cNvPr id="104" name="Group 103">
+                    <a:extLst>
+                      <a:ext uri="{FF2B5EF4-FFF2-40B4-BE49-F238E27FC236}">
+                        <a16:creationId xmlns:a16="http://schemas.microsoft.com/office/drawing/2014/main" id="{781AE277-9931-9E76-E048-51C57D8353A7}"/>
+                      </a:ext>
+                    </a:extLst>
+                  </p:cNvPr>
+                  <p:cNvGrpSpPr/>
+                  <p:nvPr/>
+                </p:nvGrpSpPr>
+                <p:grpSpPr>
+                  <a:xfrm>
+                    <a:off x="3798570" y="8190072"/>
+                    <a:ext cx="1646437" cy="146304"/>
+                    <a:chOff x="6627495" y="3431618"/>
+                    <a:chExt cx="1646437" cy="146304"/>
+                  </a:xfrm>
+                </p:grpSpPr>
+                <p:sp>
+                  <p:nvSpPr>
+                    <p:cNvPr id="106" name="Rectangle 105">
+                      <a:extLst>
+                        <a:ext uri="{FF2B5EF4-FFF2-40B4-BE49-F238E27FC236}">
+                          <a16:creationId xmlns:a16="http://schemas.microsoft.com/office/drawing/2014/main" id="{37E648FD-90F4-227B-824D-DE7B4F589257}"/>
+                        </a:ext>
+                      </a:extLst>
+                    </p:cNvPr>
+                    <p:cNvSpPr/>
+                    <p:nvPr/>
+                  </p:nvSpPr>
+                  <p:spPr>
+                    <a:xfrm>
+                      <a:off x="6628012" y="3431618"/>
+                      <a:ext cx="1645920" cy="146304"/>
+                    </a:xfrm>
+                    <a:prstGeom prst="rect">
+                      <a:avLst/>
+                    </a:prstGeom>
+                    <a:solidFill>
+                      <a:schemeClr val="tx1"/>
+                    </a:solidFill>
+                    <a:ln w="19050">
+                      <a:solidFill>
+                        <a:schemeClr val="tx1"/>
+                      </a:solidFill>
+                    </a:ln>
+                  </p:spPr>
+                  <p:style>
+                    <a:lnRef idx="2">
+                      <a:schemeClr val="accent1">
+                        <a:shade val="50000"/>
+                      </a:schemeClr>
+                    </a:lnRef>
+                    <a:fillRef idx="1">
+                      <a:schemeClr val="accent1"/>
+                    </a:fillRef>
+                    <a:effectRef idx="0">
+                      <a:schemeClr val="accent1"/>
+                    </a:effectRef>
+                    <a:fontRef idx="minor">
+                      <a:schemeClr val="lt1"/>
+                    </a:fontRef>
+                  </p:style>
+                  <p:txBody>
+                    <a:bodyPr rtlCol="0" anchor="ctr"/>
+                    <a:lstStyle/>
+                    <a:p>
+                      <a:pPr algn="ctr"/>
+                      <a:endParaRPr lang="en-US"/>
+                    </a:p>
+                  </p:txBody>
+                </p:sp>
+                <p:sp>
+                  <p:nvSpPr>
+                    <p:cNvPr id="107" name="Rectangle 106">
+                      <a:extLst>
+                        <a:ext uri="{FF2B5EF4-FFF2-40B4-BE49-F238E27FC236}">
+                          <a16:creationId xmlns:a16="http://schemas.microsoft.com/office/drawing/2014/main" id="{233658E3-486C-5AC9-C279-8FDDEF40AE0D}"/>
+                        </a:ext>
+                      </a:extLst>
+                    </p:cNvPr>
+                    <p:cNvSpPr/>
+                    <p:nvPr/>
+                  </p:nvSpPr>
+                  <p:spPr>
+                    <a:xfrm>
+                      <a:off x="6627495" y="3431618"/>
+                      <a:ext cx="182880" cy="146304"/>
+                    </a:xfrm>
+                    <a:prstGeom prst="rect">
+                      <a:avLst/>
+                    </a:prstGeom>
+                    <a:solidFill>
+                      <a:srgbClr val="9933FF"/>
+                    </a:solidFill>
+                    <a:ln w="19050">
+                      <a:solidFill>
+                        <a:schemeClr val="tx1"/>
+                      </a:solidFill>
+                    </a:ln>
+                  </p:spPr>
+                  <p:style>
+                    <a:lnRef idx="2">
+                      <a:schemeClr val="accent1">
+                        <a:shade val="50000"/>
+                      </a:schemeClr>
+                    </a:lnRef>
+                    <a:fillRef idx="1">
+                      <a:schemeClr val="accent1"/>
+                    </a:fillRef>
+                    <a:effectRef idx="0">
+                      <a:schemeClr val="accent1"/>
+                    </a:effectRef>
+                    <a:fontRef idx="minor">
+                      <a:schemeClr val="lt1"/>
+                    </a:fontRef>
+                  </p:style>
+                  <p:txBody>
+                    <a:bodyPr rtlCol="0" anchor="ctr"/>
+                    <a:lstStyle/>
+                    <a:p>
+                      <a:pPr algn="ctr"/>
+                      <a:endParaRPr lang="en-US" dirty="0"/>
+                    </a:p>
+                  </p:txBody>
+                </p:sp>
+              </p:grpSp>
+              <p:sp>
+                <p:nvSpPr>
+                  <p:cNvPr id="105" name="Rectangle 104">
+                    <a:extLst>
+                      <a:ext uri="{FF2B5EF4-FFF2-40B4-BE49-F238E27FC236}">
+                        <a16:creationId xmlns:a16="http://schemas.microsoft.com/office/drawing/2014/main" id="{7CB54320-50A2-86F2-61E8-729CED1345DA}"/>
+                      </a:ext>
+                    </a:extLst>
+                  </p:cNvPr>
+                  <p:cNvSpPr/>
+                  <p:nvPr/>
+                </p:nvSpPr>
+                <p:spPr>
+                  <a:xfrm>
+                    <a:off x="5259888" y="8190072"/>
+                    <a:ext cx="182880" cy="146304"/>
+                  </a:xfrm>
+                  <a:prstGeom prst="rect">
+                    <a:avLst/>
+                  </a:prstGeom>
+                  <a:solidFill>
+                    <a:srgbClr val="99CCFF"/>
+                  </a:solidFill>
+                  <a:ln w="19050">
+                    <a:solidFill>
+                      <a:schemeClr val="tx1"/>
+                    </a:solidFill>
+                  </a:ln>
+                </p:spPr>
+                <p:style>
+                  <a:lnRef idx="2">
+                    <a:schemeClr val="accent1">
+                      <a:shade val="50000"/>
+                    </a:schemeClr>
+                  </a:lnRef>
+                  <a:fillRef idx="1">
+                    <a:schemeClr val="accent1"/>
+                  </a:fillRef>
+                  <a:effectRef idx="0">
+                    <a:schemeClr val="accent1"/>
+                  </a:effectRef>
+                  <a:fontRef idx="minor">
+                    <a:schemeClr val="lt1"/>
+                  </a:fontRef>
+                </p:style>
+                <p:txBody>
+                  <a:bodyPr rtlCol="0" anchor="ctr"/>
+                  <a:lstStyle/>
+                  <a:p>
+                    <a:pPr algn="ctr"/>
+                    <a:endParaRPr lang="en-US"/>
+                  </a:p>
+                </p:txBody>
+              </p:sp>
+            </p:grpSp>
+            <p:grpSp>
+              <p:nvGrpSpPr>
+                <p:cNvPr id="99" name="Group 98">
+                  <a:extLst>
+                    <a:ext uri="{FF2B5EF4-FFF2-40B4-BE49-F238E27FC236}">
+                      <a16:creationId xmlns:a16="http://schemas.microsoft.com/office/drawing/2014/main" id="{202AF91B-F870-073B-0BAB-46484718B1BB}"/>
+                    </a:ext>
+                  </a:extLst>
+                </p:cNvPr>
+                <p:cNvGrpSpPr/>
+                <p:nvPr/>
+              </p:nvGrpSpPr>
+              <p:grpSpPr>
+                <a:xfrm>
+                  <a:off x="10280264" y="8190072"/>
+                  <a:ext cx="1560340" cy="146304"/>
+                  <a:chOff x="5974328" y="8190072"/>
+                  <a:chExt cx="1560340" cy="146304"/>
+                </a:xfrm>
+              </p:grpSpPr>
+              <p:grpSp>
+                <p:nvGrpSpPr>
+                  <p:cNvPr id="100" name="Group 99">
+                    <a:extLst>
+                      <a:ext uri="{FF2B5EF4-FFF2-40B4-BE49-F238E27FC236}">
+                        <a16:creationId xmlns:a16="http://schemas.microsoft.com/office/drawing/2014/main" id="{CBEDF673-ED6C-B465-67F0-5D1F72A67524}"/>
+                      </a:ext>
+                    </a:extLst>
+                  </p:cNvPr>
+                  <p:cNvGrpSpPr/>
+                  <p:nvPr/>
+                </p:nvGrpSpPr>
+                <p:grpSpPr>
+                  <a:xfrm>
+                    <a:off x="5974328" y="8190072"/>
+                    <a:ext cx="1557514" cy="146304"/>
+                    <a:chOff x="8484258" y="3436468"/>
+                    <a:chExt cx="1557514" cy="146304"/>
+                  </a:xfrm>
+                </p:grpSpPr>
+                <p:sp>
+                  <p:nvSpPr>
+                    <p:cNvPr id="102" name="Rectangle 101">
+                      <a:extLst>
+                        <a:ext uri="{FF2B5EF4-FFF2-40B4-BE49-F238E27FC236}">
+                          <a16:creationId xmlns:a16="http://schemas.microsoft.com/office/drawing/2014/main" id="{73E0DF46-95A9-19F8-8A79-A97BD7E30A6D}"/>
+                        </a:ext>
+                      </a:extLst>
+                    </p:cNvPr>
+                    <p:cNvSpPr/>
+                    <p:nvPr/>
+                  </p:nvSpPr>
+                  <p:spPr>
+                    <a:xfrm>
+                      <a:off x="8487292" y="3436468"/>
+                      <a:ext cx="1554480" cy="146304"/>
+                    </a:xfrm>
+                    <a:prstGeom prst="rect">
+                      <a:avLst/>
+                    </a:prstGeom>
+                    <a:solidFill>
+                      <a:schemeClr val="tx1"/>
+                    </a:solidFill>
+                    <a:ln w="19050">
+                      <a:solidFill>
+                        <a:schemeClr val="tx1"/>
+                      </a:solidFill>
+                    </a:ln>
+                  </p:spPr>
+                  <p:style>
+                    <a:lnRef idx="2">
+                      <a:schemeClr val="accent1">
+                        <a:shade val="50000"/>
+                      </a:schemeClr>
+                    </a:lnRef>
+                    <a:fillRef idx="1">
+                      <a:schemeClr val="accent1"/>
+                    </a:fillRef>
+                    <a:effectRef idx="0">
+                      <a:schemeClr val="accent1"/>
+                    </a:effectRef>
+                    <a:fontRef idx="minor">
+                      <a:schemeClr val="lt1"/>
+                    </a:fontRef>
+                  </p:style>
+                  <p:txBody>
+                    <a:bodyPr rtlCol="0" anchor="ctr"/>
+                    <a:lstStyle/>
+                    <a:p>
+                      <a:pPr algn="ctr"/>
+                      <a:endParaRPr lang="en-US"/>
+                    </a:p>
+                  </p:txBody>
+                </p:sp>
+                <p:sp>
+                  <p:nvSpPr>
+                    <p:cNvPr id="103" name="Rectangle 102">
+                      <a:extLst>
+                        <a:ext uri="{FF2B5EF4-FFF2-40B4-BE49-F238E27FC236}">
+                          <a16:creationId xmlns:a16="http://schemas.microsoft.com/office/drawing/2014/main" id="{C989D42C-D560-D71E-B408-9AD44FBF9A4C}"/>
+                        </a:ext>
+                      </a:extLst>
+                    </p:cNvPr>
+                    <p:cNvSpPr/>
+                    <p:nvPr/>
+                  </p:nvSpPr>
+                  <p:spPr>
+                    <a:xfrm>
+                      <a:off x="8484258" y="3436468"/>
+                      <a:ext cx="182880" cy="146304"/>
+                    </a:xfrm>
+                    <a:prstGeom prst="rect">
+                      <a:avLst/>
+                    </a:prstGeom>
+                    <a:solidFill>
+                      <a:srgbClr val="9933FF"/>
+                    </a:solidFill>
+                    <a:ln w="19050">
+                      <a:solidFill>
+                        <a:schemeClr val="tx1"/>
+                      </a:solidFill>
+                    </a:ln>
+                  </p:spPr>
+                  <p:style>
+                    <a:lnRef idx="2">
+                      <a:schemeClr val="accent1">
+                        <a:shade val="50000"/>
+                      </a:schemeClr>
+                    </a:lnRef>
+                    <a:fillRef idx="1">
+                      <a:schemeClr val="accent1"/>
+                    </a:fillRef>
+                    <a:effectRef idx="0">
+                      <a:schemeClr val="accent1"/>
+                    </a:effectRef>
+                    <a:fontRef idx="minor">
+                      <a:schemeClr val="lt1"/>
+                    </a:fontRef>
+                  </p:style>
+                  <p:txBody>
+                    <a:bodyPr rtlCol="0" anchor="ctr"/>
+                    <a:lstStyle/>
+                    <a:p>
+                      <a:pPr algn="ctr"/>
+                      <a:endParaRPr lang="en-US"/>
+                    </a:p>
+                  </p:txBody>
+                </p:sp>
+              </p:grpSp>
+              <p:sp>
+                <p:nvSpPr>
+                  <p:cNvPr id="101" name="Rectangle 100">
+                    <a:extLst>
+                      <a:ext uri="{FF2B5EF4-FFF2-40B4-BE49-F238E27FC236}">
+                        <a16:creationId xmlns:a16="http://schemas.microsoft.com/office/drawing/2014/main" id="{70290598-BF71-6673-E739-CAAC62C5F895}"/>
+                      </a:ext>
+                    </a:extLst>
+                  </p:cNvPr>
+                  <p:cNvSpPr/>
+                  <p:nvPr/>
+                </p:nvSpPr>
+                <p:spPr>
+                  <a:xfrm>
+                    <a:off x="7351788" y="8190072"/>
+                    <a:ext cx="182880" cy="146304"/>
+                  </a:xfrm>
+                  <a:prstGeom prst="rect">
+                    <a:avLst/>
+                  </a:prstGeom>
+                  <a:solidFill>
+                    <a:srgbClr val="99CCFF"/>
+                  </a:solidFill>
+                  <a:ln w="19050">
+                    <a:solidFill>
+                      <a:schemeClr val="tx1"/>
+                    </a:solidFill>
+                  </a:ln>
+                </p:spPr>
+                <p:style>
+                  <a:lnRef idx="2">
+                    <a:schemeClr val="accent1">
+                      <a:shade val="50000"/>
+                    </a:schemeClr>
+                  </a:lnRef>
+                  <a:fillRef idx="1">
+                    <a:schemeClr val="accent1"/>
+                  </a:fillRef>
+                  <a:effectRef idx="0">
+                    <a:schemeClr val="accent1"/>
+                  </a:effectRef>
+                  <a:fontRef idx="minor">
+                    <a:schemeClr val="lt1"/>
+                  </a:fontRef>
+                </p:style>
+                <p:txBody>
+                  <a:bodyPr rtlCol="0" anchor="ctr"/>
+                  <a:lstStyle/>
+                  <a:p>
+                    <a:pPr algn="ctr"/>
+                    <a:endParaRPr lang="en-US"/>
+                  </a:p>
+                </p:txBody>
+              </p:sp>
+            </p:grpSp>
+          </p:grpSp>
+          <p:grpSp>
+            <p:nvGrpSpPr>
+              <p:cNvPr id="73" name="Group 72">
+                <a:extLst>
+                  <a:ext uri="{FF2B5EF4-FFF2-40B4-BE49-F238E27FC236}">
+                    <a16:creationId xmlns:a16="http://schemas.microsoft.com/office/drawing/2014/main" id="{E2F8AB00-8491-CB18-18C1-A232F1A7F974}"/>
+                  </a:ext>
+                </a:extLst>
+              </p:cNvPr>
+              <p:cNvGrpSpPr/>
+              <p:nvPr/>
+            </p:nvGrpSpPr>
+            <p:grpSpPr>
+              <a:xfrm>
+                <a:off x="2565513" y="8446840"/>
+                <a:ext cx="9271748" cy="307777"/>
+                <a:chOff x="2565513" y="8446840"/>
+                <a:chExt cx="9271748" cy="307777"/>
+              </a:xfrm>
+            </p:grpSpPr>
+            <p:sp>
+              <p:nvSpPr>
+                <p:cNvPr id="74" name="TextBox 73">
+                  <a:extLst>
+                    <a:ext uri="{FF2B5EF4-FFF2-40B4-BE49-F238E27FC236}">
+                      <a16:creationId xmlns:a16="http://schemas.microsoft.com/office/drawing/2014/main" id="{5D9A7C2F-CE2A-64D8-C421-CE6E6BB06884}"/>
+                    </a:ext>
+                  </a:extLst>
+                </p:cNvPr>
+                <p:cNvSpPr txBox="1"/>
+                <p:nvPr/>
+              </p:nvSpPr>
+              <p:spPr>
+                <a:xfrm>
+                  <a:off x="2565513" y="8446840"/>
+                  <a:ext cx="872836" cy="307777"/>
+                </a:xfrm>
+                <a:prstGeom prst="rect">
+                  <a:avLst/>
+                </a:prstGeom>
+                <a:noFill/>
+              </p:spPr>
+              <p:txBody>
+                <a:bodyPr wrap="square" rtlCol="0">
+                  <a:spAutoFit/>
+                </a:bodyPr>
+                <a:lstStyle/>
+                <a:p>
+                  <a:r>
+                    <a:rPr lang="en-US" sz="1400" dirty="0"/>
+                    <a:t>Sample 3</a:t>
+                  </a:r>
+                </a:p>
+              </p:txBody>
+            </p:sp>
+            <p:grpSp>
+              <p:nvGrpSpPr>
+                <p:cNvPr id="75" name="Group 74">
+                  <a:extLst>
+                    <a:ext uri="{FF2B5EF4-FFF2-40B4-BE49-F238E27FC236}">
+                      <a16:creationId xmlns:a16="http://schemas.microsoft.com/office/drawing/2014/main" id="{D626BC54-2F98-005A-DD41-6A3ABF18DBF4}"/>
+                    </a:ext>
+                  </a:extLst>
+                </p:cNvPr>
+                <p:cNvGrpSpPr/>
+                <p:nvPr/>
+              </p:nvGrpSpPr>
+              <p:grpSpPr>
+                <a:xfrm>
+                  <a:off x="3796746" y="8529758"/>
+                  <a:ext cx="1739701" cy="146304"/>
+                  <a:chOff x="3796746" y="8529758"/>
+                  <a:chExt cx="1739701" cy="146304"/>
+                </a:xfrm>
+              </p:grpSpPr>
+              <p:grpSp>
+                <p:nvGrpSpPr>
+                  <p:cNvPr id="91" name="Group 90">
+                    <a:extLst>
+                      <a:ext uri="{FF2B5EF4-FFF2-40B4-BE49-F238E27FC236}">
+                        <a16:creationId xmlns:a16="http://schemas.microsoft.com/office/drawing/2014/main" id="{7A59F6AE-64E7-F7CB-BDE4-8C2A75839CE3}"/>
+                      </a:ext>
+                    </a:extLst>
+                  </p:cNvPr>
+                  <p:cNvGrpSpPr/>
+                  <p:nvPr/>
+                </p:nvGrpSpPr>
+                <p:grpSpPr>
+                  <a:xfrm>
+                    <a:off x="3796746" y="8529758"/>
+                    <a:ext cx="1648261" cy="146304"/>
+                    <a:chOff x="6625671" y="3432213"/>
+                    <a:chExt cx="1648261" cy="146304"/>
+                  </a:xfrm>
+                </p:grpSpPr>
+                <p:sp>
+                  <p:nvSpPr>
+                    <p:cNvPr id="93" name="Rectangle 92">
+                      <a:extLst>
+                        <a:ext uri="{FF2B5EF4-FFF2-40B4-BE49-F238E27FC236}">
+                          <a16:creationId xmlns:a16="http://schemas.microsoft.com/office/drawing/2014/main" id="{3EDAEB18-70E6-E3EC-CE23-18463B4F6EAC}"/>
+                        </a:ext>
+                      </a:extLst>
+                    </p:cNvPr>
+                    <p:cNvSpPr/>
+                    <p:nvPr/>
+                  </p:nvSpPr>
+                  <p:spPr>
+                    <a:xfrm>
+                      <a:off x="6628012" y="3432213"/>
+                      <a:ext cx="1645920" cy="146304"/>
+                    </a:xfrm>
+                    <a:prstGeom prst="rect">
+                      <a:avLst/>
+                    </a:prstGeom>
+                    <a:solidFill>
+                      <a:schemeClr val="tx1"/>
+                    </a:solidFill>
+                    <a:ln w="19050">
+                      <a:solidFill>
+                        <a:schemeClr val="tx1"/>
+                      </a:solidFill>
+                    </a:ln>
+                  </p:spPr>
+                  <p:style>
+                    <a:lnRef idx="2">
+                      <a:schemeClr val="accent1">
+                        <a:shade val="50000"/>
+                      </a:schemeClr>
+                    </a:lnRef>
+                    <a:fillRef idx="1">
+                      <a:schemeClr val="accent1"/>
+                    </a:fillRef>
+                    <a:effectRef idx="0">
+                      <a:schemeClr val="accent1"/>
+                    </a:effectRef>
+                    <a:fontRef idx="minor">
+                      <a:schemeClr val="lt1"/>
+                    </a:fontRef>
+                  </p:style>
+                  <p:txBody>
+                    <a:bodyPr rtlCol="0" anchor="ctr"/>
+                    <a:lstStyle/>
+                    <a:p>
+                      <a:pPr algn="ctr"/>
+                      <a:endParaRPr lang="en-US"/>
+                    </a:p>
+                  </p:txBody>
+                </p:sp>
+                <p:sp>
+                  <p:nvSpPr>
+                    <p:cNvPr id="94" name="Rectangle 93">
+                      <a:extLst>
+                        <a:ext uri="{FF2B5EF4-FFF2-40B4-BE49-F238E27FC236}">
+                          <a16:creationId xmlns:a16="http://schemas.microsoft.com/office/drawing/2014/main" id="{A3886567-8662-6035-0A71-B22359F143EF}"/>
+                        </a:ext>
+                      </a:extLst>
+                    </p:cNvPr>
+                    <p:cNvSpPr/>
+                    <p:nvPr/>
+                  </p:nvSpPr>
+                  <p:spPr>
+                    <a:xfrm>
+                      <a:off x="6625671" y="3432213"/>
+                      <a:ext cx="182880" cy="146304"/>
+                    </a:xfrm>
+                    <a:prstGeom prst="rect">
+                      <a:avLst/>
+                    </a:prstGeom>
+                    <a:solidFill>
+                      <a:srgbClr val="FF6600"/>
+                    </a:solidFill>
+                    <a:ln w="19050">
+                      <a:solidFill>
+                        <a:schemeClr val="tx1"/>
+                      </a:solidFill>
+                    </a:ln>
+                  </p:spPr>
+                  <p:style>
+                    <a:lnRef idx="2">
+                      <a:schemeClr val="accent1">
+                        <a:shade val="50000"/>
+                      </a:schemeClr>
+                    </a:lnRef>
+                    <a:fillRef idx="1">
+                      <a:schemeClr val="accent1"/>
+                    </a:fillRef>
+                    <a:effectRef idx="0">
+                      <a:schemeClr val="accent1"/>
+                    </a:effectRef>
+                    <a:fontRef idx="minor">
+                      <a:schemeClr val="lt1"/>
+                    </a:fontRef>
+                  </p:style>
+                  <p:txBody>
+                    <a:bodyPr rtlCol="0" anchor="ctr"/>
+                    <a:lstStyle/>
+                    <a:p>
+                      <a:pPr algn="ctr"/>
+                      <a:endParaRPr lang="en-US"/>
+                    </a:p>
+                  </p:txBody>
+                </p:sp>
+              </p:grpSp>
+              <p:sp>
+                <p:nvSpPr>
+                  <p:cNvPr id="92" name="Rectangle 91">
+                    <a:extLst>
+                      <a:ext uri="{FF2B5EF4-FFF2-40B4-BE49-F238E27FC236}">
+                        <a16:creationId xmlns:a16="http://schemas.microsoft.com/office/drawing/2014/main" id="{9C91DC90-9FFB-3B44-D133-6A94A711E152}"/>
+                      </a:ext>
+                    </a:extLst>
+                  </p:cNvPr>
+                  <p:cNvSpPr/>
+                  <p:nvPr/>
+                </p:nvSpPr>
+                <p:spPr>
+                  <a:xfrm>
+                    <a:off x="5353567" y="8529758"/>
+                    <a:ext cx="182880" cy="146304"/>
+                  </a:xfrm>
+                  <a:prstGeom prst="rect">
+                    <a:avLst/>
+                  </a:prstGeom>
+                  <a:solidFill>
+                    <a:srgbClr val="3366FF"/>
+                  </a:solidFill>
+                  <a:ln w="19050">
+                    <a:solidFill>
+                      <a:schemeClr val="tx1"/>
+                    </a:solidFill>
+                  </a:ln>
+                </p:spPr>
+                <p:style>
+                  <a:lnRef idx="2">
+                    <a:schemeClr val="accent1">
+                      <a:shade val="50000"/>
+                    </a:schemeClr>
+                  </a:lnRef>
+                  <a:fillRef idx="1">
+                    <a:schemeClr val="accent1"/>
+                  </a:fillRef>
+                  <a:effectRef idx="0">
+                    <a:schemeClr val="accent1"/>
+                  </a:effectRef>
+                  <a:fontRef idx="minor">
+                    <a:schemeClr val="lt1"/>
+                  </a:fontRef>
+                </p:style>
+                <p:txBody>
+                  <a:bodyPr rtlCol="0" anchor="ctr"/>
+                  <a:lstStyle/>
+                  <a:p>
+                    <a:pPr algn="ctr"/>
+                    <a:endParaRPr lang="en-US"/>
+                  </a:p>
+                </p:txBody>
+              </p:sp>
+            </p:grpSp>
+            <p:grpSp>
+              <p:nvGrpSpPr>
+                <p:cNvPr id="76" name="Group 75">
+                  <a:extLst>
+                    <a:ext uri="{FF2B5EF4-FFF2-40B4-BE49-F238E27FC236}">
+                      <a16:creationId xmlns:a16="http://schemas.microsoft.com/office/drawing/2014/main" id="{8F672C47-544F-5C55-E807-87DD501BA79A}"/>
+                    </a:ext>
+                  </a:extLst>
+                </p:cNvPr>
+                <p:cNvGrpSpPr/>
+                <p:nvPr/>
+              </p:nvGrpSpPr>
+              <p:grpSpPr>
+                <a:xfrm>
+                  <a:off x="5973101" y="8529758"/>
+                  <a:ext cx="1752325" cy="146304"/>
+                  <a:chOff x="5973101" y="8529758"/>
+                  <a:chExt cx="1752325" cy="146304"/>
+                </a:xfrm>
+              </p:grpSpPr>
+              <p:grpSp>
+                <p:nvGrpSpPr>
+                  <p:cNvPr id="87" name="Group 86">
+                    <a:extLst>
+                      <a:ext uri="{FF2B5EF4-FFF2-40B4-BE49-F238E27FC236}">
+                        <a16:creationId xmlns:a16="http://schemas.microsoft.com/office/drawing/2014/main" id="{52C9E226-A3F9-910F-77A1-4E31549BC465}"/>
+                      </a:ext>
+                    </a:extLst>
+                  </p:cNvPr>
+                  <p:cNvGrpSpPr/>
+                  <p:nvPr/>
+                </p:nvGrpSpPr>
+                <p:grpSpPr>
+                  <a:xfrm>
+                    <a:off x="5973101" y="8529758"/>
+                    <a:ext cx="1558741" cy="146304"/>
+                    <a:chOff x="8483031" y="3432714"/>
+                    <a:chExt cx="1558741" cy="146304"/>
+                  </a:xfrm>
+                </p:grpSpPr>
+                <p:sp>
+                  <p:nvSpPr>
+                    <p:cNvPr id="89" name="Rectangle 88">
+                      <a:extLst>
+                        <a:ext uri="{FF2B5EF4-FFF2-40B4-BE49-F238E27FC236}">
+                          <a16:creationId xmlns:a16="http://schemas.microsoft.com/office/drawing/2014/main" id="{70C83908-4F0F-CF6A-0DE0-4E09AC4A1BA7}"/>
+                        </a:ext>
+                      </a:extLst>
+                    </p:cNvPr>
+                    <p:cNvSpPr/>
+                    <p:nvPr/>
+                  </p:nvSpPr>
+                  <p:spPr>
+                    <a:xfrm>
+                      <a:off x="8487292" y="3432714"/>
+                      <a:ext cx="1554480" cy="146304"/>
+                    </a:xfrm>
+                    <a:prstGeom prst="rect">
+                      <a:avLst/>
+                    </a:prstGeom>
+                    <a:solidFill>
+                      <a:schemeClr val="tx1"/>
+                    </a:solidFill>
+                    <a:ln w="19050">
+                      <a:solidFill>
+                        <a:schemeClr val="tx1"/>
+                      </a:solidFill>
+                    </a:ln>
+                  </p:spPr>
+                  <p:style>
+                    <a:lnRef idx="2">
+                      <a:schemeClr val="accent1">
+                        <a:shade val="50000"/>
+                      </a:schemeClr>
+                    </a:lnRef>
+                    <a:fillRef idx="1">
+                      <a:schemeClr val="accent1"/>
+                    </a:fillRef>
+                    <a:effectRef idx="0">
+                      <a:schemeClr val="accent1"/>
+                    </a:effectRef>
+                    <a:fontRef idx="minor">
+                      <a:schemeClr val="lt1"/>
+                    </a:fontRef>
+                  </p:style>
+                  <p:txBody>
+                    <a:bodyPr rtlCol="0" anchor="ctr"/>
+                    <a:lstStyle/>
+                    <a:p>
+                      <a:pPr algn="ctr"/>
+                      <a:endParaRPr lang="en-US"/>
+                    </a:p>
+                  </p:txBody>
+                </p:sp>
+                <p:sp>
+                  <p:nvSpPr>
+                    <p:cNvPr id="90" name="Rectangle 89">
+                      <a:extLst>
+                        <a:ext uri="{FF2B5EF4-FFF2-40B4-BE49-F238E27FC236}">
+                          <a16:creationId xmlns:a16="http://schemas.microsoft.com/office/drawing/2014/main" id="{8A6AB975-8576-BFC3-3E5A-28FD2E513110}"/>
+                        </a:ext>
+                      </a:extLst>
+                    </p:cNvPr>
+                    <p:cNvSpPr/>
+                    <p:nvPr/>
+                  </p:nvSpPr>
+                  <p:spPr>
+                    <a:xfrm>
+                      <a:off x="8483031" y="3432714"/>
+                      <a:ext cx="182880" cy="146304"/>
+                    </a:xfrm>
+                    <a:prstGeom prst="rect">
+                      <a:avLst/>
+                    </a:prstGeom>
+                    <a:solidFill>
+                      <a:srgbClr val="FF6600"/>
+                    </a:solidFill>
+                    <a:ln w="19050">
+                      <a:solidFill>
+                        <a:schemeClr val="tx1"/>
+                      </a:solidFill>
+                    </a:ln>
+                  </p:spPr>
+                  <p:style>
+                    <a:lnRef idx="2">
+                      <a:schemeClr val="accent1">
+                        <a:shade val="50000"/>
+                      </a:schemeClr>
+                    </a:lnRef>
+                    <a:fillRef idx="1">
+                      <a:schemeClr val="accent1"/>
+                    </a:fillRef>
+                    <a:effectRef idx="0">
+                      <a:schemeClr val="accent1"/>
+                    </a:effectRef>
+                    <a:fontRef idx="minor">
+                      <a:schemeClr val="lt1"/>
+                    </a:fontRef>
+                  </p:style>
+                  <p:txBody>
+                    <a:bodyPr rtlCol="0" anchor="ctr"/>
+                    <a:lstStyle/>
+                    <a:p>
+                      <a:pPr algn="ctr"/>
+                      <a:endParaRPr lang="en-US"/>
+                    </a:p>
+                  </p:txBody>
+                </p:sp>
+              </p:grpSp>
+              <p:sp>
+                <p:nvSpPr>
+                  <p:cNvPr id="88" name="Rectangle 87">
+                    <a:extLst>
+                      <a:ext uri="{FF2B5EF4-FFF2-40B4-BE49-F238E27FC236}">
+                        <a16:creationId xmlns:a16="http://schemas.microsoft.com/office/drawing/2014/main" id="{DE6C1EC7-DAE1-0BFA-9043-F75A35069CA0}"/>
+                      </a:ext>
+                    </a:extLst>
+                  </p:cNvPr>
+                  <p:cNvSpPr/>
+                  <p:nvPr/>
+                </p:nvSpPr>
+                <p:spPr>
+                  <a:xfrm>
+                    <a:off x="7542546" y="8529758"/>
+                    <a:ext cx="182880" cy="146304"/>
+                  </a:xfrm>
+                  <a:prstGeom prst="rect">
+                    <a:avLst/>
+                  </a:prstGeom>
+                  <a:solidFill>
+                    <a:srgbClr val="3366FF"/>
+                  </a:solidFill>
+                  <a:ln w="19050">
+                    <a:solidFill>
+                      <a:schemeClr val="tx1"/>
+                    </a:solidFill>
+                  </a:ln>
+                </p:spPr>
+                <p:style>
+                  <a:lnRef idx="2">
+                    <a:schemeClr val="accent1">
+                      <a:shade val="50000"/>
+                    </a:schemeClr>
+                  </a:lnRef>
+                  <a:fillRef idx="1">
+                    <a:schemeClr val="accent1"/>
+                  </a:fillRef>
+                  <a:effectRef idx="0">
+                    <a:schemeClr val="accent1"/>
+                  </a:effectRef>
+                  <a:fontRef idx="minor">
+                    <a:schemeClr val="lt1"/>
+                  </a:fontRef>
+                </p:style>
+                <p:txBody>
+                  <a:bodyPr rtlCol="0" anchor="ctr"/>
+                  <a:lstStyle/>
+                  <a:p>
+                    <a:pPr algn="ctr"/>
+                    <a:endParaRPr lang="en-US"/>
+                  </a:p>
+                </p:txBody>
+              </p:sp>
+            </p:grpSp>
+            <p:grpSp>
+              <p:nvGrpSpPr>
+                <p:cNvPr id="77" name="Group 76">
+                  <a:extLst>
+                    <a:ext uri="{FF2B5EF4-FFF2-40B4-BE49-F238E27FC236}">
+                      <a16:creationId xmlns:a16="http://schemas.microsoft.com/office/drawing/2014/main" id="{D65AAD34-6FE4-51C0-456E-253D7D4F6A78}"/>
+                    </a:ext>
+                  </a:extLst>
+                </p:cNvPr>
+                <p:cNvGrpSpPr/>
+                <p:nvPr/>
+              </p:nvGrpSpPr>
+              <p:grpSpPr>
+                <a:xfrm>
+                  <a:off x="8104506" y="8529758"/>
+                  <a:ext cx="1648036" cy="146304"/>
+                  <a:chOff x="3799087" y="8529758"/>
+                  <a:chExt cx="1648036" cy="146304"/>
+                </a:xfrm>
+              </p:grpSpPr>
+              <p:grpSp>
+                <p:nvGrpSpPr>
+                  <p:cNvPr id="83" name="Group 82">
+                    <a:extLst>
+                      <a:ext uri="{FF2B5EF4-FFF2-40B4-BE49-F238E27FC236}">
+                        <a16:creationId xmlns:a16="http://schemas.microsoft.com/office/drawing/2014/main" id="{C07E98E8-2FF8-C135-CF18-0CF2F15769D3}"/>
+                      </a:ext>
+                    </a:extLst>
+                  </p:cNvPr>
+                  <p:cNvGrpSpPr/>
+                  <p:nvPr/>
+                </p:nvGrpSpPr>
+                <p:grpSpPr>
+                  <a:xfrm>
+                    <a:off x="3799087" y="8529758"/>
+                    <a:ext cx="1645920" cy="146304"/>
+                    <a:chOff x="6628012" y="3432213"/>
+                    <a:chExt cx="1645920" cy="146304"/>
+                  </a:xfrm>
+                </p:grpSpPr>
+                <p:sp>
+                  <p:nvSpPr>
+                    <p:cNvPr id="85" name="Rectangle 84">
+                      <a:extLst>
+                        <a:ext uri="{FF2B5EF4-FFF2-40B4-BE49-F238E27FC236}">
+                          <a16:creationId xmlns:a16="http://schemas.microsoft.com/office/drawing/2014/main" id="{0C2628E6-5F8D-7034-6148-E5FFAA0131BD}"/>
+                        </a:ext>
+                      </a:extLst>
+                    </p:cNvPr>
+                    <p:cNvSpPr/>
+                    <p:nvPr/>
+                  </p:nvSpPr>
+                  <p:spPr>
+                    <a:xfrm>
+                      <a:off x="6628012" y="3432213"/>
+                      <a:ext cx="1645920" cy="146304"/>
+                    </a:xfrm>
+                    <a:prstGeom prst="rect">
+                      <a:avLst/>
+                    </a:prstGeom>
+                    <a:solidFill>
+                      <a:schemeClr val="tx1"/>
+                    </a:solidFill>
+                    <a:ln w="19050">
+                      <a:solidFill>
+                        <a:schemeClr val="tx1"/>
+                      </a:solidFill>
+                    </a:ln>
+                  </p:spPr>
+                  <p:style>
+                    <a:lnRef idx="2">
+                      <a:schemeClr val="accent1">
+                        <a:shade val="50000"/>
+                      </a:schemeClr>
+                    </a:lnRef>
+                    <a:fillRef idx="1">
+                      <a:schemeClr val="accent1"/>
+                    </a:fillRef>
+                    <a:effectRef idx="0">
+                      <a:schemeClr val="accent1"/>
+                    </a:effectRef>
+                    <a:fontRef idx="minor">
+                      <a:schemeClr val="lt1"/>
+                    </a:fontRef>
+                  </p:style>
+                  <p:txBody>
+                    <a:bodyPr rtlCol="0" anchor="ctr"/>
+                    <a:lstStyle/>
+                    <a:p>
+                      <a:pPr algn="ctr"/>
+                      <a:endParaRPr lang="en-US"/>
+                    </a:p>
+                  </p:txBody>
+                </p:sp>
+                <p:sp>
+                  <p:nvSpPr>
+                    <p:cNvPr id="86" name="Rectangle 85">
+                      <a:extLst>
+                        <a:ext uri="{FF2B5EF4-FFF2-40B4-BE49-F238E27FC236}">
+                          <a16:creationId xmlns:a16="http://schemas.microsoft.com/office/drawing/2014/main" id="{293CD7F6-4FC7-7FE4-5058-CE4AF5637566}"/>
+                        </a:ext>
+                      </a:extLst>
+                    </p:cNvPr>
+                    <p:cNvSpPr/>
+                    <p:nvPr/>
+                  </p:nvSpPr>
+                  <p:spPr>
+                    <a:xfrm>
+                      <a:off x="6630848" y="3432213"/>
+                      <a:ext cx="182880" cy="146304"/>
+                    </a:xfrm>
+                    <a:prstGeom prst="rect">
+                      <a:avLst/>
+                    </a:prstGeom>
+                    <a:solidFill>
+                      <a:srgbClr val="FF6600"/>
+                    </a:solidFill>
+                    <a:ln w="19050">
+                      <a:solidFill>
+                        <a:schemeClr val="tx1"/>
+                      </a:solidFill>
+                    </a:ln>
+                  </p:spPr>
+                  <p:style>
+                    <a:lnRef idx="2">
+                      <a:schemeClr val="accent1">
+                        <a:shade val="50000"/>
+                      </a:schemeClr>
+                    </a:lnRef>
+                    <a:fillRef idx="1">
+                      <a:schemeClr val="accent1"/>
+                    </a:fillRef>
+                    <a:effectRef idx="0">
+                      <a:schemeClr val="accent1"/>
+                    </a:effectRef>
+                    <a:fontRef idx="minor">
+                      <a:schemeClr val="lt1"/>
+                    </a:fontRef>
+                  </p:style>
+                  <p:txBody>
+                    <a:bodyPr rtlCol="0" anchor="ctr"/>
+                    <a:lstStyle/>
+                    <a:p>
+                      <a:pPr algn="ctr"/>
+                      <a:endParaRPr lang="en-US"/>
+                    </a:p>
+                  </p:txBody>
+                </p:sp>
+              </p:grpSp>
+              <p:sp>
+                <p:nvSpPr>
+                  <p:cNvPr id="84" name="Rectangle 83">
+                    <a:extLst>
+                      <a:ext uri="{FF2B5EF4-FFF2-40B4-BE49-F238E27FC236}">
+                        <a16:creationId xmlns:a16="http://schemas.microsoft.com/office/drawing/2014/main" id="{4201A033-00AA-AB30-2395-095CE624CB1B}"/>
+                      </a:ext>
+                    </a:extLst>
+                  </p:cNvPr>
+                  <p:cNvSpPr/>
+                  <p:nvPr/>
+                </p:nvSpPr>
+                <p:spPr>
+                  <a:xfrm>
+                    <a:off x="5264243" y="8529758"/>
+                    <a:ext cx="182880" cy="146304"/>
+                  </a:xfrm>
+                  <a:prstGeom prst="rect">
+                    <a:avLst/>
+                  </a:prstGeom>
+                  <a:solidFill>
+                    <a:srgbClr val="3366FF"/>
+                  </a:solidFill>
+                  <a:ln w="19050">
+                    <a:solidFill>
+                      <a:schemeClr val="tx1"/>
+                    </a:solidFill>
+                  </a:ln>
+                </p:spPr>
+                <p:style>
+                  <a:lnRef idx="2">
+                    <a:schemeClr val="accent1">
+                      <a:shade val="50000"/>
+                    </a:schemeClr>
+                  </a:lnRef>
+                  <a:fillRef idx="1">
+                    <a:schemeClr val="accent1"/>
+                  </a:fillRef>
+                  <a:effectRef idx="0">
+                    <a:schemeClr val="accent1"/>
+                  </a:effectRef>
+                  <a:fontRef idx="minor">
+                    <a:schemeClr val="lt1"/>
+                  </a:fontRef>
+                </p:style>
+                <p:txBody>
+                  <a:bodyPr rtlCol="0" anchor="ctr"/>
+                  <a:lstStyle/>
+                  <a:p>
+                    <a:pPr algn="ctr"/>
+                    <a:endParaRPr lang="en-US"/>
+                  </a:p>
+                </p:txBody>
+              </p:sp>
+            </p:grpSp>
+            <p:grpSp>
+              <p:nvGrpSpPr>
+                <p:cNvPr id="78" name="Group 77">
+                  <a:extLst>
+                    <a:ext uri="{FF2B5EF4-FFF2-40B4-BE49-F238E27FC236}">
+                      <a16:creationId xmlns:a16="http://schemas.microsoft.com/office/drawing/2014/main" id="{61988269-FDE6-EE26-E342-C3C2094A1270}"/>
+                    </a:ext>
+                  </a:extLst>
+                </p:cNvPr>
+                <p:cNvGrpSpPr/>
+                <p:nvPr/>
+              </p:nvGrpSpPr>
+              <p:grpSpPr>
+                <a:xfrm>
+                  <a:off x="10280264" y="8529758"/>
+                  <a:ext cx="1556997" cy="146304"/>
+                  <a:chOff x="5974845" y="8529758"/>
+                  <a:chExt cx="1556997" cy="146304"/>
+                </a:xfrm>
+              </p:grpSpPr>
+              <p:grpSp>
+                <p:nvGrpSpPr>
+                  <p:cNvPr id="79" name="Group 78">
+                    <a:extLst>
+                      <a:ext uri="{FF2B5EF4-FFF2-40B4-BE49-F238E27FC236}">
+                        <a16:creationId xmlns:a16="http://schemas.microsoft.com/office/drawing/2014/main" id="{9DE5B449-E923-A341-E90F-BDE36D040EC4}"/>
+                      </a:ext>
+                    </a:extLst>
+                  </p:cNvPr>
+                  <p:cNvGrpSpPr/>
+                  <p:nvPr/>
+                </p:nvGrpSpPr>
+                <p:grpSpPr>
+                  <a:xfrm>
+                    <a:off x="5974845" y="8529758"/>
+                    <a:ext cx="1556997" cy="146304"/>
+                    <a:chOff x="8484775" y="3432714"/>
+                    <a:chExt cx="1556997" cy="146304"/>
+                  </a:xfrm>
+                </p:grpSpPr>
+                <p:sp>
+                  <p:nvSpPr>
+                    <p:cNvPr id="81" name="Rectangle 80">
+                      <a:extLst>
+                        <a:ext uri="{FF2B5EF4-FFF2-40B4-BE49-F238E27FC236}">
+                          <a16:creationId xmlns:a16="http://schemas.microsoft.com/office/drawing/2014/main" id="{28683F2F-132E-560D-30A2-BAC82BAAAE42}"/>
+                        </a:ext>
+                      </a:extLst>
+                    </p:cNvPr>
+                    <p:cNvSpPr/>
+                    <p:nvPr/>
+                  </p:nvSpPr>
+                  <p:spPr>
+                    <a:xfrm>
+                      <a:off x="8487292" y="3432714"/>
+                      <a:ext cx="1554480" cy="146304"/>
+                    </a:xfrm>
+                    <a:prstGeom prst="rect">
+                      <a:avLst/>
+                    </a:prstGeom>
+                    <a:solidFill>
+                      <a:schemeClr val="tx1"/>
+                    </a:solidFill>
+                    <a:ln w="19050">
+                      <a:solidFill>
+                        <a:schemeClr val="tx1"/>
+                      </a:solidFill>
+                    </a:ln>
+                  </p:spPr>
+                  <p:style>
+                    <a:lnRef idx="2">
+                      <a:schemeClr val="accent1">
+                        <a:shade val="50000"/>
+                      </a:schemeClr>
+                    </a:lnRef>
+                    <a:fillRef idx="1">
+                      <a:schemeClr val="accent1"/>
+                    </a:fillRef>
+                    <a:effectRef idx="0">
+                      <a:schemeClr val="accent1"/>
+                    </a:effectRef>
+                    <a:fontRef idx="minor">
+                      <a:schemeClr val="lt1"/>
+                    </a:fontRef>
+                  </p:style>
+                  <p:txBody>
+                    <a:bodyPr rtlCol="0" anchor="ctr"/>
+                    <a:lstStyle/>
+                    <a:p>
+                      <a:pPr algn="ctr"/>
+                      <a:endParaRPr lang="en-US"/>
+                    </a:p>
+                  </p:txBody>
+                </p:sp>
+                <p:sp>
+                  <p:nvSpPr>
+                    <p:cNvPr id="82" name="Rectangle 81">
+                      <a:extLst>
+                        <a:ext uri="{FF2B5EF4-FFF2-40B4-BE49-F238E27FC236}">
+                          <a16:creationId xmlns:a16="http://schemas.microsoft.com/office/drawing/2014/main" id="{C14DB871-19F3-9F3A-05BF-59FF7F394D2F}"/>
+                        </a:ext>
+                      </a:extLst>
+                    </p:cNvPr>
+                    <p:cNvSpPr/>
+                    <p:nvPr/>
+                  </p:nvSpPr>
+                  <p:spPr>
+                    <a:xfrm>
+                      <a:off x="8484775" y="3432714"/>
+                      <a:ext cx="182880" cy="146304"/>
+                    </a:xfrm>
+                    <a:prstGeom prst="rect">
+                      <a:avLst/>
+                    </a:prstGeom>
+                    <a:solidFill>
+                      <a:srgbClr val="FF6600"/>
+                    </a:solidFill>
+                    <a:ln w="19050">
+                      <a:solidFill>
+                        <a:schemeClr val="tx1"/>
+                      </a:solidFill>
+                    </a:ln>
+                  </p:spPr>
+                  <p:style>
+                    <a:lnRef idx="2">
+                      <a:schemeClr val="accent1">
+                        <a:shade val="50000"/>
+                      </a:schemeClr>
+                    </a:lnRef>
+                    <a:fillRef idx="1">
+                      <a:schemeClr val="accent1"/>
+                    </a:fillRef>
+                    <a:effectRef idx="0">
+                      <a:schemeClr val="accent1"/>
+                    </a:effectRef>
+                    <a:fontRef idx="minor">
+                      <a:schemeClr val="lt1"/>
+                    </a:fontRef>
+                  </p:style>
+                  <p:txBody>
+                    <a:bodyPr rtlCol="0" anchor="ctr"/>
+                    <a:lstStyle/>
+                    <a:p>
+                      <a:pPr algn="ctr"/>
+                      <a:endParaRPr lang="en-US"/>
+                    </a:p>
+                  </p:txBody>
+                </p:sp>
+              </p:grpSp>
+              <p:sp>
+                <p:nvSpPr>
+                  <p:cNvPr id="80" name="Rectangle 79">
+                    <a:extLst>
+                      <a:ext uri="{FF2B5EF4-FFF2-40B4-BE49-F238E27FC236}">
+                        <a16:creationId xmlns:a16="http://schemas.microsoft.com/office/drawing/2014/main" id="{3686C7F8-12A7-5068-06C6-3C20B5CA6C5F}"/>
+                      </a:ext>
+                    </a:extLst>
+                  </p:cNvPr>
+                  <p:cNvSpPr/>
+                  <p:nvPr/>
+                </p:nvSpPr>
+                <p:spPr>
+                  <a:xfrm>
+                    <a:off x="7348786" y="8529758"/>
+                    <a:ext cx="182880" cy="146304"/>
+                  </a:xfrm>
+                  <a:prstGeom prst="rect">
+                    <a:avLst/>
+                  </a:prstGeom>
+                  <a:solidFill>
+                    <a:srgbClr val="3366FF"/>
+                  </a:solidFill>
+                  <a:ln w="19050">
+                    <a:solidFill>
+                      <a:schemeClr val="tx1"/>
+                    </a:solidFill>
+                  </a:ln>
+                </p:spPr>
+                <p:style>
+                  <a:lnRef idx="2">
+                    <a:schemeClr val="accent1">
+                      <a:shade val="50000"/>
+                    </a:schemeClr>
+                  </a:lnRef>
+                  <a:fillRef idx="1">
+                    <a:schemeClr val="accent1"/>
+                  </a:fillRef>
+                  <a:effectRef idx="0">
+                    <a:schemeClr val="accent1"/>
+                  </a:effectRef>
+                  <a:fontRef idx="minor">
+                    <a:schemeClr val="lt1"/>
+                  </a:fontRef>
+                </p:style>
+                <p:txBody>
+                  <a:bodyPr rtlCol="0" anchor="ctr"/>
+                  <a:lstStyle/>
+                  <a:p>
+                    <a:pPr algn="ctr"/>
+                    <a:endParaRPr lang="en-US"/>
+                  </a:p>
+                </p:txBody>
+              </p:sp>
+            </p:grpSp>
+          </p:grpSp>
+        </p:grpSp>
+        <p:grpSp>
+          <p:nvGrpSpPr>
+            <p:cNvPr id="16" name="Group 15">
+              <a:extLst>
+                <a:ext uri="{FF2B5EF4-FFF2-40B4-BE49-F238E27FC236}">
+                  <a16:creationId xmlns:a16="http://schemas.microsoft.com/office/drawing/2014/main" id="{654727D1-0AF1-5F84-89B9-2678843E592C}"/>
+                </a:ext>
+              </a:extLst>
+            </p:cNvPr>
+            <p:cNvGrpSpPr/>
+            <p:nvPr/>
+          </p:nvGrpSpPr>
+          <p:grpSpPr>
+            <a:xfrm>
+              <a:off x="10209588" y="7106042"/>
+              <a:ext cx="2834640" cy="1774220"/>
+              <a:chOff x="10215761" y="5751210"/>
+              <a:chExt cx="2834640" cy="1774220"/>
+            </a:xfrm>
+          </p:grpSpPr>
+          <p:grpSp>
+            <p:nvGrpSpPr>
+              <p:cNvPr id="57" name="Group 56">
+                <a:extLst>
+                  <a:ext uri="{FF2B5EF4-FFF2-40B4-BE49-F238E27FC236}">
+                    <a16:creationId xmlns:a16="http://schemas.microsoft.com/office/drawing/2014/main" id="{B8CC2C5E-FC23-7749-F280-4E2B2FBBBB0F}"/>
+                  </a:ext>
+                </a:extLst>
+              </p:cNvPr>
+              <p:cNvGrpSpPr/>
+              <p:nvPr/>
+            </p:nvGrpSpPr>
+            <p:grpSpPr>
+              <a:xfrm>
+                <a:off x="10215761" y="5751210"/>
+                <a:ext cx="2834640" cy="1774220"/>
+                <a:chOff x="10174736" y="2721580"/>
+                <a:chExt cx="2834640" cy="1774220"/>
+              </a:xfrm>
+            </p:grpSpPr>
+            <p:sp>
+              <p:nvSpPr>
+                <p:cNvPr id="62" name="Rectangle 61">
+                  <a:extLst>
+                    <a:ext uri="{FF2B5EF4-FFF2-40B4-BE49-F238E27FC236}">
+                      <a16:creationId xmlns:a16="http://schemas.microsoft.com/office/drawing/2014/main" id="{A27FD87A-00FE-5655-032F-DFAD7F6F1B11}"/>
+                    </a:ext>
+                  </a:extLst>
+                </p:cNvPr>
+                <p:cNvSpPr/>
+                <p:nvPr/>
+              </p:nvSpPr>
+              <p:spPr>
+                <a:xfrm>
+                  <a:off x="10180586" y="2721580"/>
+                  <a:ext cx="2828790" cy="1774220"/>
+                </a:xfrm>
+                <a:prstGeom prst="rect">
+                  <a:avLst/>
+                </a:prstGeom>
+                <a:solidFill>
+                  <a:srgbClr val="FF7C80">
+                    <a:alpha val="75000"/>
+                  </a:srgbClr>
+                </a:solidFill>
+                <a:ln w="38100">
+                  <a:solidFill>
+                    <a:srgbClr val="FF5050"/>
+                  </a:solidFill>
+                </a:ln>
+              </p:spPr>
+              <p:style>
+                <a:lnRef idx="2">
+                  <a:schemeClr val="accent1">
+                    <a:shade val="50000"/>
+                  </a:schemeClr>
+                </a:lnRef>
+                <a:fillRef idx="1">
+                  <a:schemeClr val="accent1"/>
+                </a:fillRef>
+                <a:effectRef idx="0">
+                  <a:schemeClr val="accent1"/>
+                </a:effectRef>
+                <a:fontRef idx="minor">
+                  <a:schemeClr val="lt1"/>
+                </a:fontRef>
+              </p:style>
+              <p:txBody>
+                <a:bodyPr rtlCol="0" anchor="ctr"/>
+                <a:lstStyle/>
+                <a:p>
+                  <a:pPr algn="ctr"/>
+                  <a:endParaRPr lang="en-US"/>
+                </a:p>
+              </p:txBody>
+            </p:sp>
+            <p:sp>
+              <p:nvSpPr>
+                <p:cNvPr id="63" name="TextBox 62">
+                  <a:extLst>
+                    <a:ext uri="{FF2B5EF4-FFF2-40B4-BE49-F238E27FC236}">
+                      <a16:creationId xmlns:a16="http://schemas.microsoft.com/office/drawing/2014/main" id="{90E6333D-4B0A-25F3-E502-040637EAC835}"/>
+                    </a:ext>
+                  </a:extLst>
+                </p:cNvPr>
+                <p:cNvSpPr txBox="1"/>
+                <p:nvPr/>
+              </p:nvSpPr>
+              <p:spPr>
+                <a:xfrm>
+                  <a:off x="10174736" y="3359557"/>
+                  <a:ext cx="872836" cy="276999"/>
+                </a:xfrm>
+                <a:prstGeom prst="rect">
+                  <a:avLst/>
+                </a:prstGeom>
+                <a:noFill/>
+              </p:spPr>
+              <p:txBody>
+                <a:bodyPr wrap="square" rtlCol="0">
+                  <a:spAutoFit/>
+                </a:bodyPr>
+                <a:lstStyle/>
+                <a:p>
+                  <a:r>
+                    <a:rPr lang="en-US" sz="1200" dirty="0"/>
+                    <a:t>Sample 1</a:t>
+                  </a:r>
+                </a:p>
+              </p:txBody>
+            </p:sp>
+            <p:sp>
+              <p:nvSpPr>
+                <p:cNvPr id="64" name="TextBox 63">
+                  <a:extLst>
+                    <a:ext uri="{FF2B5EF4-FFF2-40B4-BE49-F238E27FC236}">
+                      <a16:creationId xmlns:a16="http://schemas.microsoft.com/office/drawing/2014/main" id="{DD393656-A89A-4E95-9CE3-BF0DBEEACB0E}"/>
+                    </a:ext>
+                  </a:extLst>
+                </p:cNvPr>
+                <p:cNvSpPr txBox="1"/>
+                <p:nvPr/>
+              </p:nvSpPr>
+              <p:spPr>
+                <a:xfrm>
+                  <a:off x="10174736" y="3743739"/>
+                  <a:ext cx="872836" cy="276999"/>
+                </a:xfrm>
+                <a:prstGeom prst="rect">
+                  <a:avLst/>
+                </a:prstGeom>
+                <a:noFill/>
+              </p:spPr>
+              <p:txBody>
+                <a:bodyPr wrap="square" rtlCol="0">
+                  <a:spAutoFit/>
+                </a:bodyPr>
+                <a:lstStyle/>
+                <a:p>
+                  <a:r>
+                    <a:rPr lang="en-US" sz="1200" dirty="0"/>
+                    <a:t>Sample 2</a:t>
+                  </a:r>
+                </a:p>
+              </p:txBody>
+            </p:sp>
+            <p:sp>
+              <p:nvSpPr>
+                <p:cNvPr id="65" name="TextBox 64">
+                  <a:extLst>
+                    <a:ext uri="{FF2B5EF4-FFF2-40B4-BE49-F238E27FC236}">
+                      <a16:creationId xmlns:a16="http://schemas.microsoft.com/office/drawing/2014/main" id="{9E368BEC-F17F-A1D1-A3F9-8A2E74639D5A}"/>
+                    </a:ext>
+                  </a:extLst>
+                </p:cNvPr>
+                <p:cNvSpPr txBox="1"/>
+                <p:nvPr/>
+              </p:nvSpPr>
+              <p:spPr>
+                <a:xfrm>
+                  <a:off x="10174736" y="4082830"/>
+                  <a:ext cx="872836" cy="276999"/>
+                </a:xfrm>
+                <a:prstGeom prst="rect">
+                  <a:avLst/>
+                </a:prstGeom>
+                <a:noFill/>
+              </p:spPr>
+              <p:txBody>
+                <a:bodyPr wrap="square" rtlCol="0">
+                  <a:spAutoFit/>
+                </a:bodyPr>
+                <a:lstStyle/>
+                <a:p>
+                  <a:r>
+                    <a:rPr lang="en-US" sz="1200" dirty="0"/>
+                    <a:t>Sample 3</a:t>
+                  </a:r>
+                </a:p>
+              </p:txBody>
+            </p:sp>
+            <p:sp>
+              <p:nvSpPr>
+                <p:cNvPr id="66" name="TextBox 65">
+                  <a:extLst>
+                    <a:ext uri="{FF2B5EF4-FFF2-40B4-BE49-F238E27FC236}">
+                      <a16:creationId xmlns:a16="http://schemas.microsoft.com/office/drawing/2014/main" id="{B03F60EE-16C9-09AB-B369-506BD546CE89}"/>
+                    </a:ext>
+                  </a:extLst>
+                </p:cNvPr>
+                <p:cNvSpPr txBox="1"/>
+                <p:nvPr/>
+              </p:nvSpPr>
+              <p:spPr>
+                <a:xfrm>
+                  <a:off x="10799513" y="2721580"/>
+                  <a:ext cx="1277478" cy="646331"/>
+                </a:xfrm>
+                <a:prstGeom prst="rect">
+                  <a:avLst/>
+                </a:prstGeom>
+                <a:noFill/>
+              </p:spPr>
+              <p:txBody>
+                <a:bodyPr wrap="square" rtlCol="0">
+                  <a:spAutoFit/>
+                </a:bodyPr>
+                <a:lstStyle/>
+                <a:p>
+                  <a:pPr algn="ctr"/>
+                  <a:r>
+                    <a:rPr lang="en-US" sz="1200" dirty="0"/>
+                    <a:t>Individual Barcode</a:t>
+                  </a:r>
+                </a:p>
+                <a:p>
+                  <a:pPr algn="ctr"/>
+                  <a:r>
+                    <a:rPr lang="en-US" sz="1200" dirty="0"/>
+                    <a:t>(ligation adaptor)</a:t>
+                  </a:r>
+                </a:p>
+              </p:txBody>
+            </p:sp>
+            <p:sp>
+              <p:nvSpPr>
+                <p:cNvPr id="67" name="TextBox 66">
+                  <a:extLst>
+                    <a:ext uri="{FF2B5EF4-FFF2-40B4-BE49-F238E27FC236}">
+                      <a16:creationId xmlns:a16="http://schemas.microsoft.com/office/drawing/2014/main" id="{E399C70F-80E7-08E6-5320-FE51A549E1A9}"/>
+                    </a:ext>
+                  </a:extLst>
+                </p:cNvPr>
+                <p:cNvSpPr txBox="1"/>
+                <p:nvPr/>
+              </p:nvSpPr>
+              <p:spPr>
+                <a:xfrm>
+                  <a:off x="11942090" y="2906246"/>
+                  <a:ext cx="1067286" cy="461665"/>
+                </a:xfrm>
+                <a:prstGeom prst="rect">
+                  <a:avLst/>
+                </a:prstGeom>
+                <a:noFill/>
+              </p:spPr>
+              <p:txBody>
+                <a:bodyPr wrap="square" rtlCol="0">
+                  <a:spAutoFit/>
+                </a:bodyPr>
+                <a:lstStyle/>
+                <a:p>
+                  <a:pPr algn="ctr"/>
+                  <a:r>
+                    <a:rPr lang="en-US" sz="1200" dirty="0"/>
+                    <a:t>Pool barcode</a:t>
+                  </a:r>
+                </a:p>
+                <a:p>
+                  <a:pPr algn="ctr"/>
+                  <a:r>
+                    <a:rPr lang="en-US" sz="1200" dirty="0"/>
+                    <a:t>(PCR adaptor)</a:t>
+                  </a:r>
+                </a:p>
+              </p:txBody>
+            </p:sp>
+            <p:sp>
+              <p:nvSpPr>
+                <p:cNvPr id="68" name="Rectangle 67">
+                  <a:extLst>
+                    <a:ext uri="{FF2B5EF4-FFF2-40B4-BE49-F238E27FC236}">
+                      <a16:creationId xmlns:a16="http://schemas.microsoft.com/office/drawing/2014/main" id="{A64C2E76-81DB-DB00-1869-A5848595B041}"/>
+                    </a:ext>
+                  </a:extLst>
+                </p:cNvPr>
+                <p:cNvSpPr/>
+                <p:nvPr/>
+              </p:nvSpPr>
+              <p:spPr>
+                <a:xfrm>
+                  <a:off x="11281523" y="3387406"/>
+                  <a:ext cx="313458" cy="237093"/>
+                </a:xfrm>
+                <a:prstGeom prst="rect">
+                  <a:avLst/>
+                </a:prstGeom>
+                <a:solidFill>
+                  <a:srgbClr val="FF3399"/>
+                </a:solidFill>
+                <a:ln w="19050">
+                  <a:solidFill>
+                    <a:schemeClr val="tx1"/>
+                  </a:solidFill>
+                </a:ln>
+              </p:spPr>
+              <p:style>
+                <a:lnRef idx="2">
+                  <a:schemeClr val="accent1">
+                    <a:shade val="50000"/>
+                  </a:schemeClr>
+                </a:lnRef>
+                <a:fillRef idx="1">
+                  <a:schemeClr val="accent1"/>
+                </a:fillRef>
+                <a:effectRef idx="0">
+                  <a:schemeClr val="accent1"/>
+                </a:effectRef>
+                <a:fontRef idx="minor">
+                  <a:schemeClr val="lt1"/>
+                </a:fontRef>
+              </p:style>
+              <p:txBody>
+                <a:bodyPr rtlCol="0" anchor="ctr"/>
+                <a:lstStyle/>
+                <a:p>
+                  <a:pPr algn="ctr"/>
+                  <a:endParaRPr lang="en-US"/>
+                </a:p>
+              </p:txBody>
+            </p:sp>
+            <p:sp>
+              <p:nvSpPr>
+                <p:cNvPr id="69" name="Rectangle 68">
+                  <a:extLst>
+                    <a:ext uri="{FF2B5EF4-FFF2-40B4-BE49-F238E27FC236}">
+                      <a16:creationId xmlns:a16="http://schemas.microsoft.com/office/drawing/2014/main" id="{94C279F2-87BD-659B-F200-4BEECF8845E6}"/>
+                    </a:ext>
+                  </a:extLst>
+                </p:cNvPr>
+                <p:cNvSpPr/>
+                <p:nvPr/>
+              </p:nvSpPr>
+              <p:spPr>
+                <a:xfrm>
+                  <a:off x="11281523" y="3752911"/>
+                  <a:ext cx="313458" cy="237093"/>
+                </a:xfrm>
+                <a:prstGeom prst="rect">
+                  <a:avLst/>
+                </a:prstGeom>
+                <a:solidFill>
+                  <a:srgbClr val="9933FF"/>
+                </a:solidFill>
+                <a:ln w="19050">
+                  <a:solidFill>
+                    <a:schemeClr val="tx1"/>
+                  </a:solidFill>
+                </a:ln>
+              </p:spPr>
+              <p:style>
+                <a:lnRef idx="2">
+                  <a:schemeClr val="accent1">
+                    <a:shade val="50000"/>
+                  </a:schemeClr>
+                </a:lnRef>
+                <a:fillRef idx="1">
+                  <a:schemeClr val="accent1"/>
+                </a:fillRef>
+                <a:effectRef idx="0">
+                  <a:schemeClr val="accent1"/>
+                </a:effectRef>
+                <a:fontRef idx="minor">
+                  <a:schemeClr val="lt1"/>
+                </a:fontRef>
+              </p:style>
+              <p:txBody>
+                <a:bodyPr rtlCol="0" anchor="ctr"/>
+                <a:lstStyle/>
+                <a:p>
+                  <a:pPr algn="ctr"/>
+                  <a:endParaRPr lang="en-US"/>
+                </a:p>
+              </p:txBody>
+            </p:sp>
+            <p:sp>
+              <p:nvSpPr>
+                <p:cNvPr id="70" name="Rectangle 69">
+                  <a:extLst>
+                    <a:ext uri="{FF2B5EF4-FFF2-40B4-BE49-F238E27FC236}">
+                      <a16:creationId xmlns:a16="http://schemas.microsoft.com/office/drawing/2014/main" id="{1A09B8A0-C6C6-F7CF-ED7F-6B8CEA0C28AE}"/>
+                    </a:ext>
+                  </a:extLst>
+                </p:cNvPr>
+                <p:cNvSpPr/>
+                <p:nvPr/>
+              </p:nvSpPr>
+              <p:spPr>
+                <a:xfrm>
+                  <a:off x="11281523" y="4102782"/>
+                  <a:ext cx="313458" cy="237093"/>
+                </a:xfrm>
+                <a:prstGeom prst="rect">
+                  <a:avLst/>
+                </a:prstGeom>
+                <a:solidFill>
+                  <a:srgbClr val="FF6600"/>
+                </a:solidFill>
+                <a:ln w="19050">
+                  <a:solidFill>
+                    <a:schemeClr val="tx1"/>
+                  </a:solidFill>
+                </a:ln>
+              </p:spPr>
+              <p:style>
+                <a:lnRef idx="2">
+                  <a:schemeClr val="accent1">
+                    <a:shade val="50000"/>
+                  </a:schemeClr>
+                </a:lnRef>
+                <a:fillRef idx="1">
+                  <a:schemeClr val="accent1"/>
+                </a:fillRef>
+                <a:effectRef idx="0">
+                  <a:schemeClr val="accent1"/>
+                </a:effectRef>
+                <a:fontRef idx="minor">
+                  <a:schemeClr val="lt1"/>
+                </a:fontRef>
+              </p:style>
+              <p:txBody>
+                <a:bodyPr rtlCol="0" anchor="ctr"/>
+                <a:lstStyle/>
+                <a:p>
+                  <a:pPr algn="ctr"/>
+                  <a:endParaRPr lang="en-US"/>
+                </a:p>
+              </p:txBody>
+            </p:sp>
+          </p:grpSp>
+          <p:grpSp>
+            <p:nvGrpSpPr>
+              <p:cNvPr id="58" name="Group 57">
+                <a:extLst>
+                  <a:ext uri="{FF2B5EF4-FFF2-40B4-BE49-F238E27FC236}">
+                    <a16:creationId xmlns:a16="http://schemas.microsoft.com/office/drawing/2014/main" id="{DED51B3C-B73F-DDE9-62D3-DE48C4B2F3B0}"/>
+                  </a:ext>
+                </a:extLst>
+              </p:cNvPr>
+              <p:cNvGrpSpPr/>
+              <p:nvPr/>
+            </p:nvGrpSpPr>
+            <p:grpSpPr>
+              <a:xfrm>
+                <a:off x="12357104" y="6422197"/>
+                <a:ext cx="313458" cy="947308"/>
+                <a:chOff x="12357104" y="6422197"/>
+                <a:chExt cx="313458" cy="947308"/>
+              </a:xfrm>
+            </p:grpSpPr>
+            <p:sp>
+              <p:nvSpPr>
+                <p:cNvPr id="59" name="Rectangle 58">
+                  <a:extLst>
+                    <a:ext uri="{FF2B5EF4-FFF2-40B4-BE49-F238E27FC236}">
+                      <a16:creationId xmlns:a16="http://schemas.microsoft.com/office/drawing/2014/main" id="{367F2235-A939-F5C1-943C-21D87E1E2488}"/>
+                    </a:ext>
+                  </a:extLst>
+                </p:cNvPr>
+                <p:cNvSpPr/>
+                <p:nvPr/>
+              </p:nvSpPr>
+              <p:spPr>
+                <a:xfrm>
+                  <a:off x="12357104" y="6422197"/>
+                  <a:ext cx="313458" cy="237093"/>
+                </a:xfrm>
+                <a:prstGeom prst="rect">
+                  <a:avLst/>
+                </a:prstGeom>
+                <a:solidFill>
+                  <a:srgbClr val="99CCFF"/>
+                </a:solidFill>
+                <a:ln w="19050">
+                  <a:solidFill>
+                    <a:schemeClr val="tx1"/>
+                  </a:solidFill>
+                </a:ln>
+              </p:spPr>
+              <p:style>
+                <a:lnRef idx="2">
+                  <a:schemeClr val="accent1">
+                    <a:shade val="50000"/>
+                  </a:schemeClr>
+                </a:lnRef>
+                <a:fillRef idx="1">
+                  <a:schemeClr val="accent1"/>
+                </a:fillRef>
+                <a:effectRef idx="0">
+                  <a:schemeClr val="accent1"/>
+                </a:effectRef>
+                <a:fontRef idx="minor">
+                  <a:schemeClr val="lt1"/>
+                </a:fontRef>
+              </p:style>
+              <p:txBody>
+                <a:bodyPr rtlCol="0" anchor="ctr"/>
+                <a:lstStyle/>
+                <a:p>
+                  <a:pPr algn="ctr"/>
+                  <a:endParaRPr lang="en-US"/>
+                </a:p>
+              </p:txBody>
+            </p:sp>
+            <p:sp>
+              <p:nvSpPr>
+                <p:cNvPr id="60" name="Rectangle 59">
+                  <a:extLst>
+                    <a:ext uri="{FF2B5EF4-FFF2-40B4-BE49-F238E27FC236}">
+                      <a16:creationId xmlns:a16="http://schemas.microsoft.com/office/drawing/2014/main" id="{55B34E0B-8369-AF95-3116-023D88CA1855}"/>
+                    </a:ext>
+                  </a:extLst>
+                </p:cNvPr>
+                <p:cNvSpPr/>
+                <p:nvPr/>
+              </p:nvSpPr>
+              <p:spPr>
+                <a:xfrm>
+                  <a:off x="12357104" y="6785461"/>
+                  <a:ext cx="313458" cy="237093"/>
+                </a:xfrm>
+                <a:prstGeom prst="rect">
+                  <a:avLst/>
+                </a:prstGeom>
+                <a:solidFill>
+                  <a:srgbClr val="99CCFF"/>
+                </a:solidFill>
+                <a:ln w="19050">
+                  <a:solidFill>
+                    <a:schemeClr val="tx1"/>
+                  </a:solidFill>
+                </a:ln>
+              </p:spPr>
+              <p:style>
+                <a:lnRef idx="2">
+                  <a:schemeClr val="accent1">
+                    <a:shade val="50000"/>
+                  </a:schemeClr>
+                </a:lnRef>
+                <a:fillRef idx="1">
+                  <a:schemeClr val="accent1"/>
+                </a:fillRef>
+                <a:effectRef idx="0">
+                  <a:schemeClr val="accent1"/>
+                </a:effectRef>
+                <a:fontRef idx="minor">
+                  <a:schemeClr val="lt1"/>
+                </a:fontRef>
+              </p:style>
+              <p:txBody>
+                <a:bodyPr rtlCol="0" anchor="ctr"/>
+                <a:lstStyle/>
+                <a:p>
+                  <a:pPr algn="ctr"/>
+                  <a:endParaRPr lang="en-US"/>
+                </a:p>
+              </p:txBody>
+            </p:sp>
+            <p:sp>
+              <p:nvSpPr>
+                <p:cNvPr id="61" name="Rectangle 60">
+                  <a:extLst>
+                    <a:ext uri="{FF2B5EF4-FFF2-40B4-BE49-F238E27FC236}">
+                      <a16:creationId xmlns:a16="http://schemas.microsoft.com/office/drawing/2014/main" id="{946E5200-F14D-D6EE-4CD1-02A6C78E8DD6}"/>
+                    </a:ext>
+                  </a:extLst>
+                </p:cNvPr>
+                <p:cNvSpPr/>
+                <p:nvPr/>
+              </p:nvSpPr>
+              <p:spPr>
+                <a:xfrm>
+                  <a:off x="12357104" y="7132412"/>
+                  <a:ext cx="313458" cy="237093"/>
+                </a:xfrm>
+                <a:prstGeom prst="rect">
+                  <a:avLst/>
+                </a:prstGeom>
+                <a:solidFill>
+                  <a:srgbClr val="3366FF"/>
+                </a:solidFill>
+                <a:ln w="19050">
+                  <a:solidFill>
+                    <a:schemeClr val="tx1"/>
+                  </a:solidFill>
+                </a:ln>
+              </p:spPr>
+              <p:style>
+                <a:lnRef idx="2">
+                  <a:schemeClr val="accent1">
+                    <a:shade val="50000"/>
+                  </a:schemeClr>
+                </a:lnRef>
+                <a:fillRef idx="1">
+                  <a:schemeClr val="accent1"/>
+                </a:fillRef>
+                <a:effectRef idx="0">
+                  <a:schemeClr val="accent1"/>
+                </a:effectRef>
+                <a:fontRef idx="minor">
+                  <a:schemeClr val="lt1"/>
+                </a:fontRef>
+              </p:style>
+              <p:txBody>
+                <a:bodyPr rtlCol="0" anchor="ctr"/>
+                <a:lstStyle/>
+                <a:p>
+                  <a:pPr algn="ctr"/>
+                  <a:endParaRPr lang="en-US"/>
+                </a:p>
+              </p:txBody>
+            </p:sp>
+          </p:grpSp>
+        </p:grpSp>
+        <p:sp>
+          <p:nvSpPr>
+            <p:cNvPr id="17" name="Rectangle 16">
+              <a:extLst>
+                <a:ext uri="{FF2B5EF4-FFF2-40B4-BE49-F238E27FC236}">
+                  <a16:creationId xmlns:a16="http://schemas.microsoft.com/office/drawing/2014/main" id="{CA5CF06B-49F6-9160-03B5-24FD47F3A056}"/>
+                </a:ext>
+              </a:extLst>
+            </p:cNvPr>
+            <p:cNvSpPr/>
+            <p:nvPr/>
+          </p:nvSpPr>
+          <p:spPr>
+            <a:xfrm>
+              <a:off x="2565513" y="5486290"/>
+              <a:ext cx="5940534" cy="719281"/>
+            </a:xfrm>
+            <a:prstGeom prst="rect">
+              <a:avLst/>
+            </a:prstGeom>
+            <a:solidFill>
+              <a:srgbClr val="99CCFF">
+                <a:alpha val="75000"/>
+              </a:srgbClr>
+            </a:solidFill>
+            <a:ln w="19050">
+              <a:solidFill>
+                <a:schemeClr val="tx1"/>
+              </a:solidFill>
+            </a:ln>
+          </p:spPr>
+          <p:style>
+            <a:lnRef idx="2">
+              <a:schemeClr val="accent1">
+                <a:shade val="50000"/>
+              </a:schemeClr>
+            </a:lnRef>
+            <a:fillRef idx="1">
+              <a:schemeClr val="accent1"/>
+            </a:fillRef>
+            <a:effectRef idx="0">
+              <a:schemeClr val="accent1"/>
+            </a:effectRef>
+            <a:fontRef idx="minor">
+              <a:schemeClr val="lt1"/>
+            </a:fontRef>
+          </p:style>
+          <p:txBody>
+            <a:bodyPr rtlCol="0" anchor="ctr"/>
+            <a:lstStyle/>
+            <a:p>
+              <a:pPr algn="ctr"/>
+              <a:endParaRPr lang="en-US"/>
+            </a:p>
+          </p:txBody>
+        </p:sp>
+        <p:cxnSp>
+          <p:nvCxnSpPr>
+            <p:cNvPr id="18" name="Elbow Connector 316">
+              <a:extLst>
+                <a:ext uri="{FF2B5EF4-FFF2-40B4-BE49-F238E27FC236}">
+                  <a16:creationId xmlns:a16="http://schemas.microsoft.com/office/drawing/2014/main" id="{7737F8A4-086A-E03B-0DDE-8BAD8940C071}"/>
+                </a:ext>
+              </a:extLst>
+            </p:cNvPr>
+            <p:cNvCxnSpPr>
+              <a:stCxn id="14" idx="3"/>
+              <a:endCxn id="62" idx="1"/>
+            </p:cNvCxnSpPr>
+            <p:nvPr/>
+          </p:nvCxnSpPr>
+          <p:spPr>
+            <a:xfrm>
+              <a:off x="6170217" y="7084200"/>
+              <a:ext cx="4045221" cy="908952"/>
+            </a:xfrm>
+            <a:prstGeom prst="bentConnector3">
+              <a:avLst>
+                <a:gd name="adj1" fmla="val 93106"/>
+              </a:avLst>
+            </a:prstGeom>
+            <a:ln w="38100">
+              <a:solidFill>
+                <a:schemeClr val="tx1"/>
+              </a:solidFill>
+              <a:tailEnd type="triangle"/>
+            </a:ln>
+          </p:spPr>
+          <p:style>
+            <a:lnRef idx="1">
+              <a:schemeClr val="accent1"/>
+            </a:lnRef>
+            <a:fillRef idx="0">
+              <a:schemeClr val="accent1"/>
+            </a:fillRef>
+            <a:effectRef idx="0">
+              <a:schemeClr val="accent1"/>
+            </a:effectRef>
+            <a:fontRef idx="minor">
+              <a:schemeClr val="tx1"/>
+            </a:fontRef>
+          </p:style>
+        </p:cxnSp>
+        <p:sp>
+          <p:nvSpPr>
+            <p:cNvPr id="19" name="TextBox 18">
+              <a:extLst>
+                <a:ext uri="{FF2B5EF4-FFF2-40B4-BE49-F238E27FC236}">
+                  <a16:creationId xmlns:a16="http://schemas.microsoft.com/office/drawing/2014/main" id="{D37D2832-1DF1-9622-BA19-8605DC6E85EC}"/>
+                </a:ext>
+              </a:extLst>
+            </p:cNvPr>
+            <p:cNvSpPr txBox="1"/>
+            <p:nvPr/>
+          </p:nvSpPr>
+          <p:spPr>
+            <a:xfrm>
+              <a:off x="6486179" y="6754068"/>
+              <a:ext cx="3315046" cy="307777"/>
+            </a:xfrm>
+            <a:prstGeom prst="rect">
+              <a:avLst/>
+            </a:prstGeom>
+            <a:noFill/>
+          </p:spPr>
+          <p:txBody>
+            <a:bodyPr wrap="square" rtlCol="0">
+              <a:spAutoFit/>
+            </a:bodyPr>
+            <a:lstStyle/>
+            <a:p>
+              <a:r>
+                <a:rPr lang="en-US" sz="1400" b="1" dirty="0"/>
+                <a:t>Record the barcodes for each individual!</a:t>
+              </a:r>
+            </a:p>
+          </p:txBody>
+        </p:sp>
+        <p:sp>
+          <p:nvSpPr>
+            <p:cNvPr id="20" name="Rectangle 19">
+              <a:extLst>
+                <a:ext uri="{FF2B5EF4-FFF2-40B4-BE49-F238E27FC236}">
+                  <a16:creationId xmlns:a16="http://schemas.microsoft.com/office/drawing/2014/main" id="{0FEFA41B-73A3-F817-55AC-56B618011DAE}"/>
+                </a:ext>
+              </a:extLst>
+            </p:cNvPr>
+            <p:cNvSpPr/>
+            <p:nvPr/>
+          </p:nvSpPr>
+          <p:spPr>
+            <a:xfrm>
+              <a:off x="2565512" y="6246930"/>
+              <a:ext cx="5940535" cy="304369"/>
+            </a:xfrm>
+            <a:prstGeom prst="rect">
+              <a:avLst/>
+            </a:prstGeom>
+            <a:solidFill>
+              <a:srgbClr val="3366FF">
+                <a:alpha val="75000"/>
+              </a:srgbClr>
+            </a:solidFill>
+            <a:ln w="19050">
+              <a:solidFill>
+                <a:schemeClr val="tx1"/>
+              </a:solidFill>
+            </a:ln>
+          </p:spPr>
+          <p:style>
+            <a:lnRef idx="2">
+              <a:schemeClr val="accent1">
+                <a:shade val="50000"/>
+              </a:schemeClr>
+            </a:lnRef>
+            <a:fillRef idx="1">
+              <a:schemeClr val="accent1"/>
+            </a:fillRef>
+            <a:effectRef idx="0">
+              <a:schemeClr val="accent1"/>
+            </a:effectRef>
+            <a:fontRef idx="minor">
+              <a:schemeClr val="lt1"/>
+            </a:fontRef>
+          </p:style>
+          <p:txBody>
+            <a:bodyPr rtlCol="0" anchor="ctr"/>
+            <a:lstStyle/>
+            <a:p>
+              <a:pPr algn="ctr"/>
+              <a:endParaRPr lang="en-US"/>
+            </a:p>
+          </p:txBody>
+        </p:sp>
+        <p:grpSp>
+          <p:nvGrpSpPr>
+            <p:cNvPr id="21" name="Group 20">
+              <a:extLst>
+                <a:ext uri="{FF2B5EF4-FFF2-40B4-BE49-F238E27FC236}">
+                  <a16:creationId xmlns:a16="http://schemas.microsoft.com/office/drawing/2014/main" id="{4A703658-8366-7991-A217-3625B847545C}"/>
+                </a:ext>
+              </a:extLst>
+            </p:cNvPr>
+            <p:cNvGrpSpPr/>
+            <p:nvPr/>
+          </p:nvGrpSpPr>
+          <p:grpSpPr>
+            <a:xfrm>
+              <a:off x="2565513" y="5511813"/>
+              <a:ext cx="4647334" cy="1025924"/>
+              <a:chOff x="3222738" y="5511813"/>
+              <a:chExt cx="4647334" cy="1025924"/>
+            </a:xfrm>
+          </p:grpSpPr>
+          <p:grpSp>
+            <p:nvGrpSpPr>
+              <p:cNvPr id="27" name="Group 26">
+                <a:extLst>
+                  <a:ext uri="{FF2B5EF4-FFF2-40B4-BE49-F238E27FC236}">
+                    <a16:creationId xmlns:a16="http://schemas.microsoft.com/office/drawing/2014/main" id="{53DC9FEE-55A7-F30E-9B5D-7E132D94E127}"/>
+                  </a:ext>
+                </a:extLst>
+              </p:cNvPr>
+              <p:cNvGrpSpPr/>
+              <p:nvPr/>
+            </p:nvGrpSpPr>
+            <p:grpSpPr>
+              <a:xfrm>
+                <a:off x="3222738" y="5511813"/>
+                <a:ext cx="4647334" cy="307777"/>
+                <a:chOff x="3222738" y="5511813"/>
+                <a:chExt cx="4647334" cy="307777"/>
+              </a:xfrm>
+            </p:grpSpPr>
+            <p:grpSp>
+              <p:nvGrpSpPr>
+                <p:cNvPr id="49" name="Group 48">
+                  <a:extLst>
+                    <a:ext uri="{FF2B5EF4-FFF2-40B4-BE49-F238E27FC236}">
+                      <a16:creationId xmlns:a16="http://schemas.microsoft.com/office/drawing/2014/main" id="{DA85BD3C-FC70-E9EB-7A03-E1B7B332729A}"/>
+                    </a:ext>
+                  </a:extLst>
+                </p:cNvPr>
+                <p:cNvGrpSpPr/>
+                <p:nvPr/>
+              </p:nvGrpSpPr>
+              <p:grpSpPr>
+                <a:xfrm>
+                  <a:off x="4450145" y="5593934"/>
+                  <a:ext cx="3419927" cy="146304"/>
+                  <a:chOff x="6621845" y="5593934"/>
+                  <a:chExt cx="3419927" cy="146304"/>
+                </a:xfrm>
+              </p:grpSpPr>
+              <p:grpSp>
+                <p:nvGrpSpPr>
+                  <p:cNvPr id="51" name="Group 50">
+                    <a:extLst>
+                      <a:ext uri="{FF2B5EF4-FFF2-40B4-BE49-F238E27FC236}">
+                        <a16:creationId xmlns:a16="http://schemas.microsoft.com/office/drawing/2014/main" id="{D6ACFF89-36B8-A0C4-E6C4-800CE8F5924D}"/>
+                      </a:ext>
+                    </a:extLst>
+                  </p:cNvPr>
+                  <p:cNvGrpSpPr/>
+                  <p:nvPr/>
+                </p:nvGrpSpPr>
+                <p:grpSpPr>
+                  <a:xfrm>
+                    <a:off x="6621845" y="5593934"/>
+                    <a:ext cx="1652087" cy="146304"/>
+                    <a:chOff x="6621845" y="3431416"/>
+                    <a:chExt cx="1652087" cy="146304"/>
+                  </a:xfrm>
+                </p:grpSpPr>
+                <p:sp>
+                  <p:nvSpPr>
+                    <p:cNvPr id="55" name="Rectangle 54">
+                      <a:extLst>
+                        <a:ext uri="{FF2B5EF4-FFF2-40B4-BE49-F238E27FC236}">
+                          <a16:creationId xmlns:a16="http://schemas.microsoft.com/office/drawing/2014/main" id="{29D69B3D-47B4-5325-BB4B-4CFC2A79BCB8}"/>
+                        </a:ext>
+                      </a:extLst>
+                    </p:cNvPr>
+                    <p:cNvSpPr/>
+                    <p:nvPr/>
+                  </p:nvSpPr>
+                  <p:spPr>
+                    <a:xfrm>
+                      <a:off x="6628012" y="3431416"/>
+                      <a:ext cx="1645920" cy="146304"/>
+                    </a:xfrm>
+                    <a:prstGeom prst="rect">
+                      <a:avLst/>
+                    </a:prstGeom>
+                    <a:solidFill>
+                      <a:schemeClr val="tx1"/>
+                    </a:solidFill>
+                    <a:ln w="19050">
+                      <a:solidFill>
+                        <a:schemeClr val="tx1"/>
+                      </a:solidFill>
+                    </a:ln>
+                  </p:spPr>
+                  <p:style>
+                    <a:lnRef idx="2">
+                      <a:schemeClr val="accent1">
+                        <a:shade val="50000"/>
+                      </a:schemeClr>
+                    </a:lnRef>
+                    <a:fillRef idx="1">
+                      <a:schemeClr val="accent1"/>
+                    </a:fillRef>
+                    <a:effectRef idx="0">
+                      <a:schemeClr val="accent1"/>
+                    </a:effectRef>
+                    <a:fontRef idx="minor">
+                      <a:schemeClr val="lt1"/>
+                    </a:fontRef>
+                  </p:style>
+                  <p:txBody>
+                    <a:bodyPr rtlCol="0" anchor="ctr"/>
+                    <a:lstStyle/>
+                    <a:p>
+                      <a:pPr algn="ctr"/>
+                      <a:endParaRPr lang="en-US"/>
+                    </a:p>
+                  </p:txBody>
+                </p:sp>
+                <p:sp>
+                  <p:nvSpPr>
+                    <p:cNvPr id="56" name="Rectangle 55">
+                      <a:extLst>
+                        <a:ext uri="{FF2B5EF4-FFF2-40B4-BE49-F238E27FC236}">
+                          <a16:creationId xmlns:a16="http://schemas.microsoft.com/office/drawing/2014/main" id="{7692329D-D8C7-6EEE-0CE5-81492AAE9A69}"/>
+                        </a:ext>
+                      </a:extLst>
+                    </p:cNvPr>
+                    <p:cNvSpPr/>
+                    <p:nvPr/>
+                  </p:nvSpPr>
+                  <p:spPr>
+                    <a:xfrm>
+                      <a:off x="6621845" y="3431416"/>
+                      <a:ext cx="182880" cy="146304"/>
+                    </a:xfrm>
+                    <a:prstGeom prst="rect">
+                      <a:avLst/>
+                    </a:prstGeom>
+                    <a:solidFill>
+                      <a:srgbClr val="FF3399"/>
+                    </a:solidFill>
+                    <a:ln w="19050">
+                      <a:solidFill>
+                        <a:schemeClr val="tx1"/>
+                      </a:solidFill>
+                    </a:ln>
+                  </p:spPr>
+                  <p:style>
+                    <a:lnRef idx="2">
+                      <a:schemeClr val="accent1">
+                        <a:shade val="50000"/>
+                      </a:schemeClr>
+                    </a:lnRef>
+                    <a:fillRef idx="1">
+                      <a:schemeClr val="accent1"/>
+                    </a:fillRef>
+                    <a:effectRef idx="0">
+                      <a:schemeClr val="accent1"/>
+                    </a:effectRef>
+                    <a:fontRef idx="minor">
+                      <a:schemeClr val="lt1"/>
+                    </a:fontRef>
+                  </p:style>
+                  <p:txBody>
+                    <a:bodyPr rtlCol="0" anchor="ctr"/>
+                    <a:lstStyle/>
+                    <a:p>
+                      <a:pPr algn="ctr"/>
+                      <a:endParaRPr lang="en-US"/>
+                    </a:p>
+                  </p:txBody>
+                </p:sp>
+              </p:grpSp>
+              <p:grpSp>
+                <p:nvGrpSpPr>
+                  <p:cNvPr id="52" name="Group 51">
+                    <a:extLst>
+                      <a:ext uri="{FF2B5EF4-FFF2-40B4-BE49-F238E27FC236}">
+                        <a16:creationId xmlns:a16="http://schemas.microsoft.com/office/drawing/2014/main" id="{5C5A19B5-6E73-D1C1-F439-D34C174D42A8}"/>
+                      </a:ext>
+                    </a:extLst>
+                  </p:cNvPr>
+                  <p:cNvGrpSpPr/>
+                  <p:nvPr/>
+                </p:nvGrpSpPr>
+                <p:grpSpPr>
+                  <a:xfrm>
+                    <a:off x="8487292" y="5593934"/>
+                    <a:ext cx="1554480" cy="146304"/>
+                    <a:chOff x="8487292" y="3431416"/>
+                    <a:chExt cx="1554480" cy="146304"/>
+                  </a:xfrm>
+                </p:grpSpPr>
+                <p:sp>
+                  <p:nvSpPr>
+                    <p:cNvPr id="53" name="Rectangle 52">
+                      <a:extLst>
+                        <a:ext uri="{FF2B5EF4-FFF2-40B4-BE49-F238E27FC236}">
+                          <a16:creationId xmlns:a16="http://schemas.microsoft.com/office/drawing/2014/main" id="{A91910F5-37A4-06D9-ECC0-9DDB6B541F4C}"/>
+                        </a:ext>
+                      </a:extLst>
+                    </p:cNvPr>
+                    <p:cNvSpPr/>
+                    <p:nvPr/>
+                  </p:nvSpPr>
+                  <p:spPr>
+                    <a:xfrm>
+                      <a:off x="8487292" y="3431416"/>
+                      <a:ext cx="1554480" cy="146304"/>
+                    </a:xfrm>
+                    <a:prstGeom prst="rect">
+                      <a:avLst/>
+                    </a:prstGeom>
+                    <a:solidFill>
+                      <a:schemeClr val="tx1"/>
+                    </a:solidFill>
+                    <a:ln w="19050">
+                      <a:solidFill>
+                        <a:schemeClr val="tx1"/>
+                      </a:solidFill>
+                    </a:ln>
+                  </p:spPr>
+                  <p:style>
+                    <a:lnRef idx="2">
+                      <a:schemeClr val="accent1">
+                        <a:shade val="50000"/>
+                      </a:schemeClr>
+                    </a:lnRef>
+                    <a:fillRef idx="1">
+                      <a:schemeClr val="accent1"/>
+                    </a:fillRef>
+                    <a:effectRef idx="0">
+                      <a:schemeClr val="accent1"/>
+                    </a:effectRef>
+                    <a:fontRef idx="minor">
+                      <a:schemeClr val="lt1"/>
+                    </a:fontRef>
+                  </p:style>
+                  <p:txBody>
+                    <a:bodyPr rtlCol="0" anchor="ctr"/>
+                    <a:lstStyle/>
+                    <a:p>
+                      <a:pPr algn="ctr"/>
+                      <a:endParaRPr lang="en-US"/>
+                    </a:p>
+                  </p:txBody>
+                </p:sp>
+                <p:sp>
+                  <p:nvSpPr>
+                    <p:cNvPr id="54" name="Rectangle 53">
+                      <a:extLst>
+                        <a:ext uri="{FF2B5EF4-FFF2-40B4-BE49-F238E27FC236}">
+                          <a16:creationId xmlns:a16="http://schemas.microsoft.com/office/drawing/2014/main" id="{172ACBA8-BD14-EFED-7A15-83A106CC0C62}"/>
+                        </a:ext>
+                      </a:extLst>
+                    </p:cNvPr>
+                    <p:cNvSpPr/>
+                    <p:nvPr/>
+                  </p:nvSpPr>
+                  <p:spPr>
+                    <a:xfrm>
+                      <a:off x="8490182" y="3431416"/>
+                      <a:ext cx="182880" cy="146304"/>
+                    </a:xfrm>
+                    <a:prstGeom prst="rect">
+                      <a:avLst/>
+                    </a:prstGeom>
+                    <a:solidFill>
+                      <a:srgbClr val="FF3399"/>
+                    </a:solidFill>
+                    <a:ln w="19050">
+                      <a:solidFill>
+                        <a:schemeClr val="tx1"/>
+                      </a:solidFill>
+                    </a:ln>
+                  </p:spPr>
+                  <p:style>
+                    <a:lnRef idx="2">
+                      <a:schemeClr val="accent1">
+                        <a:shade val="50000"/>
+                      </a:schemeClr>
+                    </a:lnRef>
+                    <a:fillRef idx="1">
+                      <a:schemeClr val="accent1"/>
+                    </a:fillRef>
+                    <a:effectRef idx="0">
+                      <a:schemeClr val="accent1"/>
+                    </a:effectRef>
+                    <a:fontRef idx="minor">
+                      <a:schemeClr val="lt1"/>
+                    </a:fontRef>
+                  </p:style>
+                  <p:txBody>
+                    <a:bodyPr rtlCol="0" anchor="ctr"/>
+                    <a:lstStyle/>
+                    <a:p>
+                      <a:pPr algn="ctr"/>
+                      <a:endParaRPr lang="en-US"/>
+                    </a:p>
+                  </p:txBody>
+                </p:sp>
+              </p:grpSp>
+            </p:grpSp>
+            <p:sp>
+              <p:nvSpPr>
+                <p:cNvPr id="50" name="TextBox 49">
+                  <a:extLst>
+                    <a:ext uri="{FF2B5EF4-FFF2-40B4-BE49-F238E27FC236}">
+                      <a16:creationId xmlns:a16="http://schemas.microsoft.com/office/drawing/2014/main" id="{85DC4A1C-2E7B-9E22-863E-D9F13FB04A5D}"/>
+                    </a:ext>
+                  </a:extLst>
+                </p:cNvPr>
+                <p:cNvSpPr txBox="1"/>
+                <p:nvPr/>
+              </p:nvSpPr>
+              <p:spPr>
+                <a:xfrm>
+                  <a:off x="3222738" y="5511813"/>
+                  <a:ext cx="872836" cy="307777"/>
+                </a:xfrm>
+                <a:prstGeom prst="rect">
+                  <a:avLst/>
+                </a:prstGeom>
+                <a:noFill/>
+              </p:spPr>
+              <p:txBody>
+                <a:bodyPr wrap="square" rtlCol="0">
+                  <a:spAutoFit/>
+                </a:bodyPr>
+                <a:lstStyle/>
+                <a:p>
+                  <a:r>
+                    <a:rPr lang="en-US" sz="1400" dirty="0"/>
+                    <a:t>Sample 1</a:t>
+                  </a:r>
+                </a:p>
+              </p:txBody>
+            </p:sp>
+          </p:grpSp>
+          <p:grpSp>
+            <p:nvGrpSpPr>
+              <p:cNvPr id="28" name="Group 27">
+                <a:extLst>
+                  <a:ext uri="{FF2B5EF4-FFF2-40B4-BE49-F238E27FC236}">
+                    <a16:creationId xmlns:a16="http://schemas.microsoft.com/office/drawing/2014/main" id="{23447F48-1D82-C1DB-C1BD-47EA28C8E7F2}"/>
+                  </a:ext>
+                </a:extLst>
+              </p:cNvPr>
+              <p:cNvGrpSpPr/>
+              <p:nvPr/>
+            </p:nvGrpSpPr>
+            <p:grpSpPr>
+              <a:xfrm>
+                <a:off x="3222738" y="5890869"/>
+                <a:ext cx="4647334" cy="307777"/>
+                <a:chOff x="3222738" y="5890869"/>
+                <a:chExt cx="4647334" cy="307777"/>
+              </a:xfrm>
+            </p:grpSpPr>
+            <p:grpSp>
+              <p:nvGrpSpPr>
+                <p:cNvPr id="38" name="Group 37">
+                  <a:extLst>
+                    <a:ext uri="{FF2B5EF4-FFF2-40B4-BE49-F238E27FC236}">
+                      <a16:creationId xmlns:a16="http://schemas.microsoft.com/office/drawing/2014/main" id="{BF44337F-8CC8-3831-F608-BE9B25081BE7}"/>
+                    </a:ext>
+                  </a:extLst>
+                </p:cNvPr>
+                <p:cNvGrpSpPr/>
+                <p:nvPr/>
+              </p:nvGrpSpPr>
+              <p:grpSpPr>
+                <a:xfrm>
+                  <a:off x="4450145" y="5972333"/>
+                  <a:ext cx="3419927" cy="148346"/>
+                  <a:chOff x="6621845" y="5972333"/>
+                  <a:chExt cx="3419927" cy="148346"/>
+                </a:xfrm>
+              </p:grpSpPr>
+              <p:grpSp>
+                <p:nvGrpSpPr>
+                  <p:cNvPr id="40" name="Group 39">
+                    <a:extLst>
+                      <a:ext uri="{FF2B5EF4-FFF2-40B4-BE49-F238E27FC236}">
+                        <a16:creationId xmlns:a16="http://schemas.microsoft.com/office/drawing/2014/main" id="{2F9753A0-3D9A-2CB2-0C0A-84D22E1A3B03}"/>
+                      </a:ext>
+                    </a:extLst>
+                  </p:cNvPr>
+                  <p:cNvGrpSpPr/>
+                  <p:nvPr/>
+                </p:nvGrpSpPr>
+                <p:grpSpPr>
+                  <a:xfrm>
+                    <a:off x="6621845" y="5972334"/>
+                    <a:ext cx="1652087" cy="148345"/>
+                    <a:chOff x="6621845" y="3430760"/>
+                    <a:chExt cx="1652087" cy="148345"/>
+                  </a:xfrm>
+                </p:grpSpPr>
+                <p:sp>
+                  <p:nvSpPr>
+                    <p:cNvPr id="45" name="Rectangle 44">
+                      <a:extLst>
+                        <a:ext uri="{FF2B5EF4-FFF2-40B4-BE49-F238E27FC236}">
+                          <a16:creationId xmlns:a16="http://schemas.microsoft.com/office/drawing/2014/main" id="{BDF31179-8240-6277-7974-C69802D2101F}"/>
+                        </a:ext>
+                      </a:extLst>
+                    </p:cNvPr>
+                    <p:cNvSpPr/>
+                    <p:nvPr/>
+                  </p:nvSpPr>
+                  <p:spPr>
+                    <a:xfrm>
+                      <a:off x="6628012" y="3432801"/>
+                      <a:ext cx="1645920" cy="146304"/>
+                    </a:xfrm>
+                    <a:prstGeom prst="rect">
+                      <a:avLst/>
+                    </a:prstGeom>
+                    <a:solidFill>
+                      <a:schemeClr val="tx1"/>
+                    </a:solidFill>
+                    <a:ln w="19050">
+                      <a:solidFill>
+                        <a:schemeClr val="tx1"/>
+                      </a:solidFill>
+                    </a:ln>
+                  </p:spPr>
+                  <p:style>
+                    <a:lnRef idx="2">
+                      <a:schemeClr val="accent1">
+                        <a:shade val="50000"/>
+                      </a:schemeClr>
+                    </a:lnRef>
+                    <a:fillRef idx="1">
+                      <a:schemeClr val="accent1"/>
+                    </a:fillRef>
+                    <a:effectRef idx="0">
+                      <a:schemeClr val="accent1"/>
+                    </a:effectRef>
+                    <a:fontRef idx="minor">
+                      <a:schemeClr val="lt1"/>
+                    </a:fontRef>
+                  </p:style>
+                  <p:txBody>
+                    <a:bodyPr rtlCol="0" anchor="ctr"/>
+                    <a:lstStyle/>
+                    <a:p>
+                      <a:pPr algn="ctr"/>
+                      <a:endParaRPr lang="en-US"/>
+                    </a:p>
+                  </p:txBody>
+                </p:sp>
+                <p:sp>
+                  <p:nvSpPr>
+                    <p:cNvPr id="46" name="Rectangle 45">
+                      <a:extLst>
+                        <a:ext uri="{FF2B5EF4-FFF2-40B4-BE49-F238E27FC236}">
+                          <a16:creationId xmlns:a16="http://schemas.microsoft.com/office/drawing/2014/main" id="{823F5906-765A-CE1A-838C-B717F92694BA}"/>
+                        </a:ext>
+                      </a:extLst>
+                    </p:cNvPr>
+                    <p:cNvSpPr/>
+                    <p:nvPr/>
+                  </p:nvSpPr>
+                  <p:spPr>
+                    <a:xfrm>
+                      <a:off x="6621845" y="3430760"/>
+                      <a:ext cx="182880" cy="146304"/>
+                    </a:xfrm>
+                    <a:prstGeom prst="rect">
+                      <a:avLst/>
+                    </a:prstGeom>
+                    <a:solidFill>
+                      <a:srgbClr val="9933FF"/>
+                    </a:solidFill>
+                    <a:ln w="19050">
+                      <a:solidFill>
+                        <a:schemeClr val="tx1"/>
+                      </a:solidFill>
+                    </a:ln>
+                  </p:spPr>
+                  <p:style>
+                    <a:lnRef idx="2">
+                      <a:schemeClr val="accent1">
+                        <a:shade val="50000"/>
+                      </a:schemeClr>
+                    </a:lnRef>
+                    <a:fillRef idx="1">
+                      <a:schemeClr val="accent1"/>
+                    </a:fillRef>
+                    <a:effectRef idx="0">
+                      <a:schemeClr val="accent1"/>
+                    </a:effectRef>
+                    <a:fontRef idx="minor">
+                      <a:schemeClr val="lt1"/>
+                    </a:fontRef>
+                  </p:style>
+                  <p:txBody>
+                    <a:bodyPr rtlCol="0" anchor="ctr"/>
+                    <a:lstStyle/>
+                    <a:p>
+                      <a:pPr algn="ctr"/>
+                      <a:endParaRPr lang="en-US"/>
+                    </a:p>
+                  </p:txBody>
+                </p:sp>
+                <p:sp>
+                  <p:nvSpPr>
+                    <p:cNvPr id="47" name="Rectangle 46">
+                      <a:extLst>
+                        <a:ext uri="{FF2B5EF4-FFF2-40B4-BE49-F238E27FC236}">
+                          <a16:creationId xmlns:a16="http://schemas.microsoft.com/office/drawing/2014/main" id="{AF7AC4D7-0900-AACF-8525-619ADCBA7367}"/>
+                        </a:ext>
+                      </a:extLst>
+                    </p:cNvPr>
+                    <p:cNvSpPr/>
+                    <p:nvPr/>
+                  </p:nvSpPr>
+                  <p:spPr>
+                    <a:xfrm>
+                      <a:off x="6628012" y="3431616"/>
+                      <a:ext cx="1645920" cy="146304"/>
+                    </a:xfrm>
+                    <a:prstGeom prst="rect">
+                      <a:avLst/>
+                    </a:prstGeom>
+                    <a:solidFill>
+                      <a:schemeClr val="tx1"/>
+                    </a:solidFill>
+                    <a:ln w="19050">
+                      <a:solidFill>
+                        <a:schemeClr val="tx1"/>
+                      </a:solidFill>
+                    </a:ln>
+                  </p:spPr>
+                  <p:style>
+                    <a:lnRef idx="2">
+                      <a:schemeClr val="accent1">
+                        <a:shade val="50000"/>
+                      </a:schemeClr>
+                    </a:lnRef>
+                    <a:fillRef idx="1">
+                      <a:schemeClr val="accent1"/>
+                    </a:fillRef>
+                    <a:effectRef idx="0">
+                      <a:schemeClr val="accent1"/>
+                    </a:effectRef>
+                    <a:fontRef idx="minor">
+                      <a:schemeClr val="lt1"/>
+                    </a:fontRef>
+                  </p:style>
+                  <p:txBody>
+                    <a:bodyPr rtlCol="0" anchor="ctr"/>
+                    <a:lstStyle/>
+                    <a:p>
+                      <a:pPr algn="ctr"/>
+                      <a:endParaRPr lang="en-US"/>
+                    </a:p>
+                  </p:txBody>
+                </p:sp>
+                <p:sp>
+                  <p:nvSpPr>
+                    <p:cNvPr id="48" name="Rectangle 47">
+                      <a:extLst>
+                        <a:ext uri="{FF2B5EF4-FFF2-40B4-BE49-F238E27FC236}">
+                          <a16:creationId xmlns:a16="http://schemas.microsoft.com/office/drawing/2014/main" id="{9B3EFACC-C665-06B3-9728-32C3036C5C2C}"/>
+                        </a:ext>
+                      </a:extLst>
+                    </p:cNvPr>
+                    <p:cNvSpPr/>
+                    <p:nvPr/>
+                  </p:nvSpPr>
+                  <p:spPr>
+                    <a:xfrm>
+                      <a:off x="6621845" y="3431616"/>
+                      <a:ext cx="182880" cy="146304"/>
+                    </a:xfrm>
+                    <a:prstGeom prst="rect">
+                      <a:avLst/>
+                    </a:prstGeom>
+                    <a:solidFill>
+                      <a:srgbClr val="9933FF"/>
+                    </a:solidFill>
+                    <a:ln w="19050">
+                      <a:solidFill>
+                        <a:schemeClr val="tx1"/>
+                      </a:solidFill>
+                    </a:ln>
+                  </p:spPr>
+                  <p:style>
+                    <a:lnRef idx="2">
+                      <a:schemeClr val="accent1">
+                        <a:shade val="50000"/>
+                      </a:schemeClr>
+                    </a:lnRef>
+                    <a:fillRef idx="1">
+                      <a:schemeClr val="accent1"/>
+                    </a:fillRef>
+                    <a:effectRef idx="0">
+                      <a:schemeClr val="accent1"/>
+                    </a:effectRef>
+                    <a:fontRef idx="minor">
+                      <a:schemeClr val="lt1"/>
+                    </a:fontRef>
+                  </p:style>
+                  <p:txBody>
+                    <a:bodyPr rtlCol="0" anchor="ctr"/>
+                    <a:lstStyle/>
+                    <a:p>
+                      <a:pPr algn="ctr"/>
+                      <a:endParaRPr lang="en-US"/>
+                    </a:p>
+                  </p:txBody>
+                </p:sp>
+              </p:grpSp>
+              <p:grpSp>
+                <p:nvGrpSpPr>
+                  <p:cNvPr id="41" name="Group 40">
+                    <a:extLst>
+                      <a:ext uri="{FF2B5EF4-FFF2-40B4-BE49-F238E27FC236}">
+                        <a16:creationId xmlns:a16="http://schemas.microsoft.com/office/drawing/2014/main" id="{9C96A773-9CA5-8284-5022-C7FE2C7861BE}"/>
+                      </a:ext>
+                    </a:extLst>
+                  </p:cNvPr>
+                  <p:cNvGrpSpPr/>
+                  <p:nvPr/>
+                </p:nvGrpSpPr>
+                <p:grpSpPr>
+                  <a:xfrm>
+                    <a:off x="8487292" y="5972333"/>
+                    <a:ext cx="1554480" cy="147161"/>
+                    <a:chOff x="8487292" y="3430759"/>
+                    <a:chExt cx="1554480" cy="147161"/>
+                  </a:xfrm>
+                </p:grpSpPr>
+                <p:sp>
+                  <p:nvSpPr>
+                    <p:cNvPr id="42" name="Rectangle 41">
+                      <a:extLst>
+                        <a:ext uri="{FF2B5EF4-FFF2-40B4-BE49-F238E27FC236}">
+                          <a16:creationId xmlns:a16="http://schemas.microsoft.com/office/drawing/2014/main" id="{548651FD-DFBD-7E2A-059B-C2C82C002265}"/>
+                        </a:ext>
+                      </a:extLst>
+                    </p:cNvPr>
+                    <p:cNvSpPr/>
+                    <p:nvPr/>
+                  </p:nvSpPr>
+                  <p:spPr>
+                    <a:xfrm>
+                      <a:off x="8487292" y="3431616"/>
+                      <a:ext cx="1554480" cy="146304"/>
+                    </a:xfrm>
+                    <a:prstGeom prst="rect">
+                      <a:avLst/>
+                    </a:prstGeom>
+                    <a:solidFill>
+                      <a:schemeClr val="tx1"/>
+                    </a:solidFill>
+                    <a:ln w="19050">
+                      <a:solidFill>
+                        <a:schemeClr val="tx1"/>
+                      </a:solidFill>
+                    </a:ln>
+                  </p:spPr>
+                  <p:style>
+                    <a:lnRef idx="2">
+                      <a:schemeClr val="accent1">
+                        <a:shade val="50000"/>
+                      </a:schemeClr>
+                    </a:lnRef>
+                    <a:fillRef idx="1">
+                      <a:schemeClr val="accent1"/>
+                    </a:fillRef>
+                    <a:effectRef idx="0">
+                      <a:schemeClr val="accent1"/>
+                    </a:effectRef>
+                    <a:fontRef idx="minor">
+                      <a:schemeClr val="lt1"/>
+                    </a:fontRef>
+                  </p:style>
+                  <p:txBody>
+                    <a:bodyPr rtlCol="0" anchor="ctr"/>
+                    <a:lstStyle/>
+                    <a:p>
+                      <a:pPr algn="ctr"/>
+                      <a:endParaRPr lang="en-US"/>
+                    </a:p>
+                  </p:txBody>
+                </p:sp>
+                <p:sp>
+                  <p:nvSpPr>
+                    <p:cNvPr id="43" name="Rectangle 42">
+                      <a:extLst>
+                        <a:ext uri="{FF2B5EF4-FFF2-40B4-BE49-F238E27FC236}">
+                          <a16:creationId xmlns:a16="http://schemas.microsoft.com/office/drawing/2014/main" id="{5813C697-8833-993A-7E8F-54C2DC16307A}"/>
+                        </a:ext>
+                      </a:extLst>
+                    </p:cNvPr>
+                    <p:cNvSpPr/>
+                    <p:nvPr/>
+                  </p:nvSpPr>
+                  <p:spPr>
+                    <a:xfrm>
+                      <a:off x="8487292" y="3430759"/>
+                      <a:ext cx="182880" cy="146304"/>
+                    </a:xfrm>
+                    <a:prstGeom prst="rect">
+                      <a:avLst/>
+                    </a:prstGeom>
+                    <a:solidFill>
+                      <a:srgbClr val="9933FF"/>
+                    </a:solidFill>
+                    <a:ln w="19050">
+                      <a:solidFill>
+                        <a:schemeClr val="tx1"/>
+                      </a:solidFill>
+                    </a:ln>
+                  </p:spPr>
+                  <p:style>
+                    <a:lnRef idx="2">
+                      <a:schemeClr val="accent1">
+                        <a:shade val="50000"/>
+                      </a:schemeClr>
+                    </a:lnRef>
+                    <a:fillRef idx="1">
+                      <a:schemeClr val="accent1"/>
+                    </a:fillRef>
+                    <a:effectRef idx="0">
+                      <a:schemeClr val="accent1"/>
+                    </a:effectRef>
+                    <a:fontRef idx="minor">
+                      <a:schemeClr val="lt1"/>
+                    </a:fontRef>
+                  </p:style>
+                  <p:txBody>
+                    <a:bodyPr rtlCol="0" anchor="ctr"/>
+                    <a:lstStyle/>
+                    <a:p>
+                      <a:pPr algn="ctr"/>
+                      <a:endParaRPr lang="en-US"/>
+                    </a:p>
+                  </p:txBody>
+                </p:sp>
+                <p:sp>
+                  <p:nvSpPr>
+                    <p:cNvPr id="44" name="Rectangle 43">
+                      <a:extLst>
+                        <a:ext uri="{FF2B5EF4-FFF2-40B4-BE49-F238E27FC236}">
+                          <a16:creationId xmlns:a16="http://schemas.microsoft.com/office/drawing/2014/main" id="{84C627B9-1A39-D911-2C69-C2B1277DA1CB}"/>
+                        </a:ext>
+                      </a:extLst>
+                    </p:cNvPr>
+                    <p:cNvSpPr/>
+                    <p:nvPr/>
+                  </p:nvSpPr>
+                  <p:spPr>
+                    <a:xfrm>
+                      <a:off x="8487292" y="3431616"/>
+                      <a:ext cx="182880" cy="146304"/>
+                    </a:xfrm>
+                    <a:prstGeom prst="rect">
+                      <a:avLst/>
+                    </a:prstGeom>
+                    <a:solidFill>
+                      <a:srgbClr val="9933FF"/>
+                    </a:solidFill>
+                    <a:ln w="19050">
+                      <a:solidFill>
+                        <a:schemeClr val="tx1"/>
+                      </a:solidFill>
+                    </a:ln>
+                  </p:spPr>
+                  <p:style>
+                    <a:lnRef idx="2">
+                      <a:schemeClr val="accent1">
+                        <a:shade val="50000"/>
+                      </a:schemeClr>
+                    </a:lnRef>
+                    <a:fillRef idx="1">
+                      <a:schemeClr val="accent1"/>
+                    </a:fillRef>
+                    <a:effectRef idx="0">
+                      <a:schemeClr val="accent1"/>
+                    </a:effectRef>
+                    <a:fontRef idx="minor">
+                      <a:schemeClr val="lt1"/>
+                    </a:fontRef>
+                  </p:style>
+                  <p:txBody>
+                    <a:bodyPr rtlCol="0" anchor="ctr"/>
+                    <a:lstStyle/>
+                    <a:p>
+                      <a:pPr algn="ctr"/>
+                      <a:endParaRPr lang="en-US"/>
+                    </a:p>
+                  </p:txBody>
+                </p:sp>
+              </p:grpSp>
+            </p:grpSp>
+            <p:sp>
+              <p:nvSpPr>
+                <p:cNvPr id="39" name="TextBox 38">
+                  <a:extLst>
+                    <a:ext uri="{FF2B5EF4-FFF2-40B4-BE49-F238E27FC236}">
+                      <a16:creationId xmlns:a16="http://schemas.microsoft.com/office/drawing/2014/main" id="{629FED65-3E30-E476-B133-1D68EBDAA87A}"/>
+                    </a:ext>
+                  </a:extLst>
+                </p:cNvPr>
+                <p:cNvSpPr txBox="1"/>
+                <p:nvPr/>
+              </p:nvSpPr>
+              <p:spPr>
+                <a:xfrm>
+                  <a:off x="3222738" y="5890869"/>
+                  <a:ext cx="872836" cy="307777"/>
+                </a:xfrm>
+                <a:prstGeom prst="rect">
+                  <a:avLst/>
+                </a:prstGeom>
+                <a:noFill/>
+              </p:spPr>
+              <p:txBody>
+                <a:bodyPr wrap="square" rtlCol="0">
+                  <a:spAutoFit/>
+                </a:bodyPr>
+                <a:lstStyle/>
+                <a:p>
+                  <a:r>
+                    <a:rPr lang="en-US" sz="1400" dirty="0"/>
+                    <a:t>Sample 2</a:t>
+                  </a:r>
+                </a:p>
+              </p:txBody>
+            </p:sp>
+          </p:grpSp>
+          <p:grpSp>
+            <p:nvGrpSpPr>
+              <p:cNvPr id="29" name="Group 28">
+                <a:extLst>
+                  <a:ext uri="{FF2B5EF4-FFF2-40B4-BE49-F238E27FC236}">
+                    <a16:creationId xmlns:a16="http://schemas.microsoft.com/office/drawing/2014/main" id="{74FE733A-599A-24C4-4D2B-7E2A676FE601}"/>
+                  </a:ext>
+                </a:extLst>
+              </p:cNvPr>
+              <p:cNvGrpSpPr/>
+              <p:nvPr/>
+            </p:nvGrpSpPr>
+            <p:grpSpPr>
+              <a:xfrm>
+                <a:off x="3222738" y="6229960"/>
+                <a:ext cx="4647334" cy="307777"/>
+                <a:chOff x="3222738" y="6229960"/>
+                <a:chExt cx="4647334" cy="307777"/>
+              </a:xfrm>
+            </p:grpSpPr>
+            <p:grpSp>
+              <p:nvGrpSpPr>
+                <p:cNvPr id="30" name="Group 29">
+                  <a:extLst>
+                    <a:ext uri="{FF2B5EF4-FFF2-40B4-BE49-F238E27FC236}">
+                      <a16:creationId xmlns:a16="http://schemas.microsoft.com/office/drawing/2014/main" id="{231B6447-055C-1B62-7C1D-26253604DC02}"/>
+                    </a:ext>
+                  </a:extLst>
+                </p:cNvPr>
+                <p:cNvGrpSpPr/>
+                <p:nvPr/>
+              </p:nvGrpSpPr>
+              <p:grpSpPr>
+                <a:xfrm>
+                  <a:off x="4444066" y="6312081"/>
+                  <a:ext cx="3426006" cy="146304"/>
+                  <a:chOff x="6615766" y="6312081"/>
+                  <a:chExt cx="3426006" cy="146304"/>
+                </a:xfrm>
+              </p:grpSpPr>
+              <p:grpSp>
+                <p:nvGrpSpPr>
+                  <p:cNvPr id="32" name="Group 31">
+                    <a:extLst>
+                      <a:ext uri="{FF2B5EF4-FFF2-40B4-BE49-F238E27FC236}">
+                        <a16:creationId xmlns:a16="http://schemas.microsoft.com/office/drawing/2014/main" id="{DC2EFFB8-74F0-06A5-33E4-4A6C3565D686}"/>
+                      </a:ext>
+                    </a:extLst>
+                  </p:cNvPr>
+                  <p:cNvGrpSpPr/>
+                  <p:nvPr/>
+                </p:nvGrpSpPr>
+                <p:grpSpPr>
+                  <a:xfrm>
+                    <a:off x="6615766" y="6312081"/>
+                    <a:ext cx="1658166" cy="146304"/>
+                    <a:chOff x="6615766" y="3431416"/>
+                    <a:chExt cx="1658166" cy="146304"/>
+                  </a:xfrm>
+                </p:grpSpPr>
+                <p:sp>
+                  <p:nvSpPr>
+                    <p:cNvPr id="36" name="Rectangle 35">
+                      <a:extLst>
+                        <a:ext uri="{FF2B5EF4-FFF2-40B4-BE49-F238E27FC236}">
+                          <a16:creationId xmlns:a16="http://schemas.microsoft.com/office/drawing/2014/main" id="{839D0578-F8C6-CB09-7F83-90190E4553FB}"/>
+                        </a:ext>
+                      </a:extLst>
+                    </p:cNvPr>
+                    <p:cNvSpPr/>
+                    <p:nvPr/>
+                  </p:nvSpPr>
+                  <p:spPr>
+                    <a:xfrm>
+                      <a:off x="6628012" y="3431416"/>
+                      <a:ext cx="1645920" cy="146304"/>
+                    </a:xfrm>
+                    <a:prstGeom prst="rect">
+                      <a:avLst/>
+                    </a:prstGeom>
+                    <a:solidFill>
+                      <a:schemeClr val="tx1"/>
+                    </a:solidFill>
+                    <a:ln w="19050">
+                      <a:solidFill>
+                        <a:schemeClr val="tx1"/>
+                      </a:solidFill>
+                    </a:ln>
+                  </p:spPr>
+                  <p:style>
+                    <a:lnRef idx="2">
+                      <a:schemeClr val="accent1">
+                        <a:shade val="50000"/>
+                      </a:schemeClr>
+                    </a:lnRef>
+                    <a:fillRef idx="1">
+                      <a:schemeClr val="accent1"/>
+                    </a:fillRef>
+                    <a:effectRef idx="0">
+                      <a:schemeClr val="accent1"/>
+                    </a:effectRef>
+                    <a:fontRef idx="minor">
+                      <a:schemeClr val="lt1"/>
+                    </a:fontRef>
+                  </p:style>
+                  <p:txBody>
+                    <a:bodyPr rtlCol="0" anchor="ctr"/>
+                    <a:lstStyle/>
+                    <a:p>
+                      <a:pPr algn="ctr"/>
+                      <a:endParaRPr lang="en-US"/>
+                    </a:p>
+                  </p:txBody>
+                </p:sp>
+                <p:sp>
+                  <p:nvSpPr>
+                    <p:cNvPr id="37" name="Rectangle 36">
+                      <a:extLst>
+                        <a:ext uri="{FF2B5EF4-FFF2-40B4-BE49-F238E27FC236}">
+                          <a16:creationId xmlns:a16="http://schemas.microsoft.com/office/drawing/2014/main" id="{070A72F5-F982-BA45-3D01-E9775F33E4D4}"/>
+                        </a:ext>
+                      </a:extLst>
+                    </p:cNvPr>
+                    <p:cNvSpPr/>
+                    <p:nvPr/>
+                  </p:nvSpPr>
+                  <p:spPr>
+                    <a:xfrm>
+                      <a:off x="6615766" y="3431416"/>
+                      <a:ext cx="182880" cy="146304"/>
+                    </a:xfrm>
+                    <a:prstGeom prst="rect">
+                      <a:avLst/>
+                    </a:prstGeom>
+                    <a:solidFill>
+                      <a:srgbClr val="FF6600"/>
+                    </a:solidFill>
+                    <a:ln w="19050">
+                      <a:solidFill>
+                        <a:schemeClr val="tx1"/>
+                      </a:solidFill>
+                    </a:ln>
+                  </p:spPr>
+                  <p:style>
+                    <a:lnRef idx="2">
+                      <a:schemeClr val="accent1">
+                        <a:shade val="50000"/>
+                      </a:schemeClr>
+                    </a:lnRef>
+                    <a:fillRef idx="1">
+                      <a:schemeClr val="accent1"/>
+                    </a:fillRef>
+                    <a:effectRef idx="0">
+                      <a:schemeClr val="accent1"/>
+                    </a:effectRef>
+                    <a:fontRef idx="minor">
+                      <a:schemeClr val="lt1"/>
+                    </a:fontRef>
+                  </p:style>
+                  <p:txBody>
+                    <a:bodyPr rtlCol="0" anchor="ctr"/>
+                    <a:lstStyle/>
+                    <a:p>
+                      <a:pPr algn="ctr"/>
+                      <a:endParaRPr lang="en-US"/>
+                    </a:p>
+                  </p:txBody>
+                </p:sp>
+              </p:grpSp>
+              <p:grpSp>
+                <p:nvGrpSpPr>
+                  <p:cNvPr id="33" name="Group 32">
+                    <a:extLst>
+                      <a:ext uri="{FF2B5EF4-FFF2-40B4-BE49-F238E27FC236}">
+                        <a16:creationId xmlns:a16="http://schemas.microsoft.com/office/drawing/2014/main" id="{1D3E8E44-DE58-9092-67E9-C1A4B54CC9A6}"/>
+                      </a:ext>
+                    </a:extLst>
+                  </p:cNvPr>
+                  <p:cNvGrpSpPr/>
+                  <p:nvPr/>
+                </p:nvGrpSpPr>
+                <p:grpSpPr>
+                  <a:xfrm>
+                    <a:off x="8487292" y="6312081"/>
+                    <a:ext cx="1554480" cy="146304"/>
+                    <a:chOff x="8487292" y="3431416"/>
+                    <a:chExt cx="1554480" cy="146304"/>
+                  </a:xfrm>
+                </p:grpSpPr>
+                <p:sp>
+                  <p:nvSpPr>
+                    <p:cNvPr id="34" name="Rectangle 33">
+                      <a:extLst>
+                        <a:ext uri="{FF2B5EF4-FFF2-40B4-BE49-F238E27FC236}">
+                          <a16:creationId xmlns:a16="http://schemas.microsoft.com/office/drawing/2014/main" id="{0CE4AB89-FCB2-9266-716E-76D83664FB6D}"/>
+                        </a:ext>
+                      </a:extLst>
+                    </p:cNvPr>
+                    <p:cNvSpPr/>
+                    <p:nvPr/>
+                  </p:nvSpPr>
+                  <p:spPr>
+                    <a:xfrm>
+                      <a:off x="8487292" y="3431416"/>
+                      <a:ext cx="1554480" cy="146304"/>
+                    </a:xfrm>
+                    <a:prstGeom prst="rect">
+                      <a:avLst/>
+                    </a:prstGeom>
+                    <a:solidFill>
+                      <a:schemeClr val="tx1"/>
+                    </a:solidFill>
+                    <a:ln w="19050">
+                      <a:solidFill>
+                        <a:schemeClr val="tx1"/>
+                      </a:solidFill>
+                    </a:ln>
+                  </p:spPr>
+                  <p:style>
+                    <a:lnRef idx="2">
+                      <a:schemeClr val="accent1">
+                        <a:shade val="50000"/>
+                      </a:schemeClr>
+                    </a:lnRef>
+                    <a:fillRef idx="1">
+                      <a:schemeClr val="accent1"/>
+                    </a:fillRef>
+                    <a:effectRef idx="0">
+                      <a:schemeClr val="accent1"/>
+                    </a:effectRef>
+                    <a:fontRef idx="minor">
+                      <a:schemeClr val="lt1"/>
+                    </a:fontRef>
+                  </p:style>
+                  <p:txBody>
+                    <a:bodyPr rtlCol="0" anchor="ctr"/>
+                    <a:lstStyle/>
+                    <a:p>
+                      <a:pPr algn="ctr"/>
+                      <a:endParaRPr lang="en-US"/>
+                    </a:p>
+                  </p:txBody>
+                </p:sp>
+                <p:sp>
+                  <p:nvSpPr>
+                    <p:cNvPr id="35" name="Rectangle 34">
+                      <a:extLst>
+                        <a:ext uri="{FF2B5EF4-FFF2-40B4-BE49-F238E27FC236}">
+                          <a16:creationId xmlns:a16="http://schemas.microsoft.com/office/drawing/2014/main" id="{985491F2-B98D-3BA8-7ADA-078585766E66}"/>
+                        </a:ext>
+                      </a:extLst>
+                    </p:cNvPr>
+                    <p:cNvSpPr/>
+                    <p:nvPr/>
+                  </p:nvSpPr>
+                  <p:spPr>
+                    <a:xfrm>
+                      <a:off x="8487292" y="3431416"/>
+                      <a:ext cx="182880" cy="146304"/>
+                    </a:xfrm>
+                    <a:prstGeom prst="rect">
+                      <a:avLst/>
+                    </a:prstGeom>
+                    <a:solidFill>
+                      <a:srgbClr val="FF6600"/>
+                    </a:solidFill>
+                    <a:ln w="19050">
+                      <a:solidFill>
+                        <a:schemeClr val="tx1"/>
+                      </a:solidFill>
+                    </a:ln>
+                  </p:spPr>
+                  <p:style>
+                    <a:lnRef idx="2">
+                      <a:schemeClr val="accent1">
+                        <a:shade val="50000"/>
+                      </a:schemeClr>
+                    </a:lnRef>
+                    <a:fillRef idx="1">
+                      <a:schemeClr val="accent1"/>
+                    </a:fillRef>
+                    <a:effectRef idx="0">
+                      <a:schemeClr val="accent1"/>
+                    </a:effectRef>
+                    <a:fontRef idx="minor">
+                      <a:schemeClr val="lt1"/>
+                    </a:fontRef>
+                  </p:style>
+                  <p:txBody>
+                    <a:bodyPr rtlCol="0" anchor="ctr"/>
+                    <a:lstStyle/>
+                    <a:p>
+                      <a:pPr algn="ctr"/>
+                      <a:endParaRPr lang="en-US"/>
+                    </a:p>
+                  </p:txBody>
+                </p:sp>
+              </p:grpSp>
+            </p:grpSp>
+            <p:sp>
+              <p:nvSpPr>
+                <p:cNvPr id="31" name="TextBox 30">
+                  <a:extLst>
+                    <a:ext uri="{FF2B5EF4-FFF2-40B4-BE49-F238E27FC236}">
+                      <a16:creationId xmlns:a16="http://schemas.microsoft.com/office/drawing/2014/main" id="{D435340B-536A-380B-A954-9A492D1044D1}"/>
+                    </a:ext>
+                  </a:extLst>
+                </p:cNvPr>
+                <p:cNvSpPr txBox="1"/>
+                <p:nvPr/>
+              </p:nvSpPr>
+              <p:spPr>
+                <a:xfrm>
+                  <a:off x="3222738" y="6229960"/>
+                  <a:ext cx="872836" cy="307777"/>
+                </a:xfrm>
+                <a:prstGeom prst="rect">
+                  <a:avLst/>
+                </a:prstGeom>
+                <a:noFill/>
+              </p:spPr>
+              <p:txBody>
+                <a:bodyPr wrap="square" rtlCol="0">
+                  <a:spAutoFit/>
+                </a:bodyPr>
+                <a:lstStyle/>
+                <a:p>
+                  <a:r>
+                    <a:rPr lang="en-US" sz="1400" dirty="0"/>
+                    <a:t>Sample 3</a:t>
+                  </a:r>
+                </a:p>
+              </p:txBody>
+            </p:sp>
+          </p:grpSp>
+        </p:grpSp>
+        <p:sp>
+          <p:nvSpPr>
+            <p:cNvPr id="22" name="TextBox 21">
+              <a:extLst>
+                <a:ext uri="{FF2B5EF4-FFF2-40B4-BE49-F238E27FC236}">
+                  <a16:creationId xmlns:a16="http://schemas.microsoft.com/office/drawing/2014/main" id="{81C132F3-BBBF-4ADB-70DB-A23D09464199}"/>
+                </a:ext>
+              </a:extLst>
+            </p:cNvPr>
+            <p:cNvSpPr txBox="1"/>
+            <p:nvPr/>
+          </p:nvSpPr>
+          <p:spPr>
+            <a:xfrm>
+              <a:off x="7404912" y="5695942"/>
+              <a:ext cx="872836" cy="307777"/>
+            </a:xfrm>
+            <a:prstGeom prst="rect">
+              <a:avLst/>
+            </a:prstGeom>
+            <a:noFill/>
+          </p:spPr>
+          <p:txBody>
+            <a:bodyPr wrap="square" rtlCol="0">
+              <a:spAutoFit/>
+            </a:bodyPr>
+            <a:lstStyle/>
+            <a:p>
+              <a:r>
+                <a:rPr lang="en-US" sz="1400" b="1" dirty="0"/>
+                <a:t>Pool 1</a:t>
+              </a:r>
+            </a:p>
+          </p:txBody>
+        </p:sp>
+        <p:sp>
+          <p:nvSpPr>
+            <p:cNvPr id="23" name="TextBox 22">
+              <a:extLst>
+                <a:ext uri="{FF2B5EF4-FFF2-40B4-BE49-F238E27FC236}">
+                  <a16:creationId xmlns:a16="http://schemas.microsoft.com/office/drawing/2014/main" id="{9D2A0FED-EECD-91EF-B82F-532DD72C5AA4}"/>
+                </a:ext>
+              </a:extLst>
+            </p:cNvPr>
+            <p:cNvSpPr txBox="1"/>
+            <p:nvPr/>
+          </p:nvSpPr>
+          <p:spPr>
+            <a:xfrm>
+              <a:off x="7404912" y="6243362"/>
+              <a:ext cx="872836" cy="307777"/>
+            </a:xfrm>
+            <a:prstGeom prst="rect">
+              <a:avLst/>
+            </a:prstGeom>
+            <a:noFill/>
+          </p:spPr>
+          <p:txBody>
+            <a:bodyPr wrap="square" rtlCol="0">
+              <a:spAutoFit/>
+            </a:bodyPr>
+            <a:lstStyle/>
+            <a:p>
+              <a:r>
+                <a:rPr lang="en-US" sz="1400" b="1" dirty="0"/>
+                <a:t>Pool 2</a:t>
+              </a:r>
+            </a:p>
+          </p:txBody>
+        </p:sp>
+        <p:cxnSp>
+          <p:nvCxnSpPr>
+            <p:cNvPr id="24" name="Straight Arrow Connector 23">
+              <a:extLst>
+                <a:ext uri="{FF2B5EF4-FFF2-40B4-BE49-F238E27FC236}">
+                  <a16:creationId xmlns:a16="http://schemas.microsoft.com/office/drawing/2014/main" id="{8EF42219-F82B-E29D-416C-719007970577}"/>
+                </a:ext>
+              </a:extLst>
+            </p:cNvPr>
+            <p:cNvCxnSpPr/>
+            <p:nvPr/>
+          </p:nvCxnSpPr>
+          <p:spPr>
+            <a:xfrm flipH="1">
+              <a:off x="5443610" y="8842024"/>
+              <a:ext cx="1" cy="1097280"/>
+            </a:xfrm>
+            <a:prstGeom prst="straightConnector1">
+              <a:avLst/>
+            </a:prstGeom>
+            <a:ln w="38100">
+              <a:tailEnd type="triangle"/>
+            </a:ln>
+          </p:spPr>
+          <p:style>
+            <a:lnRef idx="1">
+              <a:schemeClr val="dk1"/>
+            </a:lnRef>
+            <a:fillRef idx="0">
+              <a:schemeClr val="dk1"/>
+            </a:fillRef>
+            <a:effectRef idx="0">
+              <a:schemeClr val="dk1"/>
+            </a:effectRef>
+            <a:fontRef idx="minor">
+              <a:schemeClr val="tx1"/>
+            </a:fontRef>
+          </p:style>
+        </p:cxnSp>
+        <p:sp>
+          <p:nvSpPr>
+            <p:cNvPr id="25" name="TextBox 24">
+              <a:extLst>
+                <a:ext uri="{FF2B5EF4-FFF2-40B4-BE49-F238E27FC236}">
+                  <a16:creationId xmlns:a16="http://schemas.microsoft.com/office/drawing/2014/main" id="{9C4897E6-B19A-13FC-2222-D81E642E8A99}"/>
+                </a:ext>
+              </a:extLst>
+            </p:cNvPr>
+            <p:cNvSpPr txBox="1"/>
+            <p:nvPr/>
+          </p:nvSpPr>
+          <p:spPr>
+            <a:xfrm>
+              <a:off x="5628443" y="9286552"/>
+              <a:ext cx="3313537" cy="307777"/>
+            </a:xfrm>
+            <a:prstGeom prst="rect">
+              <a:avLst/>
+            </a:prstGeom>
+            <a:noFill/>
+          </p:spPr>
+          <p:txBody>
+            <a:bodyPr wrap="square" rtlCol="0">
+              <a:spAutoFit/>
+            </a:bodyPr>
+            <a:lstStyle/>
+            <a:p>
+              <a:r>
+                <a:rPr lang="en-US" sz="1400" dirty="0" err="1"/>
+                <a:t>BioAnalyze</a:t>
+              </a:r>
+              <a:r>
+                <a:rPr lang="en-US" sz="1400" dirty="0"/>
+                <a:t>, Quantify, Send for Sequencing</a:t>
+              </a:r>
+            </a:p>
+          </p:txBody>
+        </p:sp>
+        <p:sp>
+          <p:nvSpPr>
+            <p:cNvPr id="26" name="TextBox 25">
+              <a:extLst>
+                <a:ext uri="{FF2B5EF4-FFF2-40B4-BE49-F238E27FC236}">
+                  <a16:creationId xmlns:a16="http://schemas.microsoft.com/office/drawing/2014/main" id="{788682A3-1210-9656-1129-43E267ED9ECD}"/>
+                </a:ext>
+              </a:extLst>
+            </p:cNvPr>
+            <p:cNvSpPr txBox="1"/>
+            <p:nvPr/>
+          </p:nvSpPr>
+          <p:spPr>
+            <a:xfrm>
+              <a:off x="3786841" y="9979984"/>
+              <a:ext cx="3313537" cy="523220"/>
+            </a:xfrm>
+            <a:prstGeom prst="rect">
+              <a:avLst/>
+            </a:prstGeom>
+            <a:noFill/>
+          </p:spPr>
+          <p:txBody>
+            <a:bodyPr wrap="square" rtlCol="0">
+              <a:spAutoFit/>
+            </a:bodyPr>
+            <a:lstStyle/>
+            <a:p>
+              <a:pPr algn="ctr"/>
+              <a:r>
+                <a:rPr lang="en-US" sz="2800" b="1" dirty="0"/>
+                <a:t>Sequence!</a:t>
+              </a:r>
+            </a:p>
+          </p:txBody>
+        </p:sp>
+      </p:grpSp>
+    </p:spTree>
+    <p:extLst>
+      <p:ext uri="{BB962C8B-B14F-4D97-AF65-F5344CB8AC3E}">
+        <p14:creationId xmlns:p14="http://schemas.microsoft.com/office/powerpoint/2010/main" val="3320672671"/>
+      </p:ext>
+    </p:extLst>
+  </p:cSld>
+  <p:clrMapOvr>
+    <a:masterClrMapping/>
+  </p:clrMapOvr>
+</p:sld>
+</file>
+
 <file path=ppt/theme/theme1.xml><?xml version="1.0" encoding="utf-8"?>
 <a:theme xmlns:a="http://schemas.openxmlformats.org/drawingml/2006/main" name="Office Theme">
   <a:themeElements>
